--- a/Algorithm in c.pptx
+++ b/Algorithm in c.pptx
@@ -10,6 +10,9 @@
     <p:sldId id="318" r:id="rId4"/>
     <p:sldId id="319" r:id="rId5"/>
     <p:sldId id="320" r:id="rId6"/>
+    <p:sldId id="321" r:id="rId7"/>
+    <p:sldId id="322" r:id="rId8"/>
+    <p:sldId id="323" r:id="rId9"/>
   </p:sldIdLst>
   <p:sldSz cx="12192000" cy="6858000"/>
   <p:notesSz cx="6858000" cy="9144000"/>
@@ -18023,6 +18026,5268 @@
 </p:sld>
 </file>
 
+<file path=ppt/slides/slide6.xml><?xml version="1.0" encoding="utf-8"?>
+<p:sld xmlns:a="http://schemas.openxmlformats.org/drawingml/2006/main" xmlns:r="http://schemas.openxmlformats.org/officeDocument/2006/relationships" xmlns:p="http://schemas.openxmlformats.org/presentationml/2006/main">
+  <p:cSld>
+    <p:spTree>
+      <p:nvGrpSpPr>
+        <p:cNvPr id="1" name=""/>
+        <p:cNvGrpSpPr/>
+        <p:nvPr/>
+      </p:nvGrpSpPr>
+      <p:grpSpPr>
+        <a:xfrm>
+          <a:off x="0" y="0"/>
+          <a:ext cx="0" cy="0"/>
+          <a:chOff x="0" y="0"/>
+          <a:chExt cx="0" cy="0"/>
+        </a:xfrm>
+      </p:grpSpPr>
+      <p:sp>
+        <p:nvSpPr>
+          <p:cNvPr id="4" name="TextBox 3">
+            <a:extLst>
+              <a:ext uri="{FF2B5EF4-FFF2-40B4-BE49-F238E27FC236}">
+                <a16:creationId xmlns:a16="http://schemas.microsoft.com/office/drawing/2014/main" id="{433BF28E-3AFF-C552-FAE2-309559E95E58}"/>
+              </a:ext>
+            </a:extLst>
+          </p:cNvPr>
+          <p:cNvSpPr txBox="1"/>
+          <p:nvPr/>
+        </p:nvSpPr>
+        <p:spPr>
+          <a:xfrm>
+            <a:off x="0" y="-57750"/>
+            <a:ext cx="12192000" cy="830997"/>
+          </a:xfrm>
+          <a:prstGeom prst="rect">
+            <a:avLst/>
+          </a:prstGeom>
+          <a:noFill/>
+        </p:spPr>
+        <p:txBody>
+          <a:bodyPr wrap="square" rtlCol="0">
+            <a:spAutoFit/>
+          </a:bodyPr>
+          <a:lstStyle/>
+          <a:p>
+            <a:r>
+              <a:rPr lang="en-US" altLang="ko-KR" sz="4800" dirty="0">
+                <a:solidFill>
+                  <a:schemeClr val="bg1"/>
+                </a:solidFill>
+                <a:latin typeface="Times New Roman" panose="02020603050405020304" pitchFamily="18" charset="0"/>
+                <a:cs typeface="Times New Roman" panose="02020603050405020304" pitchFamily="18" charset="0"/>
+              </a:rPr>
+              <a:t>Bingo Sort</a:t>
+            </a:r>
+          </a:p>
+        </p:txBody>
+      </p:sp>
+      <p:graphicFrame>
+        <p:nvGraphicFramePr>
+          <p:cNvPr id="9" name="표 8">
+            <a:extLst>
+              <a:ext uri="{FF2B5EF4-FFF2-40B4-BE49-F238E27FC236}">
+                <a16:creationId xmlns:a16="http://schemas.microsoft.com/office/drawing/2014/main" id="{9C266657-4740-8092-07AD-4F300A85A0E9}"/>
+              </a:ext>
+            </a:extLst>
+          </p:cNvPr>
+          <p:cNvGraphicFramePr>
+            <a:graphicFrameLocks noGrp="1"/>
+          </p:cNvGraphicFramePr>
+          <p:nvPr>
+            <p:extLst>
+              <p:ext uri="{D42A27DB-BD31-4B8C-83A1-F6EECF244321}">
+                <p14:modId xmlns:p14="http://schemas.microsoft.com/office/powerpoint/2010/main" val="3863695420"/>
+              </p:ext>
+            </p:extLst>
+          </p:nvPr>
+        </p:nvGraphicFramePr>
+        <p:xfrm>
+          <a:off x="177800" y="868119"/>
+          <a:ext cx="11811000" cy="5812081"/>
+        </p:xfrm>
+        <a:graphic>
+          <a:graphicData uri="http://schemas.openxmlformats.org/drawingml/2006/table">
+            <a:tbl>
+              <a:tblPr firstRow="1" bandRow="1">
+                <a:tableStyleId>{5C22544A-7EE6-4342-B048-85BDC9FD1C3A}</a:tableStyleId>
+              </a:tblPr>
+              <a:tblGrid>
+                <a:gridCol w="11811000">
+                  <a:extLst>
+                    <a:ext uri="{9D8B030D-6E8A-4147-A177-3AD203B41FA5}">
+                      <a16:colId xmlns:a16="http://schemas.microsoft.com/office/drawing/2014/main" val="1427386122"/>
+                    </a:ext>
+                  </a:extLst>
+                </a:gridCol>
+              </a:tblGrid>
+              <a:tr h="5812081">
+                <a:tc>
+                  <a:txBody>
+                    <a:bodyPr/>
+                    <a:lstStyle/>
+                    <a:p>
+                      <a:pPr marL="0" marR="0" lvl="0" indent="0" algn="l" defTabSz="914400" rtl="0" eaLnBrk="1" fontAlgn="base" latinLnBrk="1" hangingPunct="1">
+                        <a:lnSpc>
+                          <a:spcPct val="100000"/>
+                        </a:lnSpc>
+                        <a:spcBef>
+                          <a:spcPct val="0"/>
+                        </a:spcBef>
+                        <a:spcAft>
+                          <a:spcPct val="0"/>
+                        </a:spcAft>
+                        <a:buClrTx/>
+                        <a:buSzTx/>
+                        <a:buFontTx/>
+                        <a:buNone/>
+                        <a:tabLst/>
+                      </a:pPr>
+                      <a:r>
+                        <a:rPr lang="en-US" altLang="ko-KR" sz="1200" b="1" kern="1200" dirty="0">
+                          <a:solidFill>
+                            <a:schemeClr val="tx1"/>
+                          </a:solidFill>
+                          <a:latin typeface="+mn-lt"/>
+                          <a:ea typeface="+mn-ea"/>
+                          <a:cs typeface="+mn-cs"/>
+                        </a:rPr>
+                        <a:t>- </a:t>
+                      </a:r>
+                      <a:r>
+                        <a:rPr lang="ko-KR" altLang="en-US" sz="1200" b="1" kern="1200" dirty="0">
+                          <a:solidFill>
+                            <a:schemeClr val="tx1"/>
+                          </a:solidFill>
+                          <a:latin typeface="+mn-lt"/>
+                          <a:ea typeface="+mn-ea"/>
+                          <a:cs typeface="+mn-cs"/>
+                        </a:rPr>
+                        <a:t>빙고 정렬 </a:t>
+                      </a:r>
+                      <a:r>
+                        <a:rPr lang="en-US" altLang="ko-KR" sz="1200" b="1" kern="1200" dirty="0">
+                          <a:solidFill>
+                            <a:schemeClr val="tx1"/>
+                          </a:solidFill>
+                          <a:latin typeface="+mn-lt"/>
+                          <a:ea typeface="+mn-ea"/>
+                          <a:cs typeface="+mn-cs"/>
+                        </a:rPr>
+                        <a:t>= </a:t>
+                      </a:r>
+                      <a:r>
+                        <a:rPr lang="ko-KR" altLang="en-US" sz="1200" b="1" kern="1200" dirty="0">
+                          <a:solidFill>
+                            <a:schemeClr val="tx1"/>
+                          </a:solidFill>
+                          <a:latin typeface="+mn-lt"/>
+                          <a:ea typeface="+mn-ea"/>
+                          <a:cs typeface="+mn-cs"/>
+                        </a:rPr>
+                        <a:t>가장 작은 요소를 찾고</a:t>
+                      </a:r>
+                      <a:r>
+                        <a:rPr lang="en-US" altLang="ko-KR" sz="1200" b="1" kern="1200" dirty="0">
+                          <a:solidFill>
+                            <a:schemeClr val="tx1"/>
+                          </a:solidFill>
+                          <a:latin typeface="+mn-lt"/>
+                          <a:ea typeface="+mn-ea"/>
+                          <a:cs typeface="+mn-cs"/>
+                        </a:rPr>
+                        <a:t>, </a:t>
+                      </a:r>
+                      <a:r>
+                        <a:rPr lang="ko-KR" altLang="en-US" sz="1200" b="1" kern="1200" dirty="0">
+                          <a:solidFill>
+                            <a:schemeClr val="tx1"/>
+                          </a:solidFill>
+                          <a:latin typeface="+mn-lt"/>
+                          <a:ea typeface="+mn-ea"/>
+                          <a:cs typeface="+mn-cs"/>
+                        </a:rPr>
+                        <a:t>선택 정렬과 유사하게 동작</a:t>
+                      </a:r>
+                      <a:endParaRPr lang="en-US" altLang="ko-KR" sz="1200" b="1" kern="1200" dirty="0">
+                        <a:solidFill>
+                          <a:schemeClr val="tx1"/>
+                        </a:solidFill>
+                        <a:latin typeface="+mn-lt"/>
+                        <a:ea typeface="+mn-ea"/>
+                        <a:cs typeface="+mn-cs"/>
+                      </a:endParaRPr>
+                    </a:p>
+                    <a:p>
+                      <a:pPr marL="0" marR="0" lvl="0" indent="0" algn="l" defTabSz="914400" rtl="0" eaLnBrk="1" fontAlgn="base" latinLnBrk="1" hangingPunct="1">
+                        <a:lnSpc>
+                          <a:spcPct val="100000"/>
+                        </a:lnSpc>
+                        <a:spcBef>
+                          <a:spcPct val="0"/>
+                        </a:spcBef>
+                        <a:spcAft>
+                          <a:spcPct val="0"/>
+                        </a:spcAft>
+                        <a:buClrTx/>
+                        <a:buSzTx/>
+                        <a:buFontTx/>
+                        <a:buNone/>
+                        <a:tabLst/>
+                      </a:pPr>
+                      <a:r>
+                        <a:rPr lang="en-US" altLang="ko-KR" sz="1200" b="1" kern="1200" dirty="0">
+                          <a:solidFill>
+                            <a:schemeClr val="tx1"/>
+                          </a:solidFill>
+                          <a:latin typeface="+mn-lt"/>
+                          <a:ea typeface="+mn-ea"/>
+                          <a:cs typeface="+mn-cs"/>
+                        </a:rPr>
+                        <a:t>- </a:t>
+                      </a:r>
+                      <a:r>
+                        <a:rPr lang="ko-KR" altLang="en-US" sz="1200" b="1" kern="1200" dirty="0">
+                          <a:solidFill>
+                            <a:schemeClr val="tx1"/>
+                          </a:solidFill>
+                          <a:latin typeface="+mn-lt"/>
+                          <a:ea typeface="+mn-ea"/>
+                          <a:cs typeface="+mn-cs"/>
+                        </a:rPr>
+                        <a:t>요소의 반복이 잦다면 효율적</a:t>
+                      </a:r>
+                      <a:r>
+                        <a:rPr lang="en-US" altLang="ko-KR" sz="1200" b="1" kern="1200" dirty="0">
+                          <a:solidFill>
+                            <a:schemeClr val="tx1"/>
+                          </a:solidFill>
+                          <a:latin typeface="+mn-lt"/>
+                          <a:ea typeface="+mn-ea"/>
+                          <a:cs typeface="+mn-cs"/>
+                        </a:rPr>
+                        <a:t>( </a:t>
+                      </a:r>
+                      <a:r>
+                        <a:rPr lang="ko-KR" altLang="en-US" sz="1200" b="1" kern="1200" dirty="0">
+                          <a:solidFill>
+                            <a:schemeClr val="tx1"/>
+                          </a:solidFill>
+                          <a:latin typeface="+mn-lt"/>
+                          <a:ea typeface="+mn-ea"/>
+                          <a:cs typeface="+mn-cs"/>
+                        </a:rPr>
+                        <a:t>요소 수 </a:t>
+                      </a:r>
+                      <a:r>
+                        <a:rPr lang="en-US" altLang="ko-KR" sz="1200" b="1" kern="1200" dirty="0">
+                          <a:solidFill>
+                            <a:schemeClr val="tx1"/>
+                          </a:solidFill>
+                          <a:latin typeface="+mn-lt"/>
+                          <a:ea typeface="+mn-ea"/>
+                          <a:cs typeface="+mn-cs"/>
+                        </a:rPr>
+                        <a:t>&lt; log</a:t>
+                      </a:r>
+                      <a:r>
+                        <a:rPr lang="ko-KR" altLang="en-US" sz="1200" b="1" kern="1200" dirty="0">
+                          <a:solidFill>
+                            <a:schemeClr val="tx1"/>
+                          </a:solidFill>
+                          <a:latin typeface="+mn-lt"/>
+                          <a:ea typeface="+mn-ea"/>
+                          <a:cs typeface="+mn-cs"/>
+                        </a:rPr>
+                        <a:t> 배열크기 일 때 좋음</a:t>
+                      </a:r>
+                      <a:r>
+                        <a:rPr lang="en-US" altLang="ko-KR" sz="1200" b="1" kern="1200" dirty="0">
+                          <a:solidFill>
+                            <a:schemeClr val="tx1"/>
+                          </a:solidFill>
+                          <a:latin typeface="+mn-lt"/>
+                          <a:ea typeface="+mn-ea"/>
+                          <a:cs typeface="+mn-cs"/>
+                        </a:rPr>
+                        <a:t>, </a:t>
+                      </a:r>
+                      <a:r>
+                        <a:rPr lang="ko-KR" altLang="en-US" sz="1200" b="1" kern="1200" dirty="0" err="1">
+                          <a:solidFill>
+                            <a:schemeClr val="tx1"/>
+                          </a:solidFill>
+                          <a:latin typeface="+mn-lt"/>
+                          <a:ea typeface="+mn-ea"/>
+                          <a:cs typeface="+mn-cs"/>
+                        </a:rPr>
+                        <a:t>요소수</a:t>
+                      </a:r>
+                      <a:r>
+                        <a:rPr lang="ko-KR" altLang="en-US" sz="1200" b="1" kern="1200" dirty="0">
+                          <a:solidFill>
+                            <a:schemeClr val="tx1"/>
+                          </a:solidFill>
+                          <a:latin typeface="+mn-lt"/>
+                          <a:ea typeface="+mn-ea"/>
+                          <a:cs typeface="+mn-cs"/>
+                        </a:rPr>
+                        <a:t> </a:t>
+                      </a:r>
+                      <a:r>
+                        <a:rPr lang="en-US" altLang="ko-KR" sz="1200" b="1" kern="1200" dirty="0">
+                          <a:solidFill>
+                            <a:schemeClr val="tx1"/>
+                          </a:solidFill>
+                          <a:latin typeface="+mn-lt"/>
+                          <a:ea typeface="+mn-ea"/>
+                          <a:cs typeface="+mn-cs"/>
+                        </a:rPr>
+                        <a:t>= </a:t>
+                      </a:r>
+                      <a:r>
+                        <a:rPr lang="ko-KR" altLang="en-US" sz="1200" b="1" kern="1200" dirty="0">
+                          <a:solidFill>
+                            <a:schemeClr val="tx1"/>
+                          </a:solidFill>
+                          <a:latin typeface="+mn-lt"/>
+                          <a:ea typeface="+mn-ea"/>
+                          <a:cs typeface="+mn-cs"/>
+                        </a:rPr>
+                        <a:t>배열 수 일 때 </a:t>
+                      </a:r>
+                      <a:r>
+                        <a:rPr lang="ko-KR" altLang="en-US" sz="1200" b="1" kern="1200" dirty="0" err="1">
+                          <a:solidFill>
+                            <a:schemeClr val="tx1"/>
+                          </a:solidFill>
+                          <a:latin typeface="+mn-lt"/>
+                          <a:ea typeface="+mn-ea"/>
+                          <a:cs typeface="+mn-cs"/>
+                        </a:rPr>
+                        <a:t>안좋음</a:t>
+                      </a:r>
+                      <a:r>
+                        <a:rPr lang="en-US" altLang="ko-KR" sz="1200" b="1" kern="1200" dirty="0">
+                          <a:solidFill>
+                            <a:schemeClr val="tx1"/>
+                          </a:solidFill>
+                          <a:latin typeface="+mn-lt"/>
+                          <a:ea typeface="+mn-ea"/>
+                          <a:cs typeface="+mn-cs"/>
+                        </a:rPr>
+                        <a:t>)</a:t>
+                      </a:r>
+                    </a:p>
+                  </a:txBody>
+                  <a:tcPr>
+                    <a:lnL w="28575" cap="flat" cmpd="sng" algn="ctr">
+                      <a:solidFill>
+                        <a:schemeClr val="tx1"/>
+                      </a:solidFill>
+                      <a:prstDash val="solid"/>
+                      <a:round/>
+                      <a:headEnd type="none" w="med" len="med"/>
+                      <a:tailEnd type="none" w="med" len="med"/>
+                    </a:lnL>
+                    <a:lnR w="28575" cap="flat" cmpd="sng" algn="ctr">
+                      <a:solidFill>
+                        <a:schemeClr val="tx1"/>
+                      </a:solidFill>
+                      <a:prstDash val="solid"/>
+                      <a:round/>
+                      <a:headEnd type="none" w="med" len="med"/>
+                      <a:tailEnd type="none" w="med" len="med"/>
+                    </a:lnR>
+                    <a:lnT w="28575" cap="flat" cmpd="sng" algn="ctr">
+                      <a:solidFill>
+                        <a:schemeClr val="tx1"/>
+                      </a:solidFill>
+                      <a:prstDash val="solid"/>
+                      <a:round/>
+                      <a:headEnd type="none" w="med" len="med"/>
+                      <a:tailEnd type="none" w="med" len="med"/>
+                    </a:lnT>
+                    <a:lnB w="28575" cap="flat" cmpd="sng" algn="ctr">
+                      <a:solidFill>
+                        <a:schemeClr val="tx1"/>
+                      </a:solidFill>
+                      <a:prstDash val="solid"/>
+                      <a:round/>
+                      <a:headEnd type="none" w="med" len="med"/>
+                      <a:tailEnd type="none" w="med" len="med"/>
+                    </a:lnB>
+                    <a:lnTlToBr w="12700" cmpd="sng">
+                      <a:noFill/>
+                      <a:prstDash val="solid"/>
+                    </a:lnTlToBr>
+                    <a:lnBlToTr w="12700" cmpd="sng">
+                      <a:noFill/>
+                      <a:prstDash val="solid"/>
+                    </a:lnBlToTr>
+                    <a:noFill/>
+                  </a:tcPr>
+                </a:tc>
+                <a:extLst>
+                  <a:ext uri="{0D108BD9-81ED-4DB2-BD59-A6C34878D82A}">
+                    <a16:rowId xmlns:a16="http://schemas.microsoft.com/office/drawing/2014/main" val="4126198778"/>
+                  </a:ext>
+                </a:extLst>
+              </a:tr>
+            </a:tbl>
+          </a:graphicData>
+        </a:graphic>
+      </p:graphicFrame>
+      <p:graphicFrame>
+        <p:nvGraphicFramePr>
+          <p:cNvPr id="15" name="표 14">
+            <a:extLst>
+              <a:ext uri="{FF2B5EF4-FFF2-40B4-BE49-F238E27FC236}">
+                <a16:creationId xmlns:a16="http://schemas.microsoft.com/office/drawing/2014/main" id="{E0CF06A7-BA9A-A1BC-656B-5BB52BCCF818}"/>
+              </a:ext>
+            </a:extLst>
+          </p:cNvPr>
+          <p:cNvGraphicFramePr>
+            <a:graphicFrameLocks noGrp="1"/>
+          </p:cNvGraphicFramePr>
+          <p:nvPr>
+            <p:extLst>
+              <p:ext uri="{D42A27DB-BD31-4B8C-83A1-F6EECF244321}">
+                <p14:modId xmlns:p14="http://schemas.microsoft.com/office/powerpoint/2010/main" val="716096587"/>
+              </p:ext>
+            </p:extLst>
+          </p:nvPr>
+        </p:nvGraphicFramePr>
+        <p:xfrm>
+          <a:off x="8084457" y="884448"/>
+          <a:ext cx="3713114" cy="4663440"/>
+        </p:xfrm>
+        <a:graphic>
+          <a:graphicData uri="http://schemas.openxmlformats.org/drawingml/2006/table">
+            <a:tbl>
+              <a:tblPr firstRow="1" bandRow="1">
+                <a:tableStyleId>{5C22544A-7EE6-4342-B048-85BDC9FD1C3A}</a:tableStyleId>
+              </a:tblPr>
+              <a:tblGrid>
+                <a:gridCol w="3713114">
+                  <a:extLst>
+                    <a:ext uri="{9D8B030D-6E8A-4147-A177-3AD203B41FA5}">
+                      <a16:colId xmlns:a16="http://schemas.microsoft.com/office/drawing/2014/main" val="1427386122"/>
+                    </a:ext>
+                  </a:extLst>
+                </a:gridCol>
+              </a:tblGrid>
+              <a:tr h="2557171">
+                <a:tc>
+                  <a:txBody>
+                    <a:bodyPr/>
+                    <a:lstStyle/>
+                    <a:p>
+                      <a:pPr marL="0" marR="0" lvl="0" indent="0" algn="l" defTabSz="914400" rtl="0" eaLnBrk="1" fontAlgn="base" latinLnBrk="1" hangingPunct="1">
+                        <a:lnSpc>
+                          <a:spcPct val="100000"/>
+                        </a:lnSpc>
+                        <a:spcBef>
+                          <a:spcPct val="0"/>
+                        </a:spcBef>
+                        <a:spcAft>
+                          <a:spcPct val="0"/>
+                        </a:spcAft>
+                        <a:buClrTx/>
+                        <a:buSzTx/>
+                        <a:buFontTx/>
+                        <a:buNone/>
+                        <a:tabLst/>
+                      </a:pPr>
+                      <a:r>
+                        <a:rPr lang="en-US" altLang="ko-KR" sz="1200" b="1" kern="1200" dirty="0">
+                          <a:solidFill>
+                            <a:schemeClr val="tx1"/>
+                          </a:solidFill>
+                          <a:latin typeface="+mn-lt"/>
+                          <a:ea typeface="+mn-ea"/>
+                          <a:cs typeface="+mn-cs"/>
+                        </a:rPr>
+                        <a:t>void </a:t>
+                      </a:r>
+                      <a:r>
+                        <a:rPr lang="en-US" altLang="ko-KR" sz="1200" b="1" kern="1200" dirty="0" err="1">
+                          <a:solidFill>
+                            <a:schemeClr val="tx1"/>
+                          </a:solidFill>
+                          <a:latin typeface="+mn-lt"/>
+                          <a:ea typeface="+mn-ea"/>
+                          <a:cs typeface="+mn-cs"/>
+                        </a:rPr>
+                        <a:t>BingoSort</a:t>
+                      </a:r>
+                      <a:r>
+                        <a:rPr lang="en-US" altLang="ko-KR" sz="1200" b="1" kern="1200" dirty="0">
+                          <a:solidFill>
+                            <a:schemeClr val="tx1"/>
+                          </a:solidFill>
+                          <a:latin typeface="+mn-lt"/>
+                          <a:ea typeface="+mn-ea"/>
+                          <a:cs typeface="+mn-cs"/>
+                        </a:rPr>
+                        <a:t>(int* </a:t>
+                      </a:r>
+                      <a:r>
+                        <a:rPr lang="en-US" altLang="ko-KR" sz="1200" b="1" kern="1200" dirty="0" err="1">
+                          <a:solidFill>
+                            <a:schemeClr val="tx1"/>
+                          </a:solidFill>
+                          <a:latin typeface="+mn-lt"/>
+                          <a:ea typeface="+mn-ea"/>
+                          <a:cs typeface="+mn-cs"/>
+                        </a:rPr>
+                        <a:t>arr</a:t>
+                      </a:r>
+                      <a:r>
+                        <a:rPr lang="en-US" altLang="ko-KR" sz="1200" b="1" kern="1200" dirty="0">
+                          <a:solidFill>
+                            <a:schemeClr val="tx1"/>
+                          </a:solidFill>
+                          <a:latin typeface="+mn-lt"/>
+                          <a:ea typeface="+mn-ea"/>
+                          <a:cs typeface="+mn-cs"/>
+                        </a:rPr>
+                        <a:t>, int size){</a:t>
+                      </a:r>
+                    </a:p>
+                    <a:p>
+                      <a:pPr marL="0" marR="0" lvl="0" indent="0" algn="l" defTabSz="914400" rtl="0" eaLnBrk="1" fontAlgn="base" latinLnBrk="1" hangingPunct="1">
+                        <a:lnSpc>
+                          <a:spcPct val="100000"/>
+                        </a:lnSpc>
+                        <a:spcBef>
+                          <a:spcPct val="0"/>
+                        </a:spcBef>
+                        <a:spcAft>
+                          <a:spcPct val="0"/>
+                        </a:spcAft>
+                        <a:buClrTx/>
+                        <a:buSzTx/>
+                        <a:buFontTx/>
+                        <a:buNone/>
+                        <a:tabLst/>
+                      </a:pPr>
+                      <a:r>
+                        <a:rPr lang="en-US" altLang="ko-KR" sz="1200" b="1" kern="1200" dirty="0">
+                          <a:solidFill>
+                            <a:schemeClr val="tx1"/>
+                          </a:solidFill>
+                          <a:latin typeface="+mn-lt"/>
+                          <a:ea typeface="+mn-ea"/>
+                          <a:cs typeface="+mn-cs"/>
+                        </a:rPr>
+                        <a:t>    int b = </a:t>
+                      </a:r>
+                      <a:r>
+                        <a:rPr lang="en-US" altLang="ko-KR" sz="1200" b="1" kern="1200" dirty="0" err="1">
+                          <a:solidFill>
+                            <a:schemeClr val="tx1"/>
+                          </a:solidFill>
+                          <a:latin typeface="+mn-lt"/>
+                          <a:ea typeface="+mn-ea"/>
+                          <a:cs typeface="+mn-cs"/>
+                        </a:rPr>
+                        <a:t>arr</a:t>
+                      </a:r>
+                      <a:r>
+                        <a:rPr lang="en-US" altLang="ko-KR" sz="1200" b="1" kern="1200" dirty="0">
+                          <a:solidFill>
+                            <a:schemeClr val="tx1"/>
+                          </a:solidFill>
+                          <a:latin typeface="+mn-lt"/>
+                          <a:ea typeface="+mn-ea"/>
+                          <a:cs typeface="+mn-cs"/>
+                        </a:rPr>
+                        <a:t>[0];</a:t>
+                      </a:r>
+                    </a:p>
+                    <a:p>
+                      <a:pPr marL="0" marR="0" lvl="0" indent="0" algn="l" defTabSz="914400" rtl="0" eaLnBrk="1" fontAlgn="base" latinLnBrk="1" hangingPunct="1">
+                        <a:lnSpc>
+                          <a:spcPct val="100000"/>
+                        </a:lnSpc>
+                        <a:spcBef>
+                          <a:spcPct val="0"/>
+                        </a:spcBef>
+                        <a:spcAft>
+                          <a:spcPct val="0"/>
+                        </a:spcAft>
+                        <a:buClrTx/>
+                        <a:buSzTx/>
+                        <a:buFontTx/>
+                        <a:buNone/>
+                        <a:tabLst/>
+                      </a:pPr>
+                      <a:r>
+                        <a:rPr lang="en-US" altLang="ko-KR" sz="1200" b="1" kern="1200" dirty="0">
+                          <a:solidFill>
+                            <a:schemeClr val="tx1"/>
+                          </a:solidFill>
+                          <a:latin typeface="+mn-lt"/>
+                          <a:ea typeface="+mn-ea"/>
+                          <a:cs typeface="+mn-cs"/>
+                        </a:rPr>
+                        <a:t>    int </a:t>
+                      </a:r>
+                      <a:r>
+                        <a:rPr lang="en-US" altLang="ko-KR" sz="1200" b="1" kern="1200" dirty="0" err="1">
+                          <a:solidFill>
+                            <a:schemeClr val="tx1"/>
+                          </a:solidFill>
+                          <a:latin typeface="+mn-lt"/>
+                          <a:ea typeface="+mn-ea"/>
+                          <a:cs typeface="+mn-cs"/>
+                        </a:rPr>
+                        <a:t>nb</a:t>
+                      </a:r>
+                      <a:r>
+                        <a:rPr lang="en-US" altLang="ko-KR" sz="1200" b="1" kern="1200" dirty="0">
+                          <a:solidFill>
+                            <a:schemeClr val="tx1"/>
+                          </a:solidFill>
+                          <a:latin typeface="+mn-lt"/>
+                          <a:ea typeface="+mn-ea"/>
+                          <a:cs typeface="+mn-cs"/>
+                        </a:rPr>
+                        <a:t> = </a:t>
+                      </a:r>
+                      <a:r>
+                        <a:rPr lang="en-US" altLang="ko-KR" sz="1200" b="1" kern="1200" dirty="0" err="1">
+                          <a:solidFill>
+                            <a:schemeClr val="tx1"/>
+                          </a:solidFill>
+                          <a:latin typeface="+mn-lt"/>
+                          <a:ea typeface="+mn-ea"/>
+                          <a:cs typeface="+mn-cs"/>
+                        </a:rPr>
+                        <a:t>arr</a:t>
+                      </a:r>
+                      <a:r>
+                        <a:rPr lang="en-US" altLang="ko-KR" sz="1200" b="1" kern="1200" dirty="0">
+                          <a:solidFill>
+                            <a:schemeClr val="tx1"/>
+                          </a:solidFill>
+                          <a:latin typeface="+mn-lt"/>
+                          <a:ea typeface="+mn-ea"/>
+                          <a:cs typeface="+mn-cs"/>
+                        </a:rPr>
+                        <a:t>[0];</a:t>
+                      </a:r>
+                    </a:p>
+                    <a:p>
+                      <a:pPr marL="0" marR="0" lvl="0" indent="0" algn="l" defTabSz="914400" rtl="0" eaLnBrk="1" fontAlgn="base" latinLnBrk="1" hangingPunct="1">
+                        <a:lnSpc>
+                          <a:spcPct val="100000"/>
+                        </a:lnSpc>
+                        <a:spcBef>
+                          <a:spcPct val="0"/>
+                        </a:spcBef>
+                        <a:spcAft>
+                          <a:spcPct val="0"/>
+                        </a:spcAft>
+                        <a:buClrTx/>
+                        <a:buSzTx/>
+                        <a:buFontTx/>
+                        <a:buNone/>
+                        <a:tabLst/>
+                      </a:pPr>
+                      <a:r>
+                        <a:rPr lang="en-US" altLang="ko-KR" sz="1200" b="1" kern="1200" dirty="0">
+                          <a:solidFill>
+                            <a:schemeClr val="tx1"/>
+                          </a:solidFill>
+                          <a:latin typeface="+mn-lt"/>
+                          <a:ea typeface="+mn-ea"/>
+                          <a:cs typeface="+mn-cs"/>
+                        </a:rPr>
+                        <a:t>    int </a:t>
+                      </a:r>
+                      <a:r>
+                        <a:rPr lang="en-US" altLang="ko-KR" sz="1200" b="1" kern="1200" dirty="0" err="1">
+                          <a:solidFill>
+                            <a:schemeClr val="tx1"/>
+                          </a:solidFill>
+                          <a:latin typeface="+mn-lt"/>
+                          <a:ea typeface="+mn-ea"/>
+                          <a:cs typeface="+mn-cs"/>
+                        </a:rPr>
+                        <a:t>i</a:t>
+                      </a:r>
+                      <a:r>
+                        <a:rPr lang="en-US" altLang="ko-KR" sz="1200" b="1" kern="1200" dirty="0">
+                          <a:solidFill>
+                            <a:schemeClr val="tx1"/>
+                          </a:solidFill>
+                          <a:latin typeface="+mn-lt"/>
+                          <a:ea typeface="+mn-ea"/>
+                          <a:cs typeface="+mn-cs"/>
+                        </a:rPr>
+                        <a:t>;</a:t>
+                      </a:r>
+                    </a:p>
+                    <a:p>
+                      <a:pPr marL="0" marR="0" lvl="0" indent="0" algn="l" defTabSz="914400" rtl="0" eaLnBrk="1" fontAlgn="base" latinLnBrk="1" hangingPunct="1">
+                        <a:lnSpc>
+                          <a:spcPct val="100000"/>
+                        </a:lnSpc>
+                        <a:spcBef>
+                          <a:spcPct val="0"/>
+                        </a:spcBef>
+                        <a:spcAft>
+                          <a:spcPct val="0"/>
+                        </a:spcAft>
+                        <a:buClrTx/>
+                        <a:buSzTx/>
+                        <a:buFontTx/>
+                        <a:buNone/>
+                        <a:tabLst/>
+                      </a:pPr>
+                      <a:r>
+                        <a:rPr lang="en-US" altLang="ko-KR" sz="1200" b="1" kern="1200" dirty="0">
+                          <a:solidFill>
+                            <a:schemeClr val="tx1"/>
+                          </a:solidFill>
+                          <a:latin typeface="+mn-lt"/>
+                          <a:ea typeface="+mn-ea"/>
+                          <a:cs typeface="+mn-cs"/>
+                        </a:rPr>
+                        <a:t>    int max, </a:t>
+                      </a:r>
+                      <a:r>
+                        <a:rPr lang="en-US" altLang="ko-KR" sz="1200" b="1" kern="1200" dirty="0" err="1">
+                          <a:solidFill>
+                            <a:schemeClr val="tx1"/>
+                          </a:solidFill>
+                          <a:latin typeface="+mn-lt"/>
+                          <a:ea typeface="+mn-ea"/>
+                          <a:cs typeface="+mn-cs"/>
+                        </a:rPr>
+                        <a:t>n_pos</a:t>
+                      </a:r>
+                      <a:r>
+                        <a:rPr lang="en-US" altLang="ko-KR" sz="1200" b="1" kern="1200" dirty="0">
+                          <a:solidFill>
+                            <a:schemeClr val="tx1"/>
+                          </a:solidFill>
+                          <a:latin typeface="+mn-lt"/>
+                          <a:ea typeface="+mn-ea"/>
+                          <a:cs typeface="+mn-cs"/>
+                        </a:rPr>
+                        <a:t>, </a:t>
+                      </a:r>
+                      <a:r>
+                        <a:rPr lang="en-US" altLang="ko-KR" sz="1200" b="1" kern="1200" dirty="0" err="1">
+                          <a:solidFill>
+                            <a:schemeClr val="tx1"/>
+                          </a:solidFill>
+                          <a:latin typeface="+mn-lt"/>
+                          <a:ea typeface="+mn-ea"/>
+                          <a:cs typeface="+mn-cs"/>
+                        </a:rPr>
+                        <a:t>s_pos</a:t>
+                      </a:r>
+                      <a:r>
+                        <a:rPr lang="en-US" altLang="ko-KR" sz="1200" b="1" kern="1200" dirty="0">
+                          <a:solidFill>
+                            <a:schemeClr val="tx1"/>
+                          </a:solidFill>
+                          <a:latin typeface="+mn-lt"/>
+                          <a:ea typeface="+mn-ea"/>
+                          <a:cs typeface="+mn-cs"/>
+                        </a:rPr>
+                        <a:t>;</a:t>
+                      </a:r>
+                    </a:p>
+                    <a:p>
+                      <a:pPr marL="0" marR="0" lvl="0" indent="0" algn="l" defTabSz="914400" rtl="0" eaLnBrk="1" fontAlgn="base" latinLnBrk="1" hangingPunct="1">
+                        <a:lnSpc>
+                          <a:spcPct val="100000"/>
+                        </a:lnSpc>
+                        <a:spcBef>
+                          <a:spcPct val="0"/>
+                        </a:spcBef>
+                        <a:spcAft>
+                          <a:spcPct val="0"/>
+                        </a:spcAft>
+                        <a:buClrTx/>
+                        <a:buSzTx/>
+                        <a:buFontTx/>
+                        <a:buNone/>
+                        <a:tabLst/>
+                      </a:pPr>
+                      <a:r>
+                        <a:rPr lang="en-US" altLang="ko-KR" sz="1200" b="1" kern="1200" dirty="0">
+                          <a:solidFill>
+                            <a:schemeClr val="tx1"/>
+                          </a:solidFill>
+                          <a:latin typeface="+mn-lt"/>
+                          <a:ea typeface="+mn-ea"/>
+                          <a:cs typeface="+mn-cs"/>
+                        </a:rPr>
+                        <a:t>    for(</a:t>
+                      </a:r>
+                      <a:r>
+                        <a:rPr lang="en-US" altLang="ko-KR" sz="1200" b="1" kern="1200" dirty="0" err="1">
+                          <a:solidFill>
+                            <a:schemeClr val="tx1"/>
+                          </a:solidFill>
+                          <a:latin typeface="+mn-lt"/>
+                          <a:ea typeface="+mn-ea"/>
+                          <a:cs typeface="+mn-cs"/>
+                        </a:rPr>
+                        <a:t>i</a:t>
+                      </a:r>
+                      <a:r>
+                        <a:rPr lang="en-US" altLang="ko-KR" sz="1200" b="1" kern="1200" dirty="0">
+                          <a:solidFill>
+                            <a:schemeClr val="tx1"/>
+                          </a:solidFill>
+                          <a:latin typeface="+mn-lt"/>
+                          <a:ea typeface="+mn-ea"/>
+                          <a:cs typeface="+mn-cs"/>
+                        </a:rPr>
+                        <a:t>=1; </a:t>
+                      </a:r>
+                      <a:r>
+                        <a:rPr lang="en-US" altLang="ko-KR" sz="1200" b="1" kern="1200" dirty="0" err="1">
+                          <a:solidFill>
+                            <a:schemeClr val="tx1"/>
+                          </a:solidFill>
+                          <a:latin typeface="+mn-lt"/>
+                          <a:ea typeface="+mn-ea"/>
+                          <a:cs typeface="+mn-cs"/>
+                        </a:rPr>
+                        <a:t>i</a:t>
+                      </a:r>
+                      <a:r>
+                        <a:rPr lang="en-US" altLang="ko-KR" sz="1200" b="1" kern="1200" dirty="0">
+                          <a:solidFill>
+                            <a:schemeClr val="tx1"/>
+                          </a:solidFill>
+                          <a:latin typeface="+mn-lt"/>
+                          <a:ea typeface="+mn-ea"/>
+                          <a:cs typeface="+mn-cs"/>
+                        </a:rPr>
+                        <a:t> &lt; size; </a:t>
+                      </a:r>
+                      <a:r>
+                        <a:rPr lang="en-US" altLang="ko-KR" sz="1200" b="1" kern="1200" dirty="0" err="1">
+                          <a:solidFill>
+                            <a:schemeClr val="tx1"/>
+                          </a:solidFill>
+                          <a:latin typeface="+mn-lt"/>
+                          <a:ea typeface="+mn-ea"/>
+                          <a:cs typeface="+mn-cs"/>
+                        </a:rPr>
+                        <a:t>i</a:t>
+                      </a:r>
+                      <a:r>
+                        <a:rPr lang="en-US" altLang="ko-KR" sz="1200" b="1" kern="1200" dirty="0">
+                          <a:solidFill>
+                            <a:schemeClr val="tx1"/>
+                          </a:solidFill>
+                          <a:latin typeface="+mn-lt"/>
+                          <a:ea typeface="+mn-ea"/>
+                          <a:cs typeface="+mn-cs"/>
+                        </a:rPr>
+                        <a:t>++){</a:t>
+                      </a:r>
+                    </a:p>
+                    <a:p>
+                      <a:pPr marL="0" marR="0" lvl="0" indent="0" algn="l" defTabSz="914400" rtl="0" eaLnBrk="1" fontAlgn="base" latinLnBrk="1" hangingPunct="1">
+                        <a:lnSpc>
+                          <a:spcPct val="100000"/>
+                        </a:lnSpc>
+                        <a:spcBef>
+                          <a:spcPct val="0"/>
+                        </a:spcBef>
+                        <a:spcAft>
+                          <a:spcPct val="0"/>
+                        </a:spcAft>
+                        <a:buClrTx/>
+                        <a:buSzTx/>
+                        <a:buFontTx/>
+                        <a:buNone/>
+                        <a:tabLst/>
+                      </a:pPr>
+                      <a:r>
+                        <a:rPr lang="en-US" altLang="ko-KR" sz="1200" b="1" kern="1200" dirty="0">
+                          <a:solidFill>
+                            <a:schemeClr val="tx1"/>
+                          </a:solidFill>
+                          <a:latin typeface="+mn-lt"/>
+                          <a:ea typeface="+mn-ea"/>
+                          <a:cs typeface="+mn-cs"/>
+                        </a:rPr>
+                        <a:t>        b = (b &lt; </a:t>
+                      </a:r>
+                      <a:r>
+                        <a:rPr lang="en-US" altLang="ko-KR" sz="1200" b="1" kern="1200" dirty="0" err="1">
+                          <a:solidFill>
+                            <a:schemeClr val="tx1"/>
+                          </a:solidFill>
+                          <a:latin typeface="+mn-lt"/>
+                          <a:ea typeface="+mn-ea"/>
+                          <a:cs typeface="+mn-cs"/>
+                        </a:rPr>
+                        <a:t>arr</a:t>
+                      </a:r>
+                      <a:r>
+                        <a:rPr lang="en-US" altLang="ko-KR" sz="1200" b="1" kern="1200" dirty="0">
+                          <a:solidFill>
+                            <a:schemeClr val="tx1"/>
+                          </a:solidFill>
+                          <a:latin typeface="+mn-lt"/>
+                          <a:ea typeface="+mn-ea"/>
+                          <a:cs typeface="+mn-cs"/>
+                        </a:rPr>
+                        <a:t>[</a:t>
+                      </a:r>
+                      <a:r>
+                        <a:rPr lang="en-US" altLang="ko-KR" sz="1200" b="1" kern="1200" dirty="0" err="1">
+                          <a:solidFill>
+                            <a:schemeClr val="tx1"/>
+                          </a:solidFill>
+                          <a:latin typeface="+mn-lt"/>
+                          <a:ea typeface="+mn-ea"/>
+                          <a:cs typeface="+mn-cs"/>
+                        </a:rPr>
+                        <a:t>i</a:t>
+                      </a:r>
+                      <a:r>
+                        <a:rPr lang="en-US" altLang="ko-KR" sz="1200" b="1" kern="1200" dirty="0">
+                          <a:solidFill>
+                            <a:schemeClr val="tx1"/>
+                          </a:solidFill>
+                          <a:latin typeface="+mn-lt"/>
+                          <a:ea typeface="+mn-ea"/>
+                          <a:cs typeface="+mn-cs"/>
+                        </a:rPr>
+                        <a:t>]) ? b : </a:t>
+                      </a:r>
+                      <a:r>
+                        <a:rPr lang="en-US" altLang="ko-KR" sz="1200" b="1" kern="1200" dirty="0" err="1">
+                          <a:solidFill>
+                            <a:schemeClr val="tx1"/>
+                          </a:solidFill>
+                          <a:latin typeface="+mn-lt"/>
+                          <a:ea typeface="+mn-ea"/>
+                          <a:cs typeface="+mn-cs"/>
+                        </a:rPr>
+                        <a:t>arr</a:t>
+                      </a:r>
+                      <a:r>
+                        <a:rPr lang="en-US" altLang="ko-KR" sz="1200" b="1" kern="1200" dirty="0">
+                          <a:solidFill>
+                            <a:schemeClr val="tx1"/>
+                          </a:solidFill>
+                          <a:latin typeface="+mn-lt"/>
+                          <a:ea typeface="+mn-ea"/>
+                          <a:cs typeface="+mn-cs"/>
+                        </a:rPr>
+                        <a:t>[</a:t>
+                      </a:r>
+                      <a:r>
+                        <a:rPr lang="en-US" altLang="ko-KR" sz="1200" b="1" kern="1200" dirty="0" err="1">
+                          <a:solidFill>
+                            <a:schemeClr val="tx1"/>
+                          </a:solidFill>
+                          <a:latin typeface="+mn-lt"/>
+                          <a:ea typeface="+mn-ea"/>
+                          <a:cs typeface="+mn-cs"/>
+                        </a:rPr>
+                        <a:t>i</a:t>
+                      </a:r>
+                      <a:r>
+                        <a:rPr lang="en-US" altLang="ko-KR" sz="1200" b="1" kern="1200" dirty="0">
+                          <a:solidFill>
+                            <a:schemeClr val="tx1"/>
+                          </a:solidFill>
+                          <a:latin typeface="+mn-lt"/>
+                          <a:ea typeface="+mn-ea"/>
+                          <a:cs typeface="+mn-cs"/>
+                        </a:rPr>
+                        <a:t>];//min value</a:t>
+                      </a:r>
+                    </a:p>
+                    <a:p>
+                      <a:pPr marL="0" marR="0" lvl="0" indent="0" algn="l" defTabSz="914400" rtl="0" eaLnBrk="1" fontAlgn="base" latinLnBrk="1" hangingPunct="1">
+                        <a:lnSpc>
+                          <a:spcPct val="100000"/>
+                        </a:lnSpc>
+                        <a:spcBef>
+                          <a:spcPct val="0"/>
+                        </a:spcBef>
+                        <a:spcAft>
+                          <a:spcPct val="0"/>
+                        </a:spcAft>
+                        <a:buClrTx/>
+                        <a:buSzTx/>
+                        <a:buFontTx/>
+                        <a:buNone/>
+                        <a:tabLst/>
+                      </a:pPr>
+                      <a:r>
+                        <a:rPr lang="en-US" altLang="ko-KR" sz="1200" b="1" kern="1200" dirty="0">
+                          <a:solidFill>
+                            <a:schemeClr val="tx1"/>
+                          </a:solidFill>
+                          <a:latin typeface="+mn-lt"/>
+                          <a:ea typeface="+mn-ea"/>
+                          <a:cs typeface="+mn-cs"/>
+                        </a:rPr>
+                        <a:t>        </a:t>
+                      </a:r>
+                      <a:r>
+                        <a:rPr lang="en-US" altLang="ko-KR" sz="1200" b="1" kern="1200" dirty="0" err="1">
+                          <a:solidFill>
+                            <a:schemeClr val="tx1"/>
+                          </a:solidFill>
+                          <a:latin typeface="+mn-lt"/>
+                          <a:ea typeface="+mn-ea"/>
+                          <a:cs typeface="+mn-cs"/>
+                        </a:rPr>
+                        <a:t>nb</a:t>
+                      </a:r>
+                      <a:r>
+                        <a:rPr lang="en-US" altLang="ko-KR" sz="1200" b="1" kern="1200" dirty="0">
+                          <a:solidFill>
+                            <a:schemeClr val="tx1"/>
+                          </a:solidFill>
+                          <a:latin typeface="+mn-lt"/>
+                          <a:ea typeface="+mn-ea"/>
+                          <a:cs typeface="+mn-cs"/>
+                        </a:rPr>
+                        <a:t> = (</a:t>
+                      </a:r>
+                      <a:r>
+                        <a:rPr lang="en-US" altLang="ko-KR" sz="1200" b="1" kern="1200" dirty="0" err="1">
+                          <a:solidFill>
+                            <a:schemeClr val="tx1"/>
+                          </a:solidFill>
+                          <a:latin typeface="+mn-lt"/>
+                          <a:ea typeface="+mn-ea"/>
+                          <a:cs typeface="+mn-cs"/>
+                        </a:rPr>
+                        <a:t>nb</a:t>
+                      </a:r>
+                      <a:r>
+                        <a:rPr lang="en-US" altLang="ko-KR" sz="1200" b="1" kern="1200" dirty="0">
+                          <a:solidFill>
+                            <a:schemeClr val="tx1"/>
+                          </a:solidFill>
+                          <a:latin typeface="+mn-lt"/>
+                          <a:ea typeface="+mn-ea"/>
+                          <a:cs typeface="+mn-cs"/>
+                        </a:rPr>
+                        <a:t> &gt; </a:t>
+                      </a:r>
+                      <a:r>
+                        <a:rPr lang="en-US" altLang="ko-KR" sz="1200" b="1" kern="1200" dirty="0" err="1">
+                          <a:solidFill>
+                            <a:schemeClr val="tx1"/>
+                          </a:solidFill>
+                          <a:latin typeface="+mn-lt"/>
+                          <a:ea typeface="+mn-ea"/>
+                          <a:cs typeface="+mn-cs"/>
+                        </a:rPr>
+                        <a:t>arr</a:t>
+                      </a:r>
+                      <a:r>
+                        <a:rPr lang="en-US" altLang="ko-KR" sz="1200" b="1" kern="1200" dirty="0">
+                          <a:solidFill>
+                            <a:schemeClr val="tx1"/>
+                          </a:solidFill>
+                          <a:latin typeface="+mn-lt"/>
+                          <a:ea typeface="+mn-ea"/>
+                          <a:cs typeface="+mn-cs"/>
+                        </a:rPr>
+                        <a:t>[</a:t>
+                      </a:r>
+                      <a:r>
+                        <a:rPr lang="en-US" altLang="ko-KR" sz="1200" b="1" kern="1200" dirty="0" err="1">
+                          <a:solidFill>
+                            <a:schemeClr val="tx1"/>
+                          </a:solidFill>
+                          <a:latin typeface="+mn-lt"/>
+                          <a:ea typeface="+mn-ea"/>
+                          <a:cs typeface="+mn-cs"/>
+                        </a:rPr>
+                        <a:t>i</a:t>
+                      </a:r>
+                      <a:r>
+                        <a:rPr lang="en-US" altLang="ko-KR" sz="1200" b="1" kern="1200" dirty="0">
+                          <a:solidFill>
+                            <a:schemeClr val="tx1"/>
+                          </a:solidFill>
+                          <a:latin typeface="+mn-lt"/>
+                          <a:ea typeface="+mn-ea"/>
+                          <a:cs typeface="+mn-cs"/>
+                        </a:rPr>
+                        <a:t>]) ? </a:t>
+                      </a:r>
+                      <a:r>
+                        <a:rPr lang="en-US" altLang="ko-KR" sz="1200" b="1" kern="1200" dirty="0" err="1">
+                          <a:solidFill>
+                            <a:schemeClr val="tx1"/>
+                          </a:solidFill>
+                          <a:latin typeface="+mn-lt"/>
+                          <a:ea typeface="+mn-ea"/>
+                          <a:cs typeface="+mn-cs"/>
+                        </a:rPr>
+                        <a:t>nb</a:t>
+                      </a:r>
+                      <a:r>
+                        <a:rPr lang="en-US" altLang="ko-KR" sz="1200" b="1" kern="1200" dirty="0">
+                          <a:solidFill>
+                            <a:schemeClr val="tx1"/>
+                          </a:solidFill>
+                          <a:latin typeface="+mn-lt"/>
+                          <a:ea typeface="+mn-ea"/>
+                          <a:cs typeface="+mn-cs"/>
+                        </a:rPr>
+                        <a:t> : </a:t>
+                      </a:r>
+                      <a:r>
+                        <a:rPr lang="en-US" altLang="ko-KR" sz="1200" b="1" kern="1200" dirty="0" err="1">
+                          <a:solidFill>
+                            <a:schemeClr val="tx1"/>
+                          </a:solidFill>
+                          <a:latin typeface="+mn-lt"/>
+                          <a:ea typeface="+mn-ea"/>
+                          <a:cs typeface="+mn-cs"/>
+                        </a:rPr>
+                        <a:t>arr</a:t>
+                      </a:r>
+                      <a:r>
+                        <a:rPr lang="en-US" altLang="ko-KR" sz="1200" b="1" kern="1200" dirty="0">
+                          <a:solidFill>
+                            <a:schemeClr val="tx1"/>
+                          </a:solidFill>
+                          <a:latin typeface="+mn-lt"/>
+                          <a:ea typeface="+mn-ea"/>
+                          <a:cs typeface="+mn-cs"/>
+                        </a:rPr>
+                        <a:t>[</a:t>
+                      </a:r>
+                      <a:r>
+                        <a:rPr lang="en-US" altLang="ko-KR" sz="1200" b="1" kern="1200" dirty="0" err="1">
+                          <a:solidFill>
+                            <a:schemeClr val="tx1"/>
+                          </a:solidFill>
+                          <a:latin typeface="+mn-lt"/>
+                          <a:ea typeface="+mn-ea"/>
+                          <a:cs typeface="+mn-cs"/>
+                        </a:rPr>
+                        <a:t>i</a:t>
+                      </a:r>
+                      <a:r>
+                        <a:rPr lang="en-US" altLang="ko-KR" sz="1200" b="1" kern="1200" dirty="0">
+                          <a:solidFill>
+                            <a:schemeClr val="tx1"/>
+                          </a:solidFill>
+                          <a:latin typeface="+mn-lt"/>
+                          <a:ea typeface="+mn-ea"/>
+                          <a:cs typeface="+mn-cs"/>
+                        </a:rPr>
+                        <a:t>];//max value</a:t>
+                      </a:r>
+                    </a:p>
+                    <a:p>
+                      <a:pPr marL="0" marR="0" lvl="0" indent="0" algn="l" defTabSz="914400" rtl="0" eaLnBrk="1" fontAlgn="base" latinLnBrk="1" hangingPunct="1">
+                        <a:lnSpc>
+                          <a:spcPct val="100000"/>
+                        </a:lnSpc>
+                        <a:spcBef>
+                          <a:spcPct val="0"/>
+                        </a:spcBef>
+                        <a:spcAft>
+                          <a:spcPct val="0"/>
+                        </a:spcAft>
+                        <a:buClrTx/>
+                        <a:buSzTx/>
+                        <a:buFontTx/>
+                        <a:buNone/>
+                        <a:tabLst/>
+                      </a:pPr>
+                      <a:r>
+                        <a:rPr lang="en-US" altLang="ko-KR" sz="1200" b="1" kern="1200" dirty="0">
+                          <a:solidFill>
+                            <a:schemeClr val="tx1"/>
+                          </a:solidFill>
+                          <a:latin typeface="+mn-lt"/>
+                          <a:ea typeface="+mn-ea"/>
+                          <a:cs typeface="+mn-cs"/>
+                        </a:rPr>
+                        <a:t>    }</a:t>
+                      </a:r>
+                    </a:p>
+                    <a:p>
+                      <a:pPr marL="0" marR="0" lvl="0" indent="0" algn="l" defTabSz="914400" rtl="0" eaLnBrk="1" fontAlgn="base" latinLnBrk="1" hangingPunct="1">
+                        <a:lnSpc>
+                          <a:spcPct val="100000"/>
+                        </a:lnSpc>
+                        <a:spcBef>
+                          <a:spcPct val="0"/>
+                        </a:spcBef>
+                        <a:spcAft>
+                          <a:spcPct val="0"/>
+                        </a:spcAft>
+                        <a:buClrTx/>
+                        <a:buSzTx/>
+                        <a:buFontTx/>
+                        <a:buNone/>
+                        <a:tabLst/>
+                      </a:pPr>
+                      <a:r>
+                        <a:rPr lang="en-US" altLang="ko-KR" sz="1200" b="1" kern="1200" dirty="0">
+                          <a:solidFill>
+                            <a:schemeClr val="tx1"/>
+                          </a:solidFill>
+                          <a:latin typeface="+mn-lt"/>
+                          <a:ea typeface="+mn-ea"/>
+                          <a:cs typeface="+mn-cs"/>
+                        </a:rPr>
+                        <a:t>    max = </a:t>
+                      </a:r>
+                      <a:r>
+                        <a:rPr lang="en-US" altLang="ko-KR" sz="1200" b="1" kern="1200" dirty="0" err="1">
+                          <a:solidFill>
+                            <a:schemeClr val="tx1"/>
+                          </a:solidFill>
+                          <a:latin typeface="+mn-lt"/>
+                          <a:ea typeface="+mn-ea"/>
+                          <a:cs typeface="+mn-cs"/>
+                        </a:rPr>
+                        <a:t>nb</a:t>
+                      </a:r>
+                      <a:r>
+                        <a:rPr lang="en-US" altLang="ko-KR" sz="1200" b="1" kern="1200" dirty="0">
+                          <a:solidFill>
+                            <a:schemeClr val="tx1"/>
+                          </a:solidFill>
+                          <a:latin typeface="+mn-lt"/>
+                          <a:ea typeface="+mn-ea"/>
+                          <a:cs typeface="+mn-cs"/>
+                        </a:rPr>
+                        <a:t>;</a:t>
+                      </a:r>
+                    </a:p>
+                    <a:p>
+                      <a:pPr marL="0" marR="0" lvl="0" indent="0" algn="l" defTabSz="914400" rtl="0" eaLnBrk="1" fontAlgn="base" latinLnBrk="1" hangingPunct="1">
+                        <a:lnSpc>
+                          <a:spcPct val="100000"/>
+                        </a:lnSpc>
+                        <a:spcBef>
+                          <a:spcPct val="0"/>
+                        </a:spcBef>
+                        <a:spcAft>
+                          <a:spcPct val="0"/>
+                        </a:spcAft>
+                        <a:buClrTx/>
+                        <a:buSzTx/>
+                        <a:buFontTx/>
+                        <a:buNone/>
+                        <a:tabLst/>
+                      </a:pPr>
+                      <a:r>
+                        <a:rPr lang="en-US" altLang="ko-KR" sz="1200" b="1" kern="1200" dirty="0">
+                          <a:solidFill>
+                            <a:schemeClr val="tx1"/>
+                          </a:solidFill>
+                          <a:latin typeface="+mn-lt"/>
+                          <a:ea typeface="+mn-ea"/>
+                          <a:cs typeface="+mn-cs"/>
+                        </a:rPr>
+                        <a:t>    </a:t>
+                      </a:r>
+                      <a:r>
+                        <a:rPr lang="en-US" altLang="ko-KR" sz="1200" b="1" kern="1200" dirty="0" err="1">
+                          <a:solidFill>
+                            <a:schemeClr val="tx1"/>
+                          </a:solidFill>
+                          <a:latin typeface="+mn-lt"/>
+                          <a:ea typeface="+mn-ea"/>
+                          <a:cs typeface="+mn-cs"/>
+                        </a:rPr>
+                        <a:t>n_pos</a:t>
+                      </a:r>
+                      <a:r>
+                        <a:rPr lang="en-US" altLang="ko-KR" sz="1200" b="1" kern="1200" dirty="0">
+                          <a:solidFill>
+                            <a:schemeClr val="tx1"/>
+                          </a:solidFill>
+                          <a:latin typeface="+mn-lt"/>
+                          <a:ea typeface="+mn-ea"/>
+                          <a:cs typeface="+mn-cs"/>
+                        </a:rPr>
+                        <a:t> = 0;</a:t>
+                      </a:r>
+                    </a:p>
+                    <a:p>
+                      <a:pPr marL="0" marR="0" lvl="0" indent="0" algn="l" defTabSz="914400" rtl="0" eaLnBrk="1" fontAlgn="base" latinLnBrk="1" hangingPunct="1">
+                        <a:lnSpc>
+                          <a:spcPct val="100000"/>
+                        </a:lnSpc>
+                        <a:spcBef>
+                          <a:spcPct val="0"/>
+                        </a:spcBef>
+                        <a:spcAft>
+                          <a:spcPct val="0"/>
+                        </a:spcAft>
+                        <a:buClrTx/>
+                        <a:buSzTx/>
+                        <a:buFontTx/>
+                        <a:buNone/>
+                        <a:tabLst/>
+                      </a:pPr>
+                      <a:r>
+                        <a:rPr lang="en-US" altLang="ko-KR" sz="1200" b="1" kern="1200" dirty="0">
+                          <a:solidFill>
+                            <a:schemeClr val="tx1"/>
+                          </a:solidFill>
+                          <a:latin typeface="+mn-lt"/>
+                          <a:ea typeface="+mn-ea"/>
+                          <a:cs typeface="+mn-cs"/>
+                        </a:rPr>
+                        <a:t>    while(b &lt; </a:t>
+                      </a:r>
+                      <a:r>
+                        <a:rPr lang="en-US" altLang="ko-KR" sz="1200" b="1" kern="1200" dirty="0" err="1">
+                          <a:solidFill>
+                            <a:schemeClr val="tx1"/>
+                          </a:solidFill>
+                          <a:latin typeface="+mn-lt"/>
+                          <a:ea typeface="+mn-ea"/>
+                          <a:cs typeface="+mn-cs"/>
+                        </a:rPr>
+                        <a:t>nb</a:t>
+                      </a:r>
+                      <a:r>
+                        <a:rPr lang="en-US" altLang="ko-KR" sz="1200" b="1" kern="1200" dirty="0">
+                          <a:solidFill>
+                            <a:schemeClr val="tx1"/>
+                          </a:solidFill>
+                          <a:latin typeface="+mn-lt"/>
+                          <a:ea typeface="+mn-ea"/>
+                          <a:cs typeface="+mn-cs"/>
+                        </a:rPr>
+                        <a:t>){</a:t>
+                      </a:r>
+                    </a:p>
+                    <a:p>
+                      <a:pPr marL="0" marR="0" lvl="0" indent="0" algn="l" defTabSz="914400" rtl="0" eaLnBrk="1" fontAlgn="base" latinLnBrk="1" hangingPunct="1">
+                        <a:lnSpc>
+                          <a:spcPct val="100000"/>
+                        </a:lnSpc>
+                        <a:spcBef>
+                          <a:spcPct val="0"/>
+                        </a:spcBef>
+                        <a:spcAft>
+                          <a:spcPct val="0"/>
+                        </a:spcAft>
+                        <a:buClrTx/>
+                        <a:buSzTx/>
+                        <a:buFontTx/>
+                        <a:buNone/>
+                        <a:tabLst/>
+                      </a:pPr>
+                      <a:r>
+                        <a:rPr lang="en-US" altLang="ko-KR" sz="1200" b="1" kern="1200" dirty="0">
+                          <a:solidFill>
+                            <a:schemeClr val="tx1"/>
+                          </a:solidFill>
+                          <a:latin typeface="+mn-lt"/>
+                          <a:ea typeface="+mn-ea"/>
+                          <a:cs typeface="+mn-cs"/>
+                        </a:rPr>
+                        <a:t>        </a:t>
+                      </a:r>
+                      <a:r>
+                        <a:rPr lang="en-US" altLang="ko-KR" sz="1200" b="1" kern="1200" dirty="0" err="1">
+                          <a:solidFill>
+                            <a:schemeClr val="tx1"/>
+                          </a:solidFill>
+                          <a:latin typeface="+mn-lt"/>
+                          <a:ea typeface="+mn-ea"/>
+                          <a:cs typeface="+mn-cs"/>
+                        </a:rPr>
+                        <a:t>s_pos</a:t>
+                      </a:r>
+                      <a:r>
+                        <a:rPr lang="en-US" altLang="ko-KR" sz="1200" b="1" kern="1200" dirty="0">
+                          <a:solidFill>
+                            <a:schemeClr val="tx1"/>
+                          </a:solidFill>
+                          <a:latin typeface="+mn-lt"/>
+                          <a:ea typeface="+mn-ea"/>
+                          <a:cs typeface="+mn-cs"/>
+                        </a:rPr>
+                        <a:t> = </a:t>
+                      </a:r>
+                      <a:r>
+                        <a:rPr lang="en-US" altLang="ko-KR" sz="1200" b="1" kern="1200" dirty="0" err="1">
+                          <a:solidFill>
+                            <a:schemeClr val="tx1"/>
+                          </a:solidFill>
+                          <a:latin typeface="+mn-lt"/>
+                          <a:ea typeface="+mn-ea"/>
+                          <a:cs typeface="+mn-cs"/>
+                        </a:rPr>
+                        <a:t>n_pos</a:t>
+                      </a:r>
+                      <a:r>
+                        <a:rPr lang="en-US" altLang="ko-KR" sz="1200" b="1" kern="1200" dirty="0">
+                          <a:solidFill>
+                            <a:schemeClr val="tx1"/>
+                          </a:solidFill>
+                          <a:latin typeface="+mn-lt"/>
+                          <a:ea typeface="+mn-ea"/>
+                          <a:cs typeface="+mn-cs"/>
+                        </a:rPr>
+                        <a:t>;</a:t>
+                      </a:r>
+                    </a:p>
+                    <a:p>
+                      <a:pPr marL="0" marR="0" lvl="0" indent="0" algn="l" defTabSz="914400" rtl="0" eaLnBrk="1" fontAlgn="base" latinLnBrk="1" hangingPunct="1">
+                        <a:lnSpc>
+                          <a:spcPct val="100000"/>
+                        </a:lnSpc>
+                        <a:spcBef>
+                          <a:spcPct val="0"/>
+                        </a:spcBef>
+                        <a:spcAft>
+                          <a:spcPct val="0"/>
+                        </a:spcAft>
+                        <a:buClrTx/>
+                        <a:buSzTx/>
+                        <a:buFontTx/>
+                        <a:buNone/>
+                        <a:tabLst/>
+                      </a:pPr>
+                      <a:r>
+                        <a:rPr lang="en-US" altLang="ko-KR" sz="1200" b="1" kern="1200" dirty="0">
+                          <a:solidFill>
+                            <a:schemeClr val="tx1"/>
+                          </a:solidFill>
+                          <a:latin typeface="+mn-lt"/>
+                          <a:ea typeface="+mn-ea"/>
+                          <a:cs typeface="+mn-cs"/>
+                        </a:rPr>
+                        <a:t>        for(</a:t>
+                      </a:r>
+                      <a:r>
+                        <a:rPr lang="en-US" altLang="ko-KR" sz="1200" b="1" kern="1200" dirty="0" err="1">
+                          <a:solidFill>
+                            <a:schemeClr val="tx1"/>
+                          </a:solidFill>
+                          <a:latin typeface="+mn-lt"/>
+                          <a:ea typeface="+mn-ea"/>
+                          <a:cs typeface="+mn-cs"/>
+                        </a:rPr>
+                        <a:t>i</a:t>
+                      </a:r>
+                      <a:r>
+                        <a:rPr lang="en-US" altLang="ko-KR" sz="1200" b="1" kern="1200" dirty="0">
+                          <a:solidFill>
+                            <a:schemeClr val="tx1"/>
+                          </a:solidFill>
+                          <a:latin typeface="+mn-lt"/>
+                          <a:ea typeface="+mn-ea"/>
+                          <a:cs typeface="+mn-cs"/>
+                        </a:rPr>
+                        <a:t>=</a:t>
+                      </a:r>
+                      <a:r>
+                        <a:rPr lang="en-US" altLang="ko-KR" sz="1200" b="1" kern="1200" dirty="0" err="1">
+                          <a:solidFill>
+                            <a:schemeClr val="tx1"/>
+                          </a:solidFill>
+                          <a:latin typeface="+mn-lt"/>
+                          <a:ea typeface="+mn-ea"/>
+                          <a:cs typeface="+mn-cs"/>
+                        </a:rPr>
+                        <a:t>s_pos</a:t>
+                      </a:r>
+                      <a:r>
+                        <a:rPr lang="en-US" altLang="ko-KR" sz="1200" b="1" kern="1200" dirty="0">
+                          <a:solidFill>
+                            <a:schemeClr val="tx1"/>
+                          </a:solidFill>
+                          <a:latin typeface="+mn-lt"/>
+                          <a:ea typeface="+mn-ea"/>
+                          <a:cs typeface="+mn-cs"/>
+                        </a:rPr>
+                        <a:t>; </a:t>
+                      </a:r>
+                      <a:r>
+                        <a:rPr lang="en-US" altLang="ko-KR" sz="1200" b="1" kern="1200" dirty="0" err="1">
+                          <a:solidFill>
+                            <a:schemeClr val="tx1"/>
+                          </a:solidFill>
+                          <a:latin typeface="+mn-lt"/>
+                          <a:ea typeface="+mn-ea"/>
+                          <a:cs typeface="+mn-cs"/>
+                        </a:rPr>
+                        <a:t>i</a:t>
+                      </a:r>
+                      <a:r>
+                        <a:rPr lang="en-US" altLang="ko-KR" sz="1200" b="1" kern="1200" dirty="0">
+                          <a:solidFill>
+                            <a:schemeClr val="tx1"/>
+                          </a:solidFill>
+                          <a:latin typeface="+mn-lt"/>
+                          <a:ea typeface="+mn-ea"/>
+                          <a:cs typeface="+mn-cs"/>
+                        </a:rPr>
+                        <a:t>&lt;size; </a:t>
+                      </a:r>
+                      <a:r>
+                        <a:rPr lang="en-US" altLang="ko-KR" sz="1200" b="1" kern="1200" dirty="0" err="1">
+                          <a:solidFill>
+                            <a:schemeClr val="tx1"/>
+                          </a:solidFill>
+                          <a:latin typeface="+mn-lt"/>
+                          <a:ea typeface="+mn-ea"/>
+                          <a:cs typeface="+mn-cs"/>
+                        </a:rPr>
+                        <a:t>i</a:t>
+                      </a:r>
+                      <a:r>
+                        <a:rPr lang="en-US" altLang="ko-KR" sz="1200" b="1" kern="1200" dirty="0">
+                          <a:solidFill>
+                            <a:schemeClr val="tx1"/>
+                          </a:solidFill>
+                          <a:latin typeface="+mn-lt"/>
+                          <a:ea typeface="+mn-ea"/>
+                          <a:cs typeface="+mn-cs"/>
+                        </a:rPr>
+                        <a:t>++){</a:t>
+                      </a:r>
+                    </a:p>
+                    <a:p>
+                      <a:pPr marL="0" marR="0" lvl="0" indent="0" algn="l" defTabSz="914400" rtl="0" eaLnBrk="1" fontAlgn="base" latinLnBrk="1" hangingPunct="1">
+                        <a:lnSpc>
+                          <a:spcPct val="100000"/>
+                        </a:lnSpc>
+                        <a:spcBef>
+                          <a:spcPct val="0"/>
+                        </a:spcBef>
+                        <a:spcAft>
+                          <a:spcPct val="0"/>
+                        </a:spcAft>
+                        <a:buClrTx/>
+                        <a:buSzTx/>
+                        <a:buFontTx/>
+                        <a:buNone/>
+                        <a:tabLst/>
+                      </a:pPr>
+                      <a:r>
+                        <a:rPr lang="en-US" altLang="ko-KR" sz="1200" b="1" kern="1200" dirty="0">
+                          <a:solidFill>
+                            <a:schemeClr val="tx1"/>
+                          </a:solidFill>
+                          <a:latin typeface="+mn-lt"/>
+                          <a:ea typeface="+mn-ea"/>
+                          <a:cs typeface="+mn-cs"/>
+                        </a:rPr>
+                        <a:t>            if(</a:t>
+                      </a:r>
+                      <a:r>
+                        <a:rPr lang="en-US" altLang="ko-KR" sz="1200" b="1" kern="1200" dirty="0" err="1">
+                          <a:solidFill>
+                            <a:schemeClr val="tx1"/>
+                          </a:solidFill>
+                          <a:latin typeface="+mn-lt"/>
+                          <a:ea typeface="+mn-ea"/>
+                          <a:cs typeface="+mn-cs"/>
+                        </a:rPr>
+                        <a:t>arr</a:t>
+                      </a:r>
+                      <a:r>
+                        <a:rPr lang="en-US" altLang="ko-KR" sz="1200" b="1" kern="1200" dirty="0">
+                          <a:solidFill>
+                            <a:schemeClr val="tx1"/>
+                          </a:solidFill>
+                          <a:latin typeface="+mn-lt"/>
+                          <a:ea typeface="+mn-ea"/>
+                          <a:cs typeface="+mn-cs"/>
+                        </a:rPr>
+                        <a:t>[</a:t>
+                      </a:r>
+                      <a:r>
+                        <a:rPr lang="en-US" altLang="ko-KR" sz="1200" b="1" kern="1200" dirty="0" err="1">
+                          <a:solidFill>
+                            <a:schemeClr val="tx1"/>
+                          </a:solidFill>
+                          <a:latin typeface="+mn-lt"/>
+                          <a:ea typeface="+mn-ea"/>
+                          <a:cs typeface="+mn-cs"/>
+                        </a:rPr>
+                        <a:t>i</a:t>
+                      </a:r>
+                      <a:r>
+                        <a:rPr lang="en-US" altLang="ko-KR" sz="1200" b="1" kern="1200" dirty="0">
+                          <a:solidFill>
+                            <a:schemeClr val="tx1"/>
+                          </a:solidFill>
+                          <a:latin typeface="+mn-lt"/>
+                          <a:ea typeface="+mn-ea"/>
+                          <a:cs typeface="+mn-cs"/>
+                        </a:rPr>
+                        <a:t>] == b){</a:t>
+                      </a:r>
+                    </a:p>
+                    <a:p>
+                      <a:pPr marL="0" marR="0" lvl="0" indent="0" algn="l" defTabSz="914400" rtl="0" eaLnBrk="1" fontAlgn="base" latinLnBrk="1" hangingPunct="1">
+                        <a:lnSpc>
+                          <a:spcPct val="100000"/>
+                        </a:lnSpc>
+                        <a:spcBef>
+                          <a:spcPct val="0"/>
+                        </a:spcBef>
+                        <a:spcAft>
+                          <a:spcPct val="0"/>
+                        </a:spcAft>
+                        <a:buClrTx/>
+                        <a:buSzTx/>
+                        <a:buFontTx/>
+                        <a:buNone/>
+                        <a:tabLst/>
+                      </a:pPr>
+                      <a:r>
+                        <a:rPr lang="en-US" altLang="ko-KR" sz="1200" b="1" kern="1200" dirty="0">
+                          <a:solidFill>
+                            <a:schemeClr val="tx1"/>
+                          </a:solidFill>
+                          <a:latin typeface="+mn-lt"/>
+                          <a:ea typeface="+mn-ea"/>
+                          <a:cs typeface="+mn-cs"/>
+                        </a:rPr>
+                        <a:t>                Swap(&amp;</a:t>
+                      </a:r>
+                      <a:r>
+                        <a:rPr lang="en-US" altLang="ko-KR" sz="1200" b="1" kern="1200" dirty="0" err="1">
+                          <a:solidFill>
+                            <a:schemeClr val="tx1"/>
+                          </a:solidFill>
+                          <a:latin typeface="+mn-lt"/>
+                          <a:ea typeface="+mn-ea"/>
+                          <a:cs typeface="+mn-cs"/>
+                        </a:rPr>
+                        <a:t>arr</a:t>
+                      </a:r>
+                      <a:r>
+                        <a:rPr lang="en-US" altLang="ko-KR" sz="1200" b="1" kern="1200" dirty="0">
+                          <a:solidFill>
+                            <a:schemeClr val="tx1"/>
+                          </a:solidFill>
+                          <a:latin typeface="+mn-lt"/>
+                          <a:ea typeface="+mn-ea"/>
+                          <a:cs typeface="+mn-cs"/>
+                        </a:rPr>
+                        <a:t>[</a:t>
+                      </a:r>
+                      <a:r>
+                        <a:rPr lang="en-US" altLang="ko-KR" sz="1200" b="1" kern="1200" dirty="0" err="1">
+                          <a:solidFill>
+                            <a:schemeClr val="tx1"/>
+                          </a:solidFill>
+                          <a:latin typeface="+mn-lt"/>
+                          <a:ea typeface="+mn-ea"/>
+                          <a:cs typeface="+mn-cs"/>
+                        </a:rPr>
+                        <a:t>i</a:t>
+                      </a:r>
+                      <a:r>
+                        <a:rPr lang="en-US" altLang="ko-KR" sz="1200" b="1" kern="1200" dirty="0">
+                          <a:solidFill>
+                            <a:schemeClr val="tx1"/>
+                          </a:solidFill>
+                          <a:latin typeface="+mn-lt"/>
+                          <a:ea typeface="+mn-ea"/>
+                          <a:cs typeface="+mn-cs"/>
+                        </a:rPr>
+                        <a:t>], &amp;</a:t>
+                      </a:r>
+                      <a:r>
+                        <a:rPr lang="en-US" altLang="ko-KR" sz="1200" b="1" kern="1200" dirty="0" err="1">
+                          <a:solidFill>
+                            <a:schemeClr val="tx1"/>
+                          </a:solidFill>
+                          <a:latin typeface="+mn-lt"/>
+                          <a:ea typeface="+mn-ea"/>
+                          <a:cs typeface="+mn-cs"/>
+                        </a:rPr>
+                        <a:t>arr</a:t>
+                      </a:r>
+                      <a:r>
+                        <a:rPr lang="en-US" altLang="ko-KR" sz="1200" b="1" kern="1200" dirty="0">
+                          <a:solidFill>
+                            <a:schemeClr val="tx1"/>
+                          </a:solidFill>
+                          <a:latin typeface="+mn-lt"/>
+                          <a:ea typeface="+mn-ea"/>
+                          <a:cs typeface="+mn-cs"/>
+                        </a:rPr>
+                        <a:t>[</a:t>
+                      </a:r>
+                      <a:r>
+                        <a:rPr lang="en-US" altLang="ko-KR" sz="1200" b="1" kern="1200" dirty="0" err="1">
+                          <a:solidFill>
+                            <a:schemeClr val="tx1"/>
+                          </a:solidFill>
+                          <a:latin typeface="+mn-lt"/>
+                          <a:ea typeface="+mn-ea"/>
+                          <a:cs typeface="+mn-cs"/>
+                        </a:rPr>
+                        <a:t>n_pos</a:t>
+                      </a:r>
+                      <a:r>
+                        <a:rPr lang="en-US" altLang="ko-KR" sz="1200" b="1" kern="1200" dirty="0">
+                          <a:solidFill>
+                            <a:schemeClr val="tx1"/>
+                          </a:solidFill>
+                          <a:latin typeface="+mn-lt"/>
+                          <a:ea typeface="+mn-ea"/>
+                          <a:cs typeface="+mn-cs"/>
+                        </a:rPr>
+                        <a:t>]);</a:t>
+                      </a:r>
+                    </a:p>
+                    <a:p>
+                      <a:pPr marL="0" marR="0" lvl="0" indent="0" algn="l" defTabSz="914400" rtl="0" eaLnBrk="1" fontAlgn="base" latinLnBrk="1" hangingPunct="1">
+                        <a:lnSpc>
+                          <a:spcPct val="100000"/>
+                        </a:lnSpc>
+                        <a:spcBef>
+                          <a:spcPct val="0"/>
+                        </a:spcBef>
+                        <a:spcAft>
+                          <a:spcPct val="0"/>
+                        </a:spcAft>
+                        <a:buClrTx/>
+                        <a:buSzTx/>
+                        <a:buFontTx/>
+                        <a:buNone/>
+                        <a:tabLst/>
+                      </a:pPr>
+                      <a:r>
+                        <a:rPr lang="en-US" altLang="ko-KR" sz="1200" b="1" kern="1200" dirty="0">
+                          <a:solidFill>
+                            <a:schemeClr val="tx1"/>
+                          </a:solidFill>
+                          <a:latin typeface="+mn-lt"/>
+                          <a:ea typeface="+mn-ea"/>
+                          <a:cs typeface="+mn-cs"/>
+                        </a:rPr>
+                        <a:t>                </a:t>
+                      </a:r>
+                      <a:r>
+                        <a:rPr lang="en-US" altLang="ko-KR" sz="1200" b="1" kern="1200" dirty="0" err="1">
+                          <a:solidFill>
+                            <a:schemeClr val="tx1"/>
+                          </a:solidFill>
+                          <a:latin typeface="+mn-lt"/>
+                          <a:ea typeface="+mn-ea"/>
+                          <a:cs typeface="+mn-cs"/>
+                        </a:rPr>
+                        <a:t>n_pos</a:t>
+                      </a:r>
+                      <a:r>
+                        <a:rPr lang="en-US" altLang="ko-KR" sz="1200" b="1" kern="1200" dirty="0">
+                          <a:solidFill>
+                            <a:schemeClr val="tx1"/>
+                          </a:solidFill>
+                          <a:latin typeface="+mn-lt"/>
+                          <a:ea typeface="+mn-ea"/>
+                          <a:cs typeface="+mn-cs"/>
+                        </a:rPr>
+                        <a:t>++;</a:t>
+                      </a:r>
+                    </a:p>
+                    <a:p>
+                      <a:pPr marL="0" marR="0" lvl="0" indent="0" algn="l" defTabSz="914400" rtl="0" eaLnBrk="1" fontAlgn="base" latinLnBrk="1" hangingPunct="1">
+                        <a:lnSpc>
+                          <a:spcPct val="100000"/>
+                        </a:lnSpc>
+                        <a:spcBef>
+                          <a:spcPct val="0"/>
+                        </a:spcBef>
+                        <a:spcAft>
+                          <a:spcPct val="0"/>
+                        </a:spcAft>
+                        <a:buClrTx/>
+                        <a:buSzTx/>
+                        <a:buFontTx/>
+                        <a:buNone/>
+                        <a:tabLst/>
+                      </a:pPr>
+                      <a:r>
+                        <a:rPr lang="en-US" altLang="ko-KR" sz="1200" b="1" kern="1200" dirty="0">
+                          <a:solidFill>
+                            <a:schemeClr val="tx1"/>
+                          </a:solidFill>
+                          <a:latin typeface="+mn-lt"/>
+                          <a:ea typeface="+mn-ea"/>
+                          <a:cs typeface="+mn-cs"/>
+                        </a:rPr>
+                        <a:t>            }</a:t>
+                      </a:r>
+                    </a:p>
+                    <a:p>
+                      <a:pPr marL="0" marR="0" lvl="0" indent="0" algn="l" defTabSz="914400" rtl="0" eaLnBrk="1" fontAlgn="base" latinLnBrk="1" hangingPunct="1">
+                        <a:lnSpc>
+                          <a:spcPct val="100000"/>
+                        </a:lnSpc>
+                        <a:spcBef>
+                          <a:spcPct val="0"/>
+                        </a:spcBef>
+                        <a:spcAft>
+                          <a:spcPct val="0"/>
+                        </a:spcAft>
+                        <a:buClrTx/>
+                        <a:buSzTx/>
+                        <a:buFontTx/>
+                        <a:buNone/>
+                        <a:tabLst/>
+                      </a:pPr>
+                      <a:r>
+                        <a:rPr lang="en-US" altLang="ko-KR" sz="1200" b="1" kern="1200" dirty="0">
+                          <a:solidFill>
+                            <a:schemeClr val="tx1"/>
+                          </a:solidFill>
+                          <a:latin typeface="+mn-lt"/>
+                          <a:ea typeface="+mn-ea"/>
+                          <a:cs typeface="+mn-cs"/>
+                        </a:rPr>
+                        <a:t>            else if(</a:t>
+                      </a:r>
+                      <a:r>
+                        <a:rPr lang="en-US" altLang="ko-KR" sz="1200" b="1" kern="1200" dirty="0" err="1">
+                          <a:solidFill>
+                            <a:schemeClr val="tx1"/>
+                          </a:solidFill>
+                          <a:latin typeface="+mn-lt"/>
+                          <a:ea typeface="+mn-ea"/>
+                          <a:cs typeface="+mn-cs"/>
+                        </a:rPr>
+                        <a:t>arr</a:t>
+                      </a:r>
+                      <a:r>
+                        <a:rPr lang="en-US" altLang="ko-KR" sz="1200" b="1" kern="1200" dirty="0">
+                          <a:solidFill>
+                            <a:schemeClr val="tx1"/>
+                          </a:solidFill>
+                          <a:latin typeface="+mn-lt"/>
+                          <a:ea typeface="+mn-ea"/>
+                          <a:cs typeface="+mn-cs"/>
+                        </a:rPr>
+                        <a:t>[</a:t>
+                      </a:r>
+                      <a:r>
+                        <a:rPr lang="en-US" altLang="ko-KR" sz="1200" b="1" kern="1200" dirty="0" err="1">
+                          <a:solidFill>
+                            <a:schemeClr val="tx1"/>
+                          </a:solidFill>
+                          <a:latin typeface="+mn-lt"/>
+                          <a:ea typeface="+mn-ea"/>
+                          <a:cs typeface="+mn-cs"/>
+                        </a:rPr>
+                        <a:t>i</a:t>
+                      </a:r>
+                      <a:r>
+                        <a:rPr lang="en-US" altLang="ko-KR" sz="1200" b="1" kern="1200" dirty="0">
+                          <a:solidFill>
+                            <a:schemeClr val="tx1"/>
+                          </a:solidFill>
+                          <a:latin typeface="+mn-lt"/>
+                          <a:ea typeface="+mn-ea"/>
+                          <a:cs typeface="+mn-cs"/>
+                        </a:rPr>
+                        <a:t>] &lt; </a:t>
+                      </a:r>
+                      <a:r>
+                        <a:rPr lang="en-US" altLang="ko-KR" sz="1200" b="1" kern="1200" dirty="0" err="1">
+                          <a:solidFill>
+                            <a:schemeClr val="tx1"/>
+                          </a:solidFill>
+                          <a:latin typeface="+mn-lt"/>
+                          <a:ea typeface="+mn-ea"/>
+                          <a:cs typeface="+mn-cs"/>
+                        </a:rPr>
+                        <a:t>nb</a:t>
+                      </a:r>
+                      <a:r>
+                        <a:rPr lang="en-US" altLang="ko-KR" sz="1200" b="1" kern="1200" dirty="0">
+                          <a:solidFill>
+                            <a:schemeClr val="tx1"/>
+                          </a:solidFill>
+                          <a:latin typeface="+mn-lt"/>
+                          <a:ea typeface="+mn-ea"/>
+                          <a:cs typeface="+mn-cs"/>
+                        </a:rPr>
+                        <a:t>)</a:t>
+                      </a:r>
+                    </a:p>
+                    <a:p>
+                      <a:pPr marL="0" marR="0" lvl="0" indent="0" algn="l" defTabSz="914400" rtl="0" eaLnBrk="1" fontAlgn="base" latinLnBrk="1" hangingPunct="1">
+                        <a:lnSpc>
+                          <a:spcPct val="100000"/>
+                        </a:lnSpc>
+                        <a:spcBef>
+                          <a:spcPct val="0"/>
+                        </a:spcBef>
+                        <a:spcAft>
+                          <a:spcPct val="0"/>
+                        </a:spcAft>
+                        <a:buClrTx/>
+                        <a:buSzTx/>
+                        <a:buFontTx/>
+                        <a:buNone/>
+                        <a:tabLst/>
+                      </a:pPr>
+                      <a:r>
+                        <a:rPr lang="en-US" altLang="ko-KR" sz="1200" b="1" kern="1200" dirty="0">
+                          <a:solidFill>
+                            <a:schemeClr val="tx1"/>
+                          </a:solidFill>
+                          <a:latin typeface="+mn-lt"/>
+                          <a:ea typeface="+mn-ea"/>
+                          <a:cs typeface="+mn-cs"/>
+                        </a:rPr>
+                        <a:t>                </a:t>
+                      </a:r>
+                      <a:r>
+                        <a:rPr lang="en-US" altLang="ko-KR" sz="1200" b="1" kern="1200" dirty="0" err="1">
+                          <a:solidFill>
+                            <a:schemeClr val="tx1"/>
+                          </a:solidFill>
+                          <a:latin typeface="+mn-lt"/>
+                          <a:ea typeface="+mn-ea"/>
+                          <a:cs typeface="+mn-cs"/>
+                        </a:rPr>
+                        <a:t>nb</a:t>
+                      </a:r>
+                      <a:r>
+                        <a:rPr lang="en-US" altLang="ko-KR" sz="1200" b="1" kern="1200" dirty="0">
+                          <a:solidFill>
+                            <a:schemeClr val="tx1"/>
+                          </a:solidFill>
+                          <a:latin typeface="+mn-lt"/>
+                          <a:ea typeface="+mn-ea"/>
+                          <a:cs typeface="+mn-cs"/>
+                        </a:rPr>
+                        <a:t> = </a:t>
+                      </a:r>
+                      <a:r>
+                        <a:rPr lang="en-US" altLang="ko-KR" sz="1200" b="1" kern="1200" dirty="0" err="1">
+                          <a:solidFill>
+                            <a:schemeClr val="tx1"/>
+                          </a:solidFill>
+                          <a:latin typeface="+mn-lt"/>
+                          <a:ea typeface="+mn-ea"/>
+                          <a:cs typeface="+mn-cs"/>
+                        </a:rPr>
+                        <a:t>arr</a:t>
+                      </a:r>
+                      <a:r>
+                        <a:rPr lang="en-US" altLang="ko-KR" sz="1200" b="1" kern="1200" dirty="0">
+                          <a:solidFill>
+                            <a:schemeClr val="tx1"/>
+                          </a:solidFill>
+                          <a:latin typeface="+mn-lt"/>
+                          <a:ea typeface="+mn-ea"/>
+                          <a:cs typeface="+mn-cs"/>
+                        </a:rPr>
+                        <a:t>[</a:t>
+                      </a:r>
+                      <a:r>
+                        <a:rPr lang="en-US" altLang="ko-KR" sz="1200" b="1" kern="1200" dirty="0" err="1">
+                          <a:solidFill>
+                            <a:schemeClr val="tx1"/>
+                          </a:solidFill>
+                          <a:latin typeface="+mn-lt"/>
+                          <a:ea typeface="+mn-ea"/>
+                          <a:cs typeface="+mn-cs"/>
+                        </a:rPr>
+                        <a:t>i</a:t>
+                      </a:r>
+                      <a:r>
+                        <a:rPr lang="en-US" altLang="ko-KR" sz="1200" b="1" kern="1200" dirty="0">
+                          <a:solidFill>
+                            <a:schemeClr val="tx1"/>
+                          </a:solidFill>
+                          <a:latin typeface="+mn-lt"/>
+                          <a:ea typeface="+mn-ea"/>
+                          <a:cs typeface="+mn-cs"/>
+                        </a:rPr>
+                        <a:t>];</a:t>
+                      </a:r>
+                    </a:p>
+                    <a:p>
+                      <a:pPr marL="0" marR="0" lvl="0" indent="0" algn="l" defTabSz="914400" rtl="0" eaLnBrk="1" fontAlgn="base" latinLnBrk="1" hangingPunct="1">
+                        <a:lnSpc>
+                          <a:spcPct val="100000"/>
+                        </a:lnSpc>
+                        <a:spcBef>
+                          <a:spcPct val="0"/>
+                        </a:spcBef>
+                        <a:spcAft>
+                          <a:spcPct val="0"/>
+                        </a:spcAft>
+                        <a:buClrTx/>
+                        <a:buSzTx/>
+                        <a:buFontTx/>
+                        <a:buNone/>
+                        <a:tabLst/>
+                      </a:pPr>
+                      <a:r>
+                        <a:rPr lang="en-US" altLang="ko-KR" sz="1200" b="1" kern="1200" dirty="0">
+                          <a:solidFill>
+                            <a:schemeClr val="tx1"/>
+                          </a:solidFill>
+                          <a:latin typeface="+mn-lt"/>
+                          <a:ea typeface="+mn-ea"/>
+                          <a:cs typeface="+mn-cs"/>
+                        </a:rPr>
+                        <a:t>        }</a:t>
+                      </a:r>
+                    </a:p>
+                    <a:p>
+                      <a:pPr marL="0" marR="0" lvl="0" indent="0" algn="l" defTabSz="914400" rtl="0" eaLnBrk="1" fontAlgn="base" latinLnBrk="1" hangingPunct="1">
+                        <a:lnSpc>
+                          <a:spcPct val="100000"/>
+                        </a:lnSpc>
+                        <a:spcBef>
+                          <a:spcPct val="0"/>
+                        </a:spcBef>
+                        <a:spcAft>
+                          <a:spcPct val="0"/>
+                        </a:spcAft>
+                        <a:buClrTx/>
+                        <a:buSzTx/>
+                        <a:buFontTx/>
+                        <a:buNone/>
+                        <a:tabLst/>
+                      </a:pPr>
+                      <a:r>
+                        <a:rPr lang="en-US" altLang="ko-KR" sz="1200" b="1" kern="1200" dirty="0">
+                          <a:solidFill>
+                            <a:schemeClr val="tx1"/>
+                          </a:solidFill>
+                          <a:latin typeface="+mn-lt"/>
+                          <a:ea typeface="+mn-ea"/>
+                          <a:cs typeface="+mn-cs"/>
+                        </a:rPr>
+                        <a:t>        b = </a:t>
+                      </a:r>
+                      <a:r>
+                        <a:rPr lang="en-US" altLang="ko-KR" sz="1200" b="1" kern="1200" dirty="0" err="1">
+                          <a:solidFill>
+                            <a:schemeClr val="tx1"/>
+                          </a:solidFill>
+                          <a:latin typeface="+mn-lt"/>
+                          <a:ea typeface="+mn-ea"/>
+                          <a:cs typeface="+mn-cs"/>
+                        </a:rPr>
+                        <a:t>nb</a:t>
+                      </a:r>
+                      <a:r>
+                        <a:rPr lang="en-US" altLang="ko-KR" sz="1200" b="1" kern="1200" dirty="0">
+                          <a:solidFill>
+                            <a:schemeClr val="tx1"/>
+                          </a:solidFill>
+                          <a:latin typeface="+mn-lt"/>
+                          <a:ea typeface="+mn-ea"/>
+                          <a:cs typeface="+mn-cs"/>
+                        </a:rPr>
+                        <a:t>;</a:t>
+                      </a:r>
+                    </a:p>
+                    <a:p>
+                      <a:pPr marL="0" marR="0" lvl="0" indent="0" algn="l" defTabSz="914400" rtl="0" eaLnBrk="1" fontAlgn="base" latinLnBrk="1" hangingPunct="1">
+                        <a:lnSpc>
+                          <a:spcPct val="100000"/>
+                        </a:lnSpc>
+                        <a:spcBef>
+                          <a:spcPct val="0"/>
+                        </a:spcBef>
+                        <a:spcAft>
+                          <a:spcPct val="0"/>
+                        </a:spcAft>
+                        <a:buClrTx/>
+                        <a:buSzTx/>
+                        <a:buFontTx/>
+                        <a:buNone/>
+                        <a:tabLst/>
+                      </a:pPr>
+                      <a:r>
+                        <a:rPr lang="en-US" altLang="ko-KR" sz="1200" b="1" kern="1200" dirty="0">
+                          <a:solidFill>
+                            <a:schemeClr val="tx1"/>
+                          </a:solidFill>
+                          <a:latin typeface="+mn-lt"/>
+                          <a:ea typeface="+mn-ea"/>
+                          <a:cs typeface="+mn-cs"/>
+                        </a:rPr>
+                        <a:t>        </a:t>
+                      </a:r>
+                      <a:r>
+                        <a:rPr lang="en-US" altLang="ko-KR" sz="1200" b="1" kern="1200" dirty="0" err="1">
+                          <a:solidFill>
+                            <a:schemeClr val="tx1"/>
+                          </a:solidFill>
+                          <a:latin typeface="+mn-lt"/>
+                          <a:ea typeface="+mn-ea"/>
+                          <a:cs typeface="+mn-cs"/>
+                        </a:rPr>
+                        <a:t>nb</a:t>
+                      </a:r>
+                      <a:r>
+                        <a:rPr lang="en-US" altLang="ko-KR" sz="1200" b="1" kern="1200" dirty="0">
+                          <a:solidFill>
+                            <a:schemeClr val="tx1"/>
+                          </a:solidFill>
+                          <a:latin typeface="+mn-lt"/>
+                          <a:ea typeface="+mn-ea"/>
+                          <a:cs typeface="+mn-cs"/>
+                        </a:rPr>
+                        <a:t> = max;</a:t>
+                      </a:r>
+                    </a:p>
+                    <a:p>
+                      <a:pPr marL="0" marR="0" lvl="0" indent="0" algn="l" defTabSz="914400" rtl="0" eaLnBrk="1" fontAlgn="base" latinLnBrk="1" hangingPunct="1">
+                        <a:lnSpc>
+                          <a:spcPct val="100000"/>
+                        </a:lnSpc>
+                        <a:spcBef>
+                          <a:spcPct val="0"/>
+                        </a:spcBef>
+                        <a:spcAft>
+                          <a:spcPct val="0"/>
+                        </a:spcAft>
+                        <a:buClrTx/>
+                        <a:buSzTx/>
+                        <a:buFontTx/>
+                        <a:buNone/>
+                        <a:tabLst/>
+                      </a:pPr>
+                      <a:r>
+                        <a:rPr lang="en-US" altLang="ko-KR" sz="1200" b="1" kern="1200" dirty="0">
+                          <a:solidFill>
+                            <a:schemeClr val="tx1"/>
+                          </a:solidFill>
+                          <a:latin typeface="+mn-lt"/>
+                          <a:ea typeface="+mn-ea"/>
+                          <a:cs typeface="+mn-cs"/>
+                        </a:rPr>
+                        <a:t>    }</a:t>
+                      </a:r>
+                    </a:p>
+                    <a:p>
+                      <a:pPr marL="0" marR="0" lvl="0" indent="0" algn="l" defTabSz="914400" rtl="0" eaLnBrk="1" fontAlgn="base" latinLnBrk="1" hangingPunct="1">
+                        <a:lnSpc>
+                          <a:spcPct val="100000"/>
+                        </a:lnSpc>
+                        <a:spcBef>
+                          <a:spcPct val="0"/>
+                        </a:spcBef>
+                        <a:spcAft>
+                          <a:spcPct val="0"/>
+                        </a:spcAft>
+                        <a:buClrTx/>
+                        <a:buSzTx/>
+                        <a:buFontTx/>
+                        <a:buNone/>
+                        <a:tabLst/>
+                      </a:pPr>
+                      <a:r>
+                        <a:rPr lang="en-US" altLang="ko-KR" sz="1200" b="1" kern="1200" dirty="0">
+                          <a:solidFill>
+                            <a:schemeClr val="tx1"/>
+                          </a:solidFill>
+                          <a:latin typeface="+mn-lt"/>
+                          <a:ea typeface="+mn-ea"/>
+                          <a:cs typeface="+mn-cs"/>
+                        </a:rPr>
+                        <a:t>}</a:t>
+                      </a:r>
+                    </a:p>
+                  </a:txBody>
+                  <a:tcPr>
+                    <a:lnL w="28575" cap="flat" cmpd="sng" algn="ctr">
+                      <a:solidFill>
+                        <a:schemeClr val="tx1"/>
+                      </a:solidFill>
+                      <a:prstDash val="solid"/>
+                      <a:round/>
+                      <a:headEnd type="none" w="med" len="med"/>
+                      <a:tailEnd type="none" w="med" len="med"/>
+                    </a:lnL>
+                    <a:lnR w="28575" cap="flat" cmpd="sng" algn="ctr">
+                      <a:solidFill>
+                        <a:schemeClr val="tx1"/>
+                      </a:solidFill>
+                      <a:prstDash val="solid"/>
+                      <a:round/>
+                      <a:headEnd type="none" w="med" len="med"/>
+                      <a:tailEnd type="none" w="med" len="med"/>
+                    </a:lnR>
+                    <a:lnT w="28575" cap="flat" cmpd="sng" algn="ctr">
+                      <a:solidFill>
+                        <a:schemeClr val="tx1"/>
+                      </a:solidFill>
+                      <a:prstDash val="solid"/>
+                      <a:round/>
+                      <a:headEnd type="none" w="med" len="med"/>
+                      <a:tailEnd type="none" w="med" len="med"/>
+                    </a:lnT>
+                    <a:lnB w="28575" cap="flat" cmpd="sng" algn="ctr">
+                      <a:solidFill>
+                        <a:schemeClr val="tx1"/>
+                      </a:solidFill>
+                      <a:prstDash val="solid"/>
+                      <a:round/>
+                      <a:headEnd type="none" w="med" len="med"/>
+                      <a:tailEnd type="none" w="med" len="med"/>
+                    </a:lnB>
+                    <a:lnTlToBr w="12700" cmpd="sng">
+                      <a:noFill/>
+                      <a:prstDash val="solid"/>
+                    </a:lnTlToBr>
+                    <a:lnBlToTr w="12700" cmpd="sng">
+                      <a:noFill/>
+                      <a:prstDash val="solid"/>
+                    </a:lnBlToTr>
+                    <a:noFill/>
+                  </a:tcPr>
+                </a:tc>
+                <a:extLst>
+                  <a:ext uri="{0D108BD9-81ED-4DB2-BD59-A6C34878D82A}">
+                    <a16:rowId xmlns:a16="http://schemas.microsoft.com/office/drawing/2014/main" val="4126198778"/>
+                  </a:ext>
+                </a:extLst>
+              </a:tr>
+            </a:tbl>
+          </a:graphicData>
+        </a:graphic>
+      </p:graphicFrame>
+    </p:spTree>
+    <p:extLst>
+      <p:ext uri="{BB962C8B-B14F-4D97-AF65-F5344CB8AC3E}">
+        <p14:creationId xmlns:p14="http://schemas.microsoft.com/office/powerpoint/2010/main" val="739759941"/>
+      </p:ext>
+    </p:extLst>
+  </p:cSld>
+  <p:clrMapOvr>
+    <a:masterClrMapping/>
+  </p:clrMapOvr>
+</p:sld>
+</file>
+
+<file path=ppt/slides/slide7.xml><?xml version="1.0" encoding="utf-8"?>
+<p:sld xmlns:a="http://schemas.openxmlformats.org/drawingml/2006/main" xmlns:r="http://schemas.openxmlformats.org/officeDocument/2006/relationships" xmlns:p="http://schemas.openxmlformats.org/presentationml/2006/main">
+  <p:cSld>
+    <p:spTree>
+      <p:nvGrpSpPr>
+        <p:cNvPr id="1" name=""/>
+        <p:cNvGrpSpPr/>
+        <p:nvPr/>
+      </p:nvGrpSpPr>
+      <p:grpSpPr>
+        <a:xfrm>
+          <a:off x="0" y="0"/>
+          <a:ext cx="0" cy="0"/>
+          <a:chOff x="0" y="0"/>
+          <a:chExt cx="0" cy="0"/>
+        </a:xfrm>
+      </p:grpSpPr>
+      <p:sp>
+        <p:nvSpPr>
+          <p:cNvPr id="4" name="TextBox 3">
+            <a:extLst>
+              <a:ext uri="{FF2B5EF4-FFF2-40B4-BE49-F238E27FC236}">
+                <a16:creationId xmlns:a16="http://schemas.microsoft.com/office/drawing/2014/main" id="{433BF28E-3AFF-C552-FAE2-309559E95E58}"/>
+              </a:ext>
+            </a:extLst>
+          </p:cNvPr>
+          <p:cNvSpPr txBox="1"/>
+          <p:nvPr/>
+        </p:nvSpPr>
+        <p:spPr>
+          <a:xfrm>
+            <a:off x="0" y="-57750"/>
+            <a:ext cx="12192000" cy="830997"/>
+          </a:xfrm>
+          <a:prstGeom prst="rect">
+            <a:avLst/>
+          </a:prstGeom>
+          <a:noFill/>
+        </p:spPr>
+        <p:txBody>
+          <a:bodyPr wrap="square" rtlCol="0">
+            <a:spAutoFit/>
+          </a:bodyPr>
+          <a:lstStyle/>
+          <a:p>
+            <a:r>
+              <a:rPr lang="en-US" altLang="ko-KR" sz="4800" dirty="0">
+                <a:solidFill>
+                  <a:schemeClr val="bg1"/>
+                </a:solidFill>
+                <a:latin typeface="Times New Roman" panose="02020603050405020304" pitchFamily="18" charset="0"/>
+                <a:cs typeface="Times New Roman" panose="02020603050405020304" pitchFamily="18" charset="0"/>
+              </a:rPr>
+              <a:t>Shell Sort</a:t>
+            </a:r>
+          </a:p>
+        </p:txBody>
+      </p:sp>
+      <p:graphicFrame>
+        <p:nvGraphicFramePr>
+          <p:cNvPr id="9" name="표 8">
+            <a:extLst>
+              <a:ext uri="{FF2B5EF4-FFF2-40B4-BE49-F238E27FC236}">
+                <a16:creationId xmlns:a16="http://schemas.microsoft.com/office/drawing/2014/main" id="{9C266657-4740-8092-07AD-4F300A85A0E9}"/>
+              </a:ext>
+            </a:extLst>
+          </p:cNvPr>
+          <p:cNvGraphicFramePr>
+            <a:graphicFrameLocks noGrp="1"/>
+          </p:cNvGraphicFramePr>
+          <p:nvPr>
+            <p:extLst>
+              <p:ext uri="{D42A27DB-BD31-4B8C-83A1-F6EECF244321}">
+                <p14:modId xmlns:p14="http://schemas.microsoft.com/office/powerpoint/2010/main" val="4191267934"/>
+              </p:ext>
+            </p:extLst>
+          </p:nvPr>
+        </p:nvGraphicFramePr>
+        <p:xfrm>
+          <a:off x="177800" y="868119"/>
+          <a:ext cx="11811000" cy="5812081"/>
+        </p:xfrm>
+        <a:graphic>
+          <a:graphicData uri="http://schemas.openxmlformats.org/drawingml/2006/table">
+            <a:tbl>
+              <a:tblPr firstRow="1" bandRow="1">
+                <a:tableStyleId>{5C22544A-7EE6-4342-B048-85BDC9FD1C3A}</a:tableStyleId>
+              </a:tblPr>
+              <a:tblGrid>
+                <a:gridCol w="11811000">
+                  <a:extLst>
+                    <a:ext uri="{9D8B030D-6E8A-4147-A177-3AD203B41FA5}">
+                      <a16:colId xmlns:a16="http://schemas.microsoft.com/office/drawing/2014/main" val="1427386122"/>
+                    </a:ext>
+                  </a:extLst>
+                </a:gridCol>
+              </a:tblGrid>
+              <a:tr h="5812081">
+                <a:tc>
+                  <a:txBody>
+                    <a:bodyPr/>
+                    <a:lstStyle/>
+                    <a:p>
+                      <a:pPr marL="0" marR="0" lvl="0" indent="0" algn="l" defTabSz="914400" rtl="0" eaLnBrk="1" fontAlgn="base" latinLnBrk="1" hangingPunct="1">
+                        <a:lnSpc>
+                          <a:spcPct val="100000"/>
+                        </a:lnSpc>
+                        <a:spcBef>
+                          <a:spcPct val="0"/>
+                        </a:spcBef>
+                        <a:spcAft>
+                          <a:spcPct val="0"/>
+                        </a:spcAft>
+                        <a:buClrTx/>
+                        <a:buSzTx/>
+                        <a:buFontTx/>
+                        <a:buNone/>
+                        <a:tabLst/>
+                      </a:pPr>
+                      <a:r>
+                        <a:rPr lang="en-US" altLang="ko-KR" sz="1200" b="1" kern="1200" dirty="0">
+                          <a:solidFill>
+                            <a:schemeClr val="tx1"/>
+                          </a:solidFill>
+                          <a:latin typeface="+mn-lt"/>
+                          <a:ea typeface="+mn-ea"/>
+                          <a:cs typeface="+mn-cs"/>
+                        </a:rPr>
+                        <a:t>- </a:t>
+                      </a:r>
+                      <a:r>
+                        <a:rPr lang="ko-KR" altLang="en-US" sz="1200" b="1" kern="1200" dirty="0">
+                          <a:solidFill>
+                            <a:schemeClr val="tx1"/>
+                          </a:solidFill>
+                          <a:latin typeface="+mn-lt"/>
+                          <a:ea typeface="+mn-ea"/>
+                          <a:cs typeface="+mn-cs"/>
+                        </a:rPr>
+                        <a:t>쉘 정렬 </a:t>
+                      </a:r>
+                      <a:r>
+                        <a:rPr lang="en-US" altLang="ko-KR" sz="1200" b="1" kern="1200" dirty="0">
+                          <a:solidFill>
+                            <a:schemeClr val="tx1"/>
+                          </a:solidFill>
+                          <a:latin typeface="+mn-lt"/>
+                          <a:ea typeface="+mn-ea"/>
+                          <a:cs typeface="+mn-cs"/>
+                        </a:rPr>
+                        <a:t>= Insertion</a:t>
+                      </a:r>
+                      <a:r>
+                        <a:rPr lang="ko-KR" altLang="en-US" sz="1200" b="1" kern="1200" dirty="0">
+                          <a:solidFill>
+                            <a:schemeClr val="tx1"/>
+                          </a:solidFill>
+                          <a:latin typeface="+mn-lt"/>
+                          <a:ea typeface="+mn-ea"/>
+                          <a:cs typeface="+mn-cs"/>
+                        </a:rPr>
+                        <a:t> </a:t>
+                      </a:r>
+                      <a:r>
+                        <a:rPr lang="en-US" altLang="ko-KR" sz="1200" b="1" kern="1200" dirty="0">
+                          <a:solidFill>
+                            <a:schemeClr val="tx1"/>
+                          </a:solidFill>
+                          <a:latin typeface="+mn-lt"/>
+                          <a:ea typeface="+mn-ea"/>
+                          <a:cs typeface="+mn-cs"/>
+                        </a:rPr>
+                        <a:t>sort</a:t>
+                      </a:r>
+                      <a:r>
+                        <a:rPr lang="ko-KR" altLang="en-US" sz="1200" b="1" kern="1200" dirty="0">
+                          <a:solidFill>
+                            <a:schemeClr val="tx1"/>
+                          </a:solidFill>
+                          <a:latin typeface="+mn-lt"/>
+                          <a:ea typeface="+mn-ea"/>
+                          <a:cs typeface="+mn-cs"/>
+                        </a:rPr>
+                        <a:t>의 변형</a:t>
+                      </a:r>
+                      <a:r>
+                        <a:rPr lang="en-US" altLang="ko-KR" sz="1200" b="1" kern="1200" dirty="0">
+                          <a:solidFill>
+                            <a:schemeClr val="tx1"/>
+                          </a:solidFill>
+                          <a:latin typeface="+mn-lt"/>
+                          <a:ea typeface="+mn-ea"/>
+                          <a:cs typeface="+mn-cs"/>
+                        </a:rPr>
+                        <a:t>(variation)</a:t>
+                      </a:r>
+                      <a:r>
+                        <a:rPr lang="ko-KR" altLang="en-US" sz="1200" b="1" kern="1200" dirty="0">
+                          <a:solidFill>
+                            <a:schemeClr val="tx1"/>
+                          </a:solidFill>
+                          <a:latin typeface="+mn-lt"/>
+                          <a:ea typeface="+mn-ea"/>
+                          <a:cs typeface="+mn-cs"/>
+                        </a:rPr>
+                        <a:t>으로 먼 항목의 교환 허용</a:t>
+                      </a:r>
+                      <a:r>
+                        <a:rPr lang="en-US" altLang="ko-KR" sz="1200" b="1" kern="1200" dirty="0">
+                          <a:solidFill>
+                            <a:schemeClr val="tx1"/>
+                          </a:solidFill>
+                          <a:latin typeface="+mn-lt"/>
+                          <a:ea typeface="+mn-ea"/>
+                          <a:cs typeface="+mn-cs"/>
+                        </a:rPr>
+                        <a:t>(</a:t>
+                      </a:r>
+                      <a:r>
+                        <a:rPr lang="en-US" altLang="ko-KR" sz="1200" b="1" kern="1200" dirty="0" err="1">
+                          <a:solidFill>
+                            <a:schemeClr val="tx1"/>
+                          </a:solidFill>
+                          <a:latin typeface="+mn-lt"/>
+                          <a:ea typeface="+mn-ea"/>
+                          <a:cs typeface="+mn-cs"/>
+                        </a:rPr>
+                        <a:t>insertio</a:t>
+                      </a:r>
+                      <a:r>
+                        <a:rPr lang="ko-KR" altLang="en-US" sz="1200" b="1" kern="1200" dirty="0">
+                          <a:solidFill>
+                            <a:schemeClr val="tx1"/>
+                          </a:solidFill>
+                          <a:latin typeface="+mn-lt"/>
+                          <a:ea typeface="+mn-ea"/>
+                          <a:cs typeface="+mn-cs"/>
+                        </a:rPr>
+                        <a:t>은 주위 원소 교환</a:t>
+                      </a:r>
+                      <a:r>
+                        <a:rPr lang="en-US" altLang="ko-KR" sz="1200" b="1" kern="1200" dirty="0">
+                          <a:solidFill>
+                            <a:schemeClr val="tx1"/>
+                          </a:solidFill>
+                          <a:latin typeface="+mn-lt"/>
+                          <a:ea typeface="+mn-ea"/>
+                          <a:cs typeface="+mn-cs"/>
+                        </a:rPr>
+                        <a:t>)</a:t>
+                      </a:r>
+                    </a:p>
+                    <a:p>
+                      <a:pPr marL="0" marR="0" lvl="0" indent="0" algn="l" defTabSz="914400" rtl="0" eaLnBrk="1" fontAlgn="base" latinLnBrk="1" hangingPunct="1">
+                        <a:lnSpc>
+                          <a:spcPct val="100000"/>
+                        </a:lnSpc>
+                        <a:spcBef>
+                          <a:spcPct val="0"/>
+                        </a:spcBef>
+                        <a:spcAft>
+                          <a:spcPct val="0"/>
+                        </a:spcAft>
+                        <a:buClrTx/>
+                        <a:buSzTx/>
+                        <a:buFontTx/>
+                        <a:buNone/>
+                        <a:tabLst/>
+                      </a:pPr>
+                      <a:r>
+                        <a:rPr lang="en-US" altLang="ko-KR" sz="1200" b="1" kern="1200" dirty="0">
+                          <a:solidFill>
+                            <a:schemeClr val="tx1"/>
+                          </a:solidFill>
+                          <a:latin typeface="+mn-lt"/>
+                          <a:ea typeface="+mn-ea"/>
+                          <a:cs typeface="+mn-cs"/>
+                        </a:rPr>
+                        <a:t>- </a:t>
+                      </a:r>
+                      <a:r>
+                        <a:rPr lang="ko-KR" altLang="en-US" sz="1200" b="1" kern="1200" dirty="0">
+                          <a:solidFill>
+                            <a:schemeClr val="tx1"/>
+                          </a:solidFill>
+                          <a:latin typeface="+mn-lt"/>
+                          <a:ea typeface="+mn-ea"/>
+                          <a:cs typeface="+mn-cs"/>
+                        </a:rPr>
+                        <a:t>삽입 정렬 대체</a:t>
+                      </a:r>
+                      <a:r>
+                        <a:rPr lang="en-US" altLang="ko-KR" sz="1200" b="1" kern="1200" dirty="0">
+                          <a:solidFill>
+                            <a:schemeClr val="tx1"/>
+                          </a:solidFill>
+                          <a:latin typeface="+mn-lt"/>
+                          <a:ea typeface="+mn-ea"/>
+                          <a:cs typeface="+mn-cs"/>
+                        </a:rPr>
+                        <a:t>, </a:t>
+                      </a:r>
+                      <a:r>
+                        <a:rPr lang="ko-KR" altLang="en-US" sz="1200" b="1" kern="1200" dirty="0">
+                          <a:solidFill>
+                            <a:schemeClr val="tx1"/>
+                          </a:solidFill>
+                          <a:latin typeface="+mn-lt"/>
+                          <a:ea typeface="+mn-ea"/>
+                          <a:cs typeface="+mn-cs"/>
+                        </a:rPr>
+                        <a:t>스택 오버헤드 호출</a:t>
+                      </a:r>
+                      <a:r>
+                        <a:rPr lang="en-US" altLang="ko-KR" sz="1200" b="1" kern="1200" dirty="0">
+                          <a:solidFill>
+                            <a:schemeClr val="tx1"/>
+                          </a:solidFill>
+                          <a:latin typeface="+mn-lt"/>
+                          <a:ea typeface="+mn-ea"/>
+                          <a:cs typeface="+mn-cs"/>
+                        </a:rPr>
+                        <a:t>, </a:t>
+                      </a:r>
+                      <a:r>
+                        <a:rPr lang="ko-KR" altLang="en-US" sz="1200" b="1" kern="1200" dirty="0">
+                          <a:solidFill>
+                            <a:schemeClr val="tx1"/>
+                          </a:solidFill>
+                          <a:latin typeface="+mn-lt"/>
+                          <a:ea typeface="+mn-ea"/>
+                          <a:cs typeface="+mn-cs"/>
+                        </a:rPr>
+                        <a:t>재귀가 특정 제한 초과 시</a:t>
+                      </a:r>
+                      <a:r>
+                        <a:rPr lang="en-US" altLang="ko-KR" sz="1200" b="1" kern="1200" dirty="0">
+                          <a:solidFill>
+                            <a:schemeClr val="tx1"/>
+                          </a:solidFill>
+                          <a:latin typeface="+mn-lt"/>
+                          <a:ea typeface="+mn-ea"/>
+                          <a:cs typeface="+mn-cs"/>
+                        </a:rPr>
+                        <a:t>, </a:t>
+                      </a:r>
+                      <a:r>
+                        <a:rPr lang="ko-KR" altLang="en-US" sz="1200" b="1" kern="1200" dirty="0">
+                          <a:solidFill>
+                            <a:schemeClr val="tx1"/>
+                          </a:solidFill>
+                          <a:latin typeface="+mn-lt"/>
+                          <a:ea typeface="+mn-ea"/>
+                          <a:cs typeface="+mn-cs"/>
+                        </a:rPr>
+                        <a:t>중대형 데이터 세트에 사용</a:t>
+                      </a:r>
+                      <a:endParaRPr lang="en-US" altLang="ko-KR" sz="1200" b="1" kern="1200" dirty="0">
+                        <a:solidFill>
+                          <a:schemeClr val="tx1"/>
+                        </a:solidFill>
+                        <a:latin typeface="+mn-lt"/>
+                        <a:ea typeface="+mn-ea"/>
+                        <a:cs typeface="+mn-cs"/>
+                      </a:endParaRPr>
+                    </a:p>
+                  </a:txBody>
+                  <a:tcPr>
+                    <a:lnL w="28575" cap="flat" cmpd="sng" algn="ctr">
+                      <a:solidFill>
+                        <a:schemeClr val="tx1"/>
+                      </a:solidFill>
+                      <a:prstDash val="solid"/>
+                      <a:round/>
+                      <a:headEnd type="none" w="med" len="med"/>
+                      <a:tailEnd type="none" w="med" len="med"/>
+                    </a:lnL>
+                    <a:lnR w="28575" cap="flat" cmpd="sng" algn="ctr">
+                      <a:solidFill>
+                        <a:schemeClr val="tx1"/>
+                      </a:solidFill>
+                      <a:prstDash val="solid"/>
+                      <a:round/>
+                      <a:headEnd type="none" w="med" len="med"/>
+                      <a:tailEnd type="none" w="med" len="med"/>
+                    </a:lnR>
+                    <a:lnT w="28575" cap="flat" cmpd="sng" algn="ctr">
+                      <a:solidFill>
+                        <a:schemeClr val="tx1"/>
+                      </a:solidFill>
+                      <a:prstDash val="solid"/>
+                      <a:round/>
+                      <a:headEnd type="none" w="med" len="med"/>
+                      <a:tailEnd type="none" w="med" len="med"/>
+                    </a:lnT>
+                    <a:lnB w="28575" cap="flat" cmpd="sng" algn="ctr">
+                      <a:solidFill>
+                        <a:schemeClr val="tx1"/>
+                      </a:solidFill>
+                      <a:prstDash val="solid"/>
+                      <a:round/>
+                      <a:headEnd type="none" w="med" len="med"/>
+                      <a:tailEnd type="none" w="med" len="med"/>
+                    </a:lnB>
+                    <a:lnTlToBr w="12700" cmpd="sng">
+                      <a:noFill/>
+                      <a:prstDash val="solid"/>
+                    </a:lnTlToBr>
+                    <a:lnBlToTr w="12700" cmpd="sng">
+                      <a:noFill/>
+                      <a:prstDash val="solid"/>
+                    </a:lnBlToTr>
+                    <a:noFill/>
+                  </a:tcPr>
+                </a:tc>
+                <a:extLst>
+                  <a:ext uri="{0D108BD9-81ED-4DB2-BD59-A6C34878D82A}">
+                    <a16:rowId xmlns:a16="http://schemas.microsoft.com/office/drawing/2014/main" val="4126198778"/>
+                  </a:ext>
+                </a:extLst>
+              </a:tr>
+            </a:tbl>
+          </a:graphicData>
+        </a:graphic>
+      </p:graphicFrame>
+      <p:graphicFrame>
+        <p:nvGraphicFramePr>
+          <p:cNvPr id="15" name="표 14">
+            <a:extLst>
+              <a:ext uri="{FF2B5EF4-FFF2-40B4-BE49-F238E27FC236}">
+                <a16:creationId xmlns:a16="http://schemas.microsoft.com/office/drawing/2014/main" id="{E0CF06A7-BA9A-A1BC-656B-5BB52BCCF818}"/>
+              </a:ext>
+            </a:extLst>
+          </p:cNvPr>
+          <p:cNvGraphicFramePr>
+            <a:graphicFrameLocks noGrp="1"/>
+          </p:cNvGraphicFramePr>
+          <p:nvPr>
+            <p:extLst>
+              <p:ext uri="{D42A27DB-BD31-4B8C-83A1-F6EECF244321}">
+                <p14:modId xmlns:p14="http://schemas.microsoft.com/office/powerpoint/2010/main" val="1457597852"/>
+              </p:ext>
+            </p:extLst>
+          </p:nvPr>
+        </p:nvGraphicFramePr>
+        <p:xfrm>
+          <a:off x="8084457" y="884448"/>
+          <a:ext cx="3713114" cy="4114800"/>
+        </p:xfrm>
+        <a:graphic>
+          <a:graphicData uri="http://schemas.openxmlformats.org/drawingml/2006/table">
+            <a:tbl>
+              <a:tblPr firstRow="1" bandRow="1">
+                <a:tableStyleId>{5C22544A-7EE6-4342-B048-85BDC9FD1C3A}</a:tableStyleId>
+              </a:tblPr>
+              <a:tblGrid>
+                <a:gridCol w="3713114">
+                  <a:extLst>
+                    <a:ext uri="{9D8B030D-6E8A-4147-A177-3AD203B41FA5}">
+                      <a16:colId xmlns:a16="http://schemas.microsoft.com/office/drawing/2014/main" val="1427386122"/>
+                    </a:ext>
+                  </a:extLst>
+                </a:gridCol>
+              </a:tblGrid>
+              <a:tr h="2557171">
+                <a:tc>
+                  <a:txBody>
+                    <a:bodyPr/>
+                    <a:lstStyle/>
+                    <a:p>
+                      <a:pPr marL="0" marR="0" lvl="0" indent="0" algn="l" defTabSz="914400" rtl="0" eaLnBrk="1" fontAlgn="base" latinLnBrk="1" hangingPunct="1">
+                        <a:lnSpc>
+                          <a:spcPct val="100000"/>
+                        </a:lnSpc>
+                        <a:spcBef>
+                          <a:spcPct val="0"/>
+                        </a:spcBef>
+                        <a:spcAft>
+                          <a:spcPct val="0"/>
+                        </a:spcAft>
+                        <a:buClrTx/>
+                        <a:buSzTx/>
+                        <a:buFontTx/>
+                        <a:buNone/>
+                        <a:tabLst/>
+                      </a:pPr>
+                      <a:r>
+                        <a:rPr lang="en-US" altLang="ko-KR" sz="1200" b="1" kern="1200" dirty="0">
+                          <a:solidFill>
+                            <a:schemeClr val="tx1"/>
+                          </a:solidFill>
+                          <a:latin typeface="+mn-lt"/>
+                          <a:ea typeface="+mn-ea"/>
+                          <a:cs typeface="+mn-cs"/>
+                        </a:rPr>
+                        <a:t>int </a:t>
+                      </a:r>
+                      <a:r>
+                        <a:rPr lang="en-US" altLang="ko-KR" sz="1200" b="1" kern="1200" dirty="0" err="1">
+                          <a:solidFill>
+                            <a:schemeClr val="tx1"/>
+                          </a:solidFill>
+                          <a:latin typeface="+mn-lt"/>
+                          <a:ea typeface="+mn-ea"/>
+                          <a:cs typeface="+mn-cs"/>
+                        </a:rPr>
+                        <a:t>CalculateGap</a:t>
+                      </a:r>
+                      <a:r>
+                        <a:rPr lang="en-US" altLang="ko-KR" sz="1200" b="1" kern="1200" dirty="0">
+                          <a:solidFill>
+                            <a:schemeClr val="tx1"/>
+                          </a:solidFill>
+                          <a:latin typeface="+mn-lt"/>
+                          <a:ea typeface="+mn-ea"/>
+                          <a:cs typeface="+mn-cs"/>
+                        </a:rPr>
+                        <a:t>(int size){</a:t>
+                      </a:r>
+                    </a:p>
+                    <a:p>
+                      <a:pPr marL="0" marR="0" lvl="0" indent="0" algn="l" defTabSz="914400" rtl="0" eaLnBrk="1" fontAlgn="base" latinLnBrk="1" hangingPunct="1">
+                        <a:lnSpc>
+                          <a:spcPct val="100000"/>
+                        </a:lnSpc>
+                        <a:spcBef>
+                          <a:spcPct val="0"/>
+                        </a:spcBef>
+                        <a:spcAft>
+                          <a:spcPct val="0"/>
+                        </a:spcAft>
+                        <a:buClrTx/>
+                        <a:buSzTx/>
+                        <a:buFontTx/>
+                        <a:buNone/>
+                        <a:tabLst/>
+                      </a:pPr>
+                      <a:r>
+                        <a:rPr lang="en-US" altLang="ko-KR" sz="1200" b="1" kern="1200" dirty="0">
+                          <a:solidFill>
+                            <a:schemeClr val="tx1"/>
+                          </a:solidFill>
+                          <a:latin typeface="+mn-lt"/>
+                          <a:ea typeface="+mn-ea"/>
+                          <a:cs typeface="+mn-cs"/>
+                        </a:rPr>
+                        <a:t>    int h = 1;</a:t>
+                      </a:r>
+                    </a:p>
+                    <a:p>
+                      <a:pPr marL="0" marR="0" lvl="0" indent="0" algn="l" defTabSz="914400" rtl="0" eaLnBrk="1" fontAlgn="base" latinLnBrk="1" hangingPunct="1">
+                        <a:lnSpc>
+                          <a:spcPct val="100000"/>
+                        </a:lnSpc>
+                        <a:spcBef>
+                          <a:spcPct val="0"/>
+                        </a:spcBef>
+                        <a:spcAft>
+                          <a:spcPct val="0"/>
+                        </a:spcAft>
+                        <a:buClrTx/>
+                        <a:buSzTx/>
+                        <a:buFontTx/>
+                        <a:buNone/>
+                        <a:tabLst/>
+                      </a:pPr>
+                      <a:r>
+                        <a:rPr lang="en-US" altLang="ko-KR" sz="1200" b="1" kern="1200" dirty="0">
+                          <a:solidFill>
+                            <a:schemeClr val="tx1"/>
+                          </a:solidFill>
+                          <a:latin typeface="+mn-lt"/>
+                          <a:ea typeface="+mn-ea"/>
+                          <a:cs typeface="+mn-cs"/>
+                        </a:rPr>
+                        <a:t>    while(h&lt;size/3)</a:t>
+                      </a:r>
+                    </a:p>
+                    <a:p>
+                      <a:pPr marL="0" marR="0" lvl="0" indent="0" algn="l" defTabSz="914400" rtl="0" eaLnBrk="1" fontAlgn="base" latinLnBrk="1" hangingPunct="1">
+                        <a:lnSpc>
+                          <a:spcPct val="100000"/>
+                        </a:lnSpc>
+                        <a:spcBef>
+                          <a:spcPct val="0"/>
+                        </a:spcBef>
+                        <a:spcAft>
+                          <a:spcPct val="0"/>
+                        </a:spcAft>
+                        <a:buClrTx/>
+                        <a:buSzTx/>
+                        <a:buFontTx/>
+                        <a:buNone/>
+                        <a:tabLst/>
+                      </a:pPr>
+                      <a:r>
+                        <a:rPr lang="en-US" altLang="ko-KR" sz="1200" b="1" kern="1200" dirty="0">
+                          <a:solidFill>
+                            <a:schemeClr val="tx1"/>
+                          </a:solidFill>
+                          <a:latin typeface="+mn-lt"/>
+                          <a:ea typeface="+mn-ea"/>
+                          <a:cs typeface="+mn-cs"/>
+                        </a:rPr>
+                        <a:t>        h = 3*h +1;</a:t>
+                      </a:r>
+                    </a:p>
+                    <a:p>
+                      <a:pPr marL="0" marR="0" lvl="0" indent="0" algn="l" defTabSz="914400" rtl="0" eaLnBrk="1" fontAlgn="base" latinLnBrk="1" hangingPunct="1">
+                        <a:lnSpc>
+                          <a:spcPct val="100000"/>
+                        </a:lnSpc>
+                        <a:spcBef>
+                          <a:spcPct val="0"/>
+                        </a:spcBef>
+                        <a:spcAft>
+                          <a:spcPct val="0"/>
+                        </a:spcAft>
+                        <a:buClrTx/>
+                        <a:buSzTx/>
+                        <a:buFontTx/>
+                        <a:buNone/>
+                        <a:tabLst/>
+                      </a:pPr>
+                      <a:r>
+                        <a:rPr lang="en-US" altLang="ko-KR" sz="1200" b="1" kern="1200" dirty="0">
+                          <a:solidFill>
+                            <a:schemeClr val="tx1"/>
+                          </a:solidFill>
+                          <a:latin typeface="+mn-lt"/>
+                          <a:ea typeface="+mn-ea"/>
+                          <a:cs typeface="+mn-cs"/>
+                        </a:rPr>
+                        <a:t>    return h;</a:t>
+                      </a:r>
+                    </a:p>
+                    <a:p>
+                      <a:pPr marL="0" marR="0" lvl="0" indent="0" algn="l" defTabSz="914400" rtl="0" eaLnBrk="1" fontAlgn="base" latinLnBrk="1" hangingPunct="1">
+                        <a:lnSpc>
+                          <a:spcPct val="100000"/>
+                        </a:lnSpc>
+                        <a:spcBef>
+                          <a:spcPct val="0"/>
+                        </a:spcBef>
+                        <a:spcAft>
+                          <a:spcPct val="0"/>
+                        </a:spcAft>
+                        <a:buClrTx/>
+                        <a:buSzTx/>
+                        <a:buFontTx/>
+                        <a:buNone/>
+                        <a:tabLst/>
+                      </a:pPr>
+                      <a:r>
+                        <a:rPr lang="en-US" altLang="ko-KR" sz="1200" b="1" kern="1200" dirty="0">
+                          <a:solidFill>
+                            <a:schemeClr val="tx1"/>
+                          </a:solidFill>
+                          <a:latin typeface="+mn-lt"/>
+                          <a:ea typeface="+mn-ea"/>
+                          <a:cs typeface="+mn-cs"/>
+                        </a:rPr>
+                        <a:t>}</a:t>
+                      </a:r>
+                    </a:p>
+                    <a:p>
+                      <a:pPr marL="0" marR="0" lvl="0" indent="0" algn="l" defTabSz="914400" rtl="0" eaLnBrk="1" fontAlgn="base" latinLnBrk="1" hangingPunct="1">
+                        <a:lnSpc>
+                          <a:spcPct val="100000"/>
+                        </a:lnSpc>
+                        <a:spcBef>
+                          <a:spcPct val="0"/>
+                        </a:spcBef>
+                        <a:spcAft>
+                          <a:spcPct val="0"/>
+                        </a:spcAft>
+                        <a:buClrTx/>
+                        <a:buSzTx/>
+                        <a:buFontTx/>
+                        <a:buNone/>
+                        <a:tabLst/>
+                      </a:pPr>
+                      <a:r>
+                        <a:rPr lang="en-US" altLang="ko-KR" sz="1200" b="1" kern="1200" dirty="0">
+                          <a:solidFill>
+                            <a:schemeClr val="tx1"/>
+                          </a:solidFill>
+                          <a:latin typeface="+mn-lt"/>
+                          <a:ea typeface="+mn-ea"/>
+                          <a:cs typeface="+mn-cs"/>
+                        </a:rPr>
+                        <a:t>void </a:t>
+                      </a:r>
+                      <a:r>
+                        <a:rPr lang="en-US" altLang="ko-KR" sz="1200" b="1" kern="1200" dirty="0" err="1">
+                          <a:solidFill>
+                            <a:schemeClr val="tx1"/>
+                          </a:solidFill>
+                          <a:latin typeface="+mn-lt"/>
+                          <a:ea typeface="+mn-ea"/>
+                          <a:cs typeface="+mn-cs"/>
+                        </a:rPr>
+                        <a:t>ShellSort</a:t>
+                      </a:r>
+                      <a:r>
+                        <a:rPr lang="en-US" altLang="ko-KR" sz="1200" b="1" kern="1200" dirty="0">
+                          <a:solidFill>
+                            <a:schemeClr val="tx1"/>
+                          </a:solidFill>
+                          <a:latin typeface="+mn-lt"/>
+                          <a:ea typeface="+mn-ea"/>
+                          <a:cs typeface="+mn-cs"/>
+                        </a:rPr>
+                        <a:t>(int* </a:t>
+                      </a:r>
+                      <a:r>
+                        <a:rPr lang="en-US" altLang="ko-KR" sz="1200" b="1" kern="1200" dirty="0" err="1">
+                          <a:solidFill>
+                            <a:schemeClr val="tx1"/>
+                          </a:solidFill>
+                          <a:latin typeface="+mn-lt"/>
+                          <a:ea typeface="+mn-ea"/>
+                          <a:cs typeface="+mn-cs"/>
+                        </a:rPr>
+                        <a:t>arr</a:t>
+                      </a:r>
+                      <a:r>
+                        <a:rPr lang="en-US" altLang="ko-KR" sz="1200" b="1" kern="1200" dirty="0">
+                          <a:solidFill>
+                            <a:schemeClr val="tx1"/>
+                          </a:solidFill>
+                          <a:latin typeface="+mn-lt"/>
+                          <a:ea typeface="+mn-ea"/>
+                          <a:cs typeface="+mn-cs"/>
+                        </a:rPr>
+                        <a:t>, int size){</a:t>
+                      </a:r>
+                    </a:p>
+                    <a:p>
+                      <a:pPr marL="0" marR="0" lvl="0" indent="0" algn="l" defTabSz="914400" rtl="0" eaLnBrk="1" fontAlgn="base" latinLnBrk="1" hangingPunct="1">
+                        <a:lnSpc>
+                          <a:spcPct val="100000"/>
+                        </a:lnSpc>
+                        <a:spcBef>
+                          <a:spcPct val="0"/>
+                        </a:spcBef>
+                        <a:spcAft>
+                          <a:spcPct val="0"/>
+                        </a:spcAft>
+                        <a:buClrTx/>
+                        <a:buSzTx/>
+                        <a:buFontTx/>
+                        <a:buNone/>
+                        <a:tabLst/>
+                      </a:pPr>
+                      <a:r>
+                        <a:rPr lang="en-US" altLang="ko-KR" sz="1200" b="1" kern="1200" dirty="0">
+                          <a:solidFill>
+                            <a:schemeClr val="tx1"/>
+                          </a:solidFill>
+                          <a:latin typeface="+mn-lt"/>
+                          <a:ea typeface="+mn-ea"/>
+                          <a:cs typeface="+mn-cs"/>
+                        </a:rPr>
+                        <a:t>    int gap, </a:t>
+                      </a:r>
+                      <a:r>
+                        <a:rPr lang="en-US" altLang="ko-KR" sz="1200" b="1" kern="1200" dirty="0" err="1">
+                          <a:solidFill>
+                            <a:schemeClr val="tx1"/>
+                          </a:solidFill>
+                          <a:latin typeface="+mn-lt"/>
+                          <a:ea typeface="+mn-ea"/>
+                          <a:cs typeface="+mn-cs"/>
+                        </a:rPr>
+                        <a:t>i</a:t>
+                      </a:r>
+                      <a:r>
+                        <a:rPr lang="en-US" altLang="ko-KR" sz="1200" b="1" kern="1200" dirty="0">
+                          <a:solidFill>
+                            <a:schemeClr val="tx1"/>
+                          </a:solidFill>
+                          <a:latin typeface="+mn-lt"/>
+                          <a:ea typeface="+mn-ea"/>
+                          <a:cs typeface="+mn-cs"/>
+                        </a:rPr>
+                        <a:t>, key, j;</a:t>
+                      </a:r>
+                    </a:p>
+                    <a:p>
+                      <a:pPr marL="0" marR="0" lvl="0" indent="0" algn="l" defTabSz="914400" rtl="0" eaLnBrk="1" fontAlgn="base" latinLnBrk="1" hangingPunct="1">
+                        <a:lnSpc>
+                          <a:spcPct val="100000"/>
+                        </a:lnSpc>
+                        <a:spcBef>
+                          <a:spcPct val="0"/>
+                        </a:spcBef>
+                        <a:spcAft>
+                          <a:spcPct val="0"/>
+                        </a:spcAft>
+                        <a:buClrTx/>
+                        <a:buSzTx/>
+                        <a:buFontTx/>
+                        <a:buNone/>
+                        <a:tabLst/>
+                      </a:pPr>
+                      <a:r>
+                        <a:rPr lang="en-US" altLang="ko-KR" sz="1200" b="1" kern="1200" dirty="0">
+                          <a:solidFill>
+                            <a:schemeClr val="tx1"/>
+                          </a:solidFill>
+                          <a:latin typeface="+mn-lt"/>
+                          <a:ea typeface="+mn-ea"/>
+                          <a:cs typeface="+mn-cs"/>
+                        </a:rPr>
+                        <a:t>    //If not use </a:t>
+                      </a:r>
+                      <a:r>
+                        <a:rPr lang="en-US" altLang="ko-KR" sz="1200" b="1" kern="1200" dirty="0" err="1">
+                          <a:solidFill>
+                            <a:schemeClr val="tx1"/>
+                          </a:solidFill>
+                          <a:latin typeface="+mn-lt"/>
+                          <a:ea typeface="+mn-ea"/>
+                          <a:cs typeface="+mn-cs"/>
+                        </a:rPr>
+                        <a:t>CalculateGap</a:t>
+                      </a:r>
+                      <a:r>
+                        <a:rPr lang="en-US" altLang="ko-KR" sz="1200" b="1" kern="1200" dirty="0">
+                          <a:solidFill>
+                            <a:schemeClr val="tx1"/>
+                          </a:solidFill>
+                          <a:latin typeface="+mn-lt"/>
+                          <a:ea typeface="+mn-ea"/>
+                          <a:cs typeface="+mn-cs"/>
+                        </a:rPr>
+                        <a:t>(), use "gap = size/2; gap &gt; 0; gap/=2" in for()</a:t>
+                      </a:r>
+                    </a:p>
+                    <a:p>
+                      <a:pPr marL="0" marR="0" lvl="0" indent="0" algn="l" defTabSz="914400" rtl="0" eaLnBrk="1" fontAlgn="base" latinLnBrk="1" hangingPunct="1">
+                        <a:lnSpc>
+                          <a:spcPct val="100000"/>
+                        </a:lnSpc>
+                        <a:spcBef>
+                          <a:spcPct val="0"/>
+                        </a:spcBef>
+                        <a:spcAft>
+                          <a:spcPct val="0"/>
+                        </a:spcAft>
+                        <a:buClrTx/>
+                        <a:buSzTx/>
+                        <a:buFontTx/>
+                        <a:buNone/>
+                        <a:tabLst/>
+                      </a:pPr>
+                      <a:r>
+                        <a:rPr lang="en-US" altLang="ko-KR" sz="1200" b="1" kern="1200" dirty="0">
+                          <a:solidFill>
+                            <a:schemeClr val="tx1"/>
+                          </a:solidFill>
+                          <a:latin typeface="+mn-lt"/>
+                          <a:ea typeface="+mn-ea"/>
+                          <a:cs typeface="+mn-cs"/>
+                        </a:rPr>
+                        <a:t>    //If use </a:t>
+                      </a:r>
+                      <a:r>
+                        <a:rPr lang="en-US" altLang="ko-KR" sz="1200" b="1" kern="1200" dirty="0" err="1">
+                          <a:solidFill>
+                            <a:schemeClr val="tx1"/>
+                          </a:solidFill>
+                          <a:latin typeface="+mn-lt"/>
+                          <a:ea typeface="+mn-ea"/>
+                          <a:cs typeface="+mn-cs"/>
+                        </a:rPr>
+                        <a:t>CalculateGap</a:t>
+                      </a:r>
+                      <a:r>
+                        <a:rPr lang="en-US" altLang="ko-KR" sz="1200" b="1" kern="1200" dirty="0">
+                          <a:solidFill>
+                            <a:schemeClr val="tx1"/>
+                          </a:solidFill>
+                          <a:latin typeface="+mn-lt"/>
+                          <a:ea typeface="+mn-ea"/>
+                          <a:cs typeface="+mn-cs"/>
+                        </a:rPr>
+                        <a:t>(), use "gap = </a:t>
+                      </a:r>
+                      <a:r>
+                        <a:rPr lang="en-US" altLang="ko-KR" sz="1200" b="1" kern="1200" dirty="0" err="1">
+                          <a:solidFill>
+                            <a:schemeClr val="tx1"/>
+                          </a:solidFill>
+                          <a:latin typeface="+mn-lt"/>
+                          <a:ea typeface="+mn-ea"/>
+                          <a:cs typeface="+mn-cs"/>
+                        </a:rPr>
+                        <a:t>CalculateGap</a:t>
+                      </a:r>
+                      <a:r>
+                        <a:rPr lang="en-US" altLang="ko-KR" sz="1200" b="1" kern="1200" dirty="0">
+                          <a:solidFill>
+                            <a:schemeClr val="tx1"/>
+                          </a:solidFill>
+                          <a:latin typeface="+mn-lt"/>
+                          <a:ea typeface="+mn-ea"/>
+                          <a:cs typeface="+mn-cs"/>
+                        </a:rPr>
+                        <a:t>(size); gap &gt; 0; gap /= 3" in for()</a:t>
+                      </a:r>
+                    </a:p>
+                    <a:p>
+                      <a:pPr marL="0" marR="0" lvl="0" indent="0" algn="l" defTabSz="914400" rtl="0" eaLnBrk="1" fontAlgn="base" latinLnBrk="1" hangingPunct="1">
+                        <a:lnSpc>
+                          <a:spcPct val="100000"/>
+                        </a:lnSpc>
+                        <a:spcBef>
+                          <a:spcPct val="0"/>
+                        </a:spcBef>
+                        <a:spcAft>
+                          <a:spcPct val="0"/>
+                        </a:spcAft>
+                        <a:buClrTx/>
+                        <a:buSzTx/>
+                        <a:buFontTx/>
+                        <a:buNone/>
+                        <a:tabLst/>
+                      </a:pPr>
+                      <a:r>
+                        <a:rPr lang="en-US" altLang="ko-KR" sz="1200" b="1" kern="1200" dirty="0">
+                          <a:solidFill>
+                            <a:schemeClr val="tx1"/>
+                          </a:solidFill>
+                          <a:latin typeface="+mn-lt"/>
+                          <a:ea typeface="+mn-ea"/>
+                          <a:cs typeface="+mn-cs"/>
+                        </a:rPr>
+                        <a:t>    for(gap = size/2; gap &gt; 0; gap/=2){</a:t>
+                      </a:r>
+                    </a:p>
+                    <a:p>
+                      <a:pPr marL="0" marR="0" lvl="0" indent="0" algn="l" defTabSz="914400" rtl="0" eaLnBrk="1" fontAlgn="base" latinLnBrk="1" hangingPunct="1">
+                        <a:lnSpc>
+                          <a:spcPct val="100000"/>
+                        </a:lnSpc>
+                        <a:spcBef>
+                          <a:spcPct val="0"/>
+                        </a:spcBef>
+                        <a:spcAft>
+                          <a:spcPct val="0"/>
+                        </a:spcAft>
+                        <a:buClrTx/>
+                        <a:buSzTx/>
+                        <a:buFontTx/>
+                        <a:buNone/>
+                        <a:tabLst/>
+                      </a:pPr>
+                      <a:r>
+                        <a:rPr lang="en-US" altLang="ko-KR" sz="1200" b="1" kern="1200" dirty="0">
+                          <a:solidFill>
+                            <a:schemeClr val="tx1"/>
+                          </a:solidFill>
+                          <a:latin typeface="+mn-lt"/>
+                          <a:ea typeface="+mn-ea"/>
+                          <a:cs typeface="+mn-cs"/>
+                        </a:rPr>
+                        <a:t>        for(</a:t>
+                      </a:r>
+                      <a:r>
+                        <a:rPr lang="en-US" altLang="ko-KR" sz="1200" b="1" kern="1200" dirty="0" err="1">
+                          <a:solidFill>
+                            <a:schemeClr val="tx1"/>
+                          </a:solidFill>
+                          <a:latin typeface="+mn-lt"/>
+                          <a:ea typeface="+mn-ea"/>
+                          <a:cs typeface="+mn-cs"/>
+                        </a:rPr>
+                        <a:t>i</a:t>
+                      </a:r>
+                      <a:r>
+                        <a:rPr lang="en-US" altLang="ko-KR" sz="1200" b="1" kern="1200" dirty="0">
+                          <a:solidFill>
+                            <a:schemeClr val="tx1"/>
+                          </a:solidFill>
+                          <a:latin typeface="+mn-lt"/>
+                          <a:ea typeface="+mn-ea"/>
+                          <a:cs typeface="+mn-cs"/>
+                        </a:rPr>
+                        <a:t>=gap; </a:t>
+                      </a:r>
+                      <a:r>
+                        <a:rPr lang="en-US" altLang="ko-KR" sz="1200" b="1" kern="1200" dirty="0" err="1">
+                          <a:solidFill>
+                            <a:schemeClr val="tx1"/>
+                          </a:solidFill>
+                          <a:latin typeface="+mn-lt"/>
+                          <a:ea typeface="+mn-ea"/>
+                          <a:cs typeface="+mn-cs"/>
+                        </a:rPr>
+                        <a:t>i</a:t>
+                      </a:r>
+                      <a:r>
+                        <a:rPr lang="en-US" altLang="ko-KR" sz="1200" b="1" kern="1200" dirty="0">
+                          <a:solidFill>
+                            <a:schemeClr val="tx1"/>
+                          </a:solidFill>
+                          <a:latin typeface="+mn-lt"/>
+                          <a:ea typeface="+mn-ea"/>
+                          <a:cs typeface="+mn-cs"/>
+                        </a:rPr>
+                        <a:t>&lt;size; </a:t>
+                      </a:r>
+                      <a:r>
+                        <a:rPr lang="en-US" altLang="ko-KR" sz="1200" b="1" kern="1200" dirty="0" err="1">
+                          <a:solidFill>
+                            <a:schemeClr val="tx1"/>
+                          </a:solidFill>
+                          <a:latin typeface="+mn-lt"/>
+                          <a:ea typeface="+mn-ea"/>
+                          <a:cs typeface="+mn-cs"/>
+                        </a:rPr>
+                        <a:t>i</a:t>
+                      </a:r>
+                      <a:r>
+                        <a:rPr lang="en-US" altLang="ko-KR" sz="1200" b="1" kern="1200" dirty="0">
+                          <a:solidFill>
+                            <a:schemeClr val="tx1"/>
+                          </a:solidFill>
+                          <a:latin typeface="+mn-lt"/>
+                          <a:ea typeface="+mn-ea"/>
+                          <a:cs typeface="+mn-cs"/>
+                        </a:rPr>
+                        <a:t>++){</a:t>
+                      </a:r>
+                    </a:p>
+                    <a:p>
+                      <a:pPr marL="0" marR="0" lvl="0" indent="0" algn="l" defTabSz="914400" rtl="0" eaLnBrk="1" fontAlgn="base" latinLnBrk="1" hangingPunct="1">
+                        <a:lnSpc>
+                          <a:spcPct val="100000"/>
+                        </a:lnSpc>
+                        <a:spcBef>
+                          <a:spcPct val="0"/>
+                        </a:spcBef>
+                        <a:spcAft>
+                          <a:spcPct val="0"/>
+                        </a:spcAft>
+                        <a:buClrTx/>
+                        <a:buSzTx/>
+                        <a:buFontTx/>
+                        <a:buNone/>
+                        <a:tabLst/>
+                      </a:pPr>
+                      <a:r>
+                        <a:rPr lang="en-US" altLang="ko-KR" sz="1200" b="1" kern="1200" dirty="0">
+                          <a:solidFill>
+                            <a:schemeClr val="tx1"/>
+                          </a:solidFill>
+                          <a:latin typeface="+mn-lt"/>
+                          <a:ea typeface="+mn-ea"/>
+                          <a:cs typeface="+mn-cs"/>
+                        </a:rPr>
+                        <a:t>            key = </a:t>
+                      </a:r>
+                      <a:r>
+                        <a:rPr lang="en-US" altLang="ko-KR" sz="1200" b="1" kern="1200" dirty="0" err="1">
+                          <a:solidFill>
+                            <a:schemeClr val="tx1"/>
+                          </a:solidFill>
+                          <a:latin typeface="+mn-lt"/>
+                          <a:ea typeface="+mn-ea"/>
+                          <a:cs typeface="+mn-cs"/>
+                        </a:rPr>
+                        <a:t>arr</a:t>
+                      </a:r>
+                      <a:r>
+                        <a:rPr lang="en-US" altLang="ko-KR" sz="1200" b="1" kern="1200" dirty="0">
+                          <a:solidFill>
+                            <a:schemeClr val="tx1"/>
+                          </a:solidFill>
+                          <a:latin typeface="+mn-lt"/>
+                          <a:ea typeface="+mn-ea"/>
+                          <a:cs typeface="+mn-cs"/>
+                        </a:rPr>
+                        <a:t>[</a:t>
+                      </a:r>
+                      <a:r>
+                        <a:rPr lang="en-US" altLang="ko-KR" sz="1200" b="1" kern="1200" dirty="0" err="1">
+                          <a:solidFill>
+                            <a:schemeClr val="tx1"/>
+                          </a:solidFill>
+                          <a:latin typeface="+mn-lt"/>
+                          <a:ea typeface="+mn-ea"/>
+                          <a:cs typeface="+mn-cs"/>
+                        </a:rPr>
+                        <a:t>i</a:t>
+                      </a:r>
+                      <a:r>
+                        <a:rPr lang="en-US" altLang="ko-KR" sz="1200" b="1" kern="1200" dirty="0">
+                          <a:solidFill>
+                            <a:schemeClr val="tx1"/>
+                          </a:solidFill>
+                          <a:latin typeface="+mn-lt"/>
+                          <a:ea typeface="+mn-ea"/>
+                          <a:cs typeface="+mn-cs"/>
+                        </a:rPr>
+                        <a:t>];</a:t>
+                      </a:r>
+                    </a:p>
+                    <a:p>
+                      <a:pPr marL="0" marR="0" lvl="0" indent="0" algn="l" defTabSz="914400" rtl="0" eaLnBrk="1" fontAlgn="base" latinLnBrk="1" hangingPunct="1">
+                        <a:lnSpc>
+                          <a:spcPct val="100000"/>
+                        </a:lnSpc>
+                        <a:spcBef>
+                          <a:spcPct val="0"/>
+                        </a:spcBef>
+                        <a:spcAft>
+                          <a:spcPct val="0"/>
+                        </a:spcAft>
+                        <a:buClrTx/>
+                        <a:buSzTx/>
+                        <a:buFontTx/>
+                        <a:buNone/>
+                        <a:tabLst/>
+                      </a:pPr>
+                      <a:r>
+                        <a:rPr lang="en-US" altLang="ko-KR" sz="1200" b="1" kern="1200" dirty="0">
+                          <a:solidFill>
+                            <a:schemeClr val="tx1"/>
+                          </a:solidFill>
+                          <a:latin typeface="+mn-lt"/>
+                          <a:ea typeface="+mn-ea"/>
+                          <a:cs typeface="+mn-cs"/>
+                        </a:rPr>
+                        <a:t>            for(j=</a:t>
+                      </a:r>
+                      <a:r>
+                        <a:rPr lang="en-US" altLang="ko-KR" sz="1200" b="1" kern="1200" dirty="0" err="1">
+                          <a:solidFill>
+                            <a:schemeClr val="tx1"/>
+                          </a:solidFill>
+                          <a:latin typeface="+mn-lt"/>
+                          <a:ea typeface="+mn-ea"/>
+                          <a:cs typeface="+mn-cs"/>
+                        </a:rPr>
+                        <a:t>i</a:t>
+                      </a:r>
+                      <a:r>
+                        <a:rPr lang="en-US" altLang="ko-KR" sz="1200" b="1" kern="1200" dirty="0">
+                          <a:solidFill>
+                            <a:schemeClr val="tx1"/>
+                          </a:solidFill>
+                          <a:latin typeface="+mn-lt"/>
+                          <a:ea typeface="+mn-ea"/>
+                          <a:cs typeface="+mn-cs"/>
+                        </a:rPr>
+                        <a:t>; j&gt;=gap &amp;&amp; </a:t>
+                      </a:r>
+                      <a:r>
+                        <a:rPr lang="en-US" altLang="ko-KR" sz="1200" b="1" kern="1200" dirty="0" err="1">
+                          <a:solidFill>
+                            <a:schemeClr val="tx1"/>
+                          </a:solidFill>
+                          <a:latin typeface="+mn-lt"/>
+                          <a:ea typeface="+mn-ea"/>
+                          <a:cs typeface="+mn-cs"/>
+                        </a:rPr>
+                        <a:t>arr</a:t>
+                      </a:r>
+                      <a:r>
+                        <a:rPr lang="en-US" altLang="ko-KR" sz="1200" b="1" kern="1200" dirty="0">
+                          <a:solidFill>
+                            <a:schemeClr val="tx1"/>
+                          </a:solidFill>
+                          <a:latin typeface="+mn-lt"/>
+                          <a:ea typeface="+mn-ea"/>
+                          <a:cs typeface="+mn-cs"/>
+                        </a:rPr>
+                        <a:t>[j-gap] &gt; key; j -=gap)</a:t>
+                      </a:r>
+                    </a:p>
+                    <a:p>
+                      <a:pPr marL="0" marR="0" lvl="0" indent="0" algn="l" defTabSz="914400" rtl="0" eaLnBrk="1" fontAlgn="base" latinLnBrk="1" hangingPunct="1">
+                        <a:lnSpc>
+                          <a:spcPct val="100000"/>
+                        </a:lnSpc>
+                        <a:spcBef>
+                          <a:spcPct val="0"/>
+                        </a:spcBef>
+                        <a:spcAft>
+                          <a:spcPct val="0"/>
+                        </a:spcAft>
+                        <a:buClrTx/>
+                        <a:buSzTx/>
+                        <a:buFontTx/>
+                        <a:buNone/>
+                        <a:tabLst/>
+                      </a:pPr>
+                      <a:r>
+                        <a:rPr lang="en-US" altLang="ko-KR" sz="1200" b="1" kern="1200" dirty="0">
+                          <a:solidFill>
+                            <a:schemeClr val="tx1"/>
+                          </a:solidFill>
+                          <a:latin typeface="+mn-lt"/>
+                          <a:ea typeface="+mn-ea"/>
+                          <a:cs typeface="+mn-cs"/>
+                        </a:rPr>
+                        <a:t>                </a:t>
+                      </a:r>
+                      <a:r>
+                        <a:rPr lang="en-US" altLang="ko-KR" sz="1200" b="1" kern="1200" dirty="0" err="1">
+                          <a:solidFill>
+                            <a:schemeClr val="tx1"/>
+                          </a:solidFill>
+                          <a:latin typeface="+mn-lt"/>
+                          <a:ea typeface="+mn-ea"/>
+                          <a:cs typeface="+mn-cs"/>
+                        </a:rPr>
+                        <a:t>arr</a:t>
+                      </a:r>
+                      <a:r>
+                        <a:rPr lang="en-US" altLang="ko-KR" sz="1200" b="1" kern="1200" dirty="0">
+                          <a:solidFill>
+                            <a:schemeClr val="tx1"/>
+                          </a:solidFill>
+                          <a:latin typeface="+mn-lt"/>
+                          <a:ea typeface="+mn-ea"/>
+                          <a:cs typeface="+mn-cs"/>
+                        </a:rPr>
+                        <a:t>[j] = </a:t>
+                      </a:r>
+                      <a:r>
+                        <a:rPr lang="en-US" altLang="ko-KR" sz="1200" b="1" kern="1200" dirty="0" err="1">
+                          <a:solidFill>
+                            <a:schemeClr val="tx1"/>
+                          </a:solidFill>
+                          <a:latin typeface="+mn-lt"/>
+                          <a:ea typeface="+mn-ea"/>
+                          <a:cs typeface="+mn-cs"/>
+                        </a:rPr>
+                        <a:t>arr</a:t>
+                      </a:r>
+                      <a:r>
+                        <a:rPr lang="en-US" altLang="ko-KR" sz="1200" b="1" kern="1200" dirty="0">
+                          <a:solidFill>
+                            <a:schemeClr val="tx1"/>
+                          </a:solidFill>
+                          <a:latin typeface="+mn-lt"/>
+                          <a:ea typeface="+mn-ea"/>
+                          <a:cs typeface="+mn-cs"/>
+                        </a:rPr>
+                        <a:t>[j-gap];</a:t>
+                      </a:r>
+                    </a:p>
+                    <a:p>
+                      <a:pPr marL="0" marR="0" lvl="0" indent="0" algn="l" defTabSz="914400" rtl="0" eaLnBrk="1" fontAlgn="base" latinLnBrk="1" hangingPunct="1">
+                        <a:lnSpc>
+                          <a:spcPct val="100000"/>
+                        </a:lnSpc>
+                        <a:spcBef>
+                          <a:spcPct val="0"/>
+                        </a:spcBef>
+                        <a:spcAft>
+                          <a:spcPct val="0"/>
+                        </a:spcAft>
+                        <a:buClrTx/>
+                        <a:buSzTx/>
+                        <a:buFontTx/>
+                        <a:buNone/>
+                        <a:tabLst/>
+                      </a:pPr>
+                      <a:r>
+                        <a:rPr lang="en-US" altLang="ko-KR" sz="1200" b="1" kern="1200" dirty="0">
+                          <a:solidFill>
+                            <a:schemeClr val="tx1"/>
+                          </a:solidFill>
+                          <a:latin typeface="+mn-lt"/>
+                          <a:ea typeface="+mn-ea"/>
+                          <a:cs typeface="+mn-cs"/>
+                        </a:rPr>
+                        <a:t>            </a:t>
+                      </a:r>
+                      <a:r>
+                        <a:rPr lang="en-US" altLang="ko-KR" sz="1200" b="1" kern="1200" dirty="0" err="1">
+                          <a:solidFill>
+                            <a:schemeClr val="tx1"/>
+                          </a:solidFill>
+                          <a:latin typeface="+mn-lt"/>
+                          <a:ea typeface="+mn-ea"/>
+                          <a:cs typeface="+mn-cs"/>
+                        </a:rPr>
+                        <a:t>arr</a:t>
+                      </a:r>
+                      <a:r>
+                        <a:rPr lang="en-US" altLang="ko-KR" sz="1200" b="1" kern="1200" dirty="0">
+                          <a:solidFill>
+                            <a:schemeClr val="tx1"/>
+                          </a:solidFill>
+                          <a:latin typeface="+mn-lt"/>
+                          <a:ea typeface="+mn-ea"/>
+                          <a:cs typeface="+mn-cs"/>
+                        </a:rPr>
+                        <a:t>[j]=key;</a:t>
+                      </a:r>
+                    </a:p>
+                    <a:p>
+                      <a:pPr marL="0" marR="0" lvl="0" indent="0" algn="l" defTabSz="914400" rtl="0" eaLnBrk="1" fontAlgn="base" latinLnBrk="1" hangingPunct="1">
+                        <a:lnSpc>
+                          <a:spcPct val="100000"/>
+                        </a:lnSpc>
+                        <a:spcBef>
+                          <a:spcPct val="0"/>
+                        </a:spcBef>
+                        <a:spcAft>
+                          <a:spcPct val="0"/>
+                        </a:spcAft>
+                        <a:buClrTx/>
+                        <a:buSzTx/>
+                        <a:buFontTx/>
+                        <a:buNone/>
+                        <a:tabLst/>
+                      </a:pPr>
+                      <a:r>
+                        <a:rPr lang="en-US" altLang="ko-KR" sz="1200" b="1" kern="1200" dirty="0">
+                          <a:solidFill>
+                            <a:schemeClr val="tx1"/>
+                          </a:solidFill>
+                          <a:latin typeface="+mn-lt"/>
+                          <a:ea typeface="+mn-ea"/>
+                          <a:cs typeface="+mn-cs"/>
+                        </a:rPr>
+                        <a:t>        }</a:t>
+                      </a:r>
+                    </a:p>
+                    <a:p>
+                      <a:pPr marL="0" marR="0" lvl="0" indent="0" algn="l" defTabSz="914400" rtl="0" eaLnBrk="1" fontAlgn="base" latinLnBrk="1" hangingPunct="1">
+                        <a:lnSpc>
+                          <a:spcPct val="100000"/>
+                        </a:lnSpc>
+                        <a:spcBef>
+                          <a:spcPct val="0"/>
+                        </a:spcBef>
+                        <a:spcAft>
+                          <a:spcPct val="0"/>
+                        </a:spcAft>
+                        <a:buClrTx/>
+                        <a:buSzTx/>
+                        <a:buFontTx/>
+                        <a:buNone/>
+                        <a:tabLst/>
+                      </a:pPr>
+                      <a:r>
+                        <a:rPr lang="en-US" altLang="ko-KR" sz="1200" b="1" kern="1200" dirty="0">
+                          <a:solidFill>
+                            <a:schemeClr val="tx1"/>
+                          </a:solidFill>
+                          <a:latin typeface="+mn-lt"/>
+                          <a:ea typeface="+mn-ea"/>
+                          <a:cs typeface="+mn-cs"/>
+                        </a:rPr>
+                        <a:t>    }</a:t>
+                      </a:r>
+                    </a:p>
+                    <a:p>
+                      <a:pPr marL="0" marR="0" lvl="0" indent="0" algn="l" defTabSz="914400" rtl="0" eaLnBrk="1" fontAlgn="base" latinLnBrk="1" hangingPunct="1">
+                        <a:lnSpc>
+                          <a:spcPct val="100000"/>
+                        </a:lnSpc>
+                        <a:spcBef>
+                          <a:spcPct val="0"/>
+                        </a:spcBef>
+                        <a:spcAft>
+                          <a:spcPct val="0"/>
+                        </a:spcAft>
+                        <a:buClrTx/>
+                        <a:buSzTx/>
+                        <a:buFontTx/>
+                        <a:buNone/>
+                        <a:tabLst/>
+                      </a:pPr>
+                      <a:r>
+                        <a:rPr lang="en-US" altLang="ko-KR" sz="1200" b="1" kern="1200" dirty="0">
+                          <a:solidFill>
+                            <a:schemeClr val="tx1"/>
+                          </a:solidFill>
+                          <a:latin typeface="+mn-lt"/>
+                          <a:ea typeface="+mn-ea"/>
+                          <a:cs typeface="+mn-cs"/>
+                        </a:rPr>
+                        <a:t>}</a:t>
+                      </a:r>
+                    </a:p>
+                  </a:txBody>
+                  <a:tcPr>
+                    <a:lnL w="28575" cap="flat" cmpd="sng" algn="ctr">
+                      <a:solidFill>
+                        <a:schemeClr val="tx1"/>
+                      </a:solidFill>
+                      <a:prstDash val="solid"/>
+                      <a:round/>
+                      <a:headEnd type="none" w="med" len="med"/>
+                      <a:tailEnd type="none" w="med" len="med"/>
+                    </a:lnL>
+                    <a:lnR w="28575" cap="flat" cmpd="sng" algn="ctr">
+                      <a:solidFill>
+                        <a:schemeClr val="tx1"/>
+                      </a:solidFill>
+                      <a:prstDash val="solid"/>
+                      <a:round/>
+                      <a:headEnd type="none" w="med" len="med"/>
+                      <a:tailEnd type="none" w="med" len="med"/>
+                    </a:lnR>
+                    <a:lnT w="28575" cap="flat" cmpd="sng" algn="ctr">
+                      <a:solidFill>
+                        <a:schemeClr val="tx1"/>
+                      </a:solidFill>
+                      <a:prstDash val="solid"/>
+                      <a:round/>
+                      <a:headEnd type="none" w="med" len="med"/>
+                      <a:tailEnd type="none" w="med" len="med"/>
+                    </a:lnT>
+                    <a:lnB w="28575" cap="flat" cmpd="sng" algn="ctr">
+                      <a:solidFill>
+                        <a:schemeClr val="tx1"/>
+                      </a:solidFill>
+                      <a:prstDash val="solid"/>
+                      <a:round/>
+                      <a:headEnd type="none" w="med" len="med"/>
+                      <a:tailEnd type="none" w="med" len="med"/>
+                    </a:lnB>
+                    <a:lnTlToBr w="12700" cmpd="sng">
+                      <a:noFill/>
+                      <a:prstDash val="solid"/>
+                    </a:lnTlToBr>
+                    <a:lnBlToTr w="12700" cmpd="sng">
+                      <a:noFill/>
+                      <a:prstDash val="solid"/>
+                    </a:lnBlToTr>
+                    <a:noFill/>
+                  </a:tcPr>
+                </a:tc>
+                <a:extLst>
+                  <a:ext uri="{0D108BD9-81ED-4DB2-BD59-A6C34878D82A}">
+                    <a16:rowId xmlns:a16="http://schemas.microsoft.com/office/drawing/2014/main" val="4126198778"/>
+                  </a:ext>
+                </a:extLst>
+              </a:tr>
+            </a:tbl>
+          </a:graphicData>
+        </a:graphic>
+      </p:graphicFrame>
+      <p:pic>
+        <p:nvPicPr>
+          <p:cNvPr id="3" name="그림 2">
+            <a:extLst>
+              <a:ext uri="{FF2B5EF4-FFF2-40B4-BE49-F238E27FC236}">
+                <a16:creationId xmlns:a16="http://schemas.microsoft.com/office/drawing/2014/main" id="{C7673FF3-73F9-E564-BC63-001FA7100EE5}"/>
+              </a:ext>
+            </a:extLst>
+          </p:cNvPr>
+          <p:cNvPicPr>
+            <a:picLocks noChangeAspect="1"/>
+          </p:cNvPicPr>
+          <p:nvPr/>
+        </p:nvPicPr>
+        <p:blipFill>
+          <a:blip r:embed="rId2">
+            <a:clrChange>
+              <a:clrFrom>
+                <a:srgbClr val="FFFFFF"/>
+              </a:clrFrom>
+              <a:clrTo>
+                <a:srgbClr val="FFFFFF">
+                  <a:alpha val="0"/>
+                </a:srgbClr>
+              </a:clrTo>
+            </a:clrChange>
+          </a:blip>
+          <a:stretch>
+            <a:fillRect/>
+          </a:stretch>
+        </p:blipFill>
+        <p:spPr>
+          <a:xfrm>
+            <a:off x="394429" y="1363452"/>
+            <a:ext cx="3858419" cy="2474328"/>
+          </a:xfrm>
+          <a:prstGeom prst="rect">
+            <a:avLst/>
+          </a:prstGeom>
+        </p:spPr>
+      </p:pic>
+      <p:pic>
+        <p:nvPicPr>
+          <p:cNvPr id="6" name="그림 5">
+            <a:extLst>
+              <a:ext uri="{FF2B5EF4-FFF2-40B4-BE49-F238E27FC236}">
+                <a16:creationId xmlns:a16="http://schemas.microsoft.com/office/drawing/2014/main" id="{9122285D-E0E8-6C4A-AD44-5E8077AB71F1}"/>
+              </a:ext>
+            </a:extLst>
+          </p:cNvPr>
+          <p:cNvPicPr>
+            <a:picLocks noChangeAspect="1"/>
+          </p:cNvPicPr>
+          <p:nvPr/>
+        </p:nvPicPr>
+        <p:blipFill>
+          <a:blip r:embed="rId3">
+            <a:clrChange>
+              <a:clrFrom>
+                <a:srgbClr val="FFFFFF"/>
+              </a:clrFrom>
+              <a:clrTo>
+                <a:srgbClr val="FFFFFF">
+                  <a:alpha val="0"/>
+                </a:srgbClr>
+              </a:clrTo>
+            </a:clrChange>
+          </a:blip>
+          <a:stretch>
+            <a:fillRect/>
+          </a:stretch>
+        </p:blipFill>
+        <p:spPr>
+          <a:xfrm>
+            <a:off x="276690" y="4196472"/>
+            <a:ext cx="4312672" cy="2119431"/>
+          </a:xfrm>
+          <a:prstGeom prst="rect">
+            <a:avLst/>
+          </a:prstGeom>
+        </p:spPr>
+      </p:pic>
+      <p:pic>
+        <p:nvPicPr>
+          <p:cNvPr id="8" name="그림 7">
+            <a:extLst>
+              <a:ext uri="{FF2B5EF4-FFF2-40B4-BE49-F238E27FC236}">
+                <a16:creationId xmlns:a16="http://schemas.microsoft.com/office/drawing/2014/main" id="{FC7CD3A8-252C-D9CB-56A1-0F56E447880F}"/>
+              </a:ext>
+            </a:extLst>
+          </p:cNvPr>
+          <p:cNvPicPr>
+            <a:picLocks noChangeAspect="1"/>
+          </p:cNvPicPr>
+          <p:nvPr/>
+        </p:nvPicPr>
+        <p:blipFill>
+          <a:blip r:embed="rId4">
+            <a:clrChange>
+              <a:clrFrom>
+                <a:srgbClr val="FFFFFF"/>
+              </a:clrFrom>
+              <a:clrTo>
+                <a:srgbClr val="FFFFFF">
+                  <a:alpha val="0"/>
+                </a:srgbClr>
+              </a:clrTo>
+            </a:clrChange>
+          </a:blip>
+          <a:stretch>
+            <a:fillRect/>
+          </a:stretch>
+        </p:blipFill>
+        <p:spPr>
+          <a:xfrm>
+            <a:off x="4312247" y="1601812"/>
+            <a:ext cx="3789784" cy="2119431"/>
+          </a:xfrm>
+          <a:prstGeom prst="rect">
+            <a:avLst/>
+          </a:prstGeom>
+        </p:spPr>
+      </p:pic>
+    </p:spTree>
+    <p:extLst>
+      <p:ext uri="{BB962C8B-B14F-4D97-AF65-F5344CB8AC3E}">
+        <p14:creationId xmlns:p14="http://schemas.microsoft.com/office/powerpoint/2010/main" val="3689745192"/>
+      </p:ext>
+    </p:extLst>
+  </p:cSld>
+  <p:clrMapOvr>
+    <a:masterClrMapping/>
+  </p:clrMapOvr>
+</p:sld>
+</file>
+
+<file path=ppt/slides/slide8.xml><?xml version="1.0" encoding="utf-8"?>
+<p:sld xmlns:a="http://schemas.openxmlformats.org/drawingml/2006/main" xmlns:r="http://schemas.openxmlformats.org/officeDocument/2006/relationships" xmlns:p="http://schemas.openxmlformats.org/presentationml/2006/main">
+  <p:cSld>
+    <p:spTree>
+      <p:nvGrpSpPr>
+        <p:cNvPr id="1" name=""/>
+        <p:cNvGrpSpPr/>
+        <p:nvPr/>
+      </p:nvGrpSpPr>
+      <p:grpSpPr>
+        <a:xfrm>
+          <a:off x="0" y="0"/>
+          <a:ext cx="0" cy="0"/>
+          <a:chOff x="0" y="0"/>
+          <a:chExt cx="0" cy="0"/>
+        </a:xfrm>
+      </p:grpSpPr>
+      <p:sp>
+        <p:nvSpPr>
+          <p:cNvPr id="4" name="TextBox 3">
+            <a:extLst>
+              <a:ext uri="{FF2B5EF4-FFF2-40B4-BE49-F238E27FC236}">
+                <a16:creationId xmlns:a16="http://schemas.microsoft.com/office/drawing/2014/main" id="{433BF28E-3AFF-C552-FAE2-309559E95E58}"/>
+              </a:ext>
+            </a:extLst>
+          </p:cNvPr>
+          <p:cNvSpPr txBox="1"/>
+          <p:nvPr/>
+        </p:nvSpPr>
+        <p:spPr>
+          <a:xfrm>
+            <a:off x="0" y="-57750"/>
+            <a:ext cx="12192000" cy="830997"/>
+          </a:xfrm>
+          <a:prstGeom prst="rect">
+            <a:avLst/>
+          </a:prstGeom>
+          <a:noFill/>
+        </p:spPr>
+        <p:txBody>
+          <a:bodyPr wrap="square" rtlCol="0">
+            <a:spAutoFit/>
+          </a:bodyPr>
+          <a:lstStyle/>
+          <a:p>
+            <a:r>
+              <a:rPr lang="en-US" altLang="ko-KR" sz="4800" dirty="0">
+                <a:solidFill>
+                  <a:schemeClr val="bg1"/>
+                </a:solidFill>
+                <a:latin typeface="Times New Roman" panose="02020603050405020304" pitchFamily="18" charset="0"/>
+                <a:cs typeface="Times New Roman" panose="02020603050405020304" pitchFamily="18" charset="0"/>
+              </a:rPr>
+              <a:t>Tim Sort</a:t>
+            </a:r>
+          </a:p>
+        </p:txBody>
+      </p:sp>
+      <p:graphicFrame>
+        <p:nvGraphicFramePr>
+          <p:cNvPr id="9" name="표 8">
+            <a:extLst>
+              <a:ext uri="{FF2B5EF4-FFF2-40B4-BE49-F238E27FC236}">
+                <a16:creationId xmlns:a16="http://schemas.microsoft.com/office/drawing/2014/main" id="{9C266657-4740-8092-07AD-4F300A85A0E9}"/>
+              </a:ext>
+            </a:extLst>
+          </p:cNvPr>
+          <p:cNvGraphicFramePr>
+            <a:graphicFrameLocks noGrp="1"/>
+          </p:cNvGraphicFramePr>
+          <p:nvPr>
+            <p:extLst>
+              <p:ext uri="{D42A27DB-BD31-4B8C-83A1-F6EECF244321}">
+                <p14:modId xmlns:p14="http://schemas.microsoft.com/office/powerpoint/2010/main" val="3939108179"/>
+              </p:ext>
+            </p:extLst>
+          </p:nvPr>
+        </p:nvGraphicFramePr>
+        <p:xfrm>
+          <a:off x="177800" y="868119"/>
+          <a:ext cx="11811000" cy="5812081"/>
+        </p:xfrm>
+        <a:graphic>
+          <a:graphicData uri="http://schemas.openxmlformats.org/drawingml/2006/table">
+            <a:tbl>
+              <a:tblPr firstRow="1" bandRow="1">
+                <a:tableStyleId>{5C22544A-7EE6-4342-B048-85BDC9FD1C3A}</a:tableStyleId>
+              </a:tblPr>
+              <a:tblGrid>
+                <a:gridCol w="11811000">
+                  <a:extLst>
+                    <a:ext uri="{9D8B030D-6E8A-4147-A177-3AD203B41FA5}">
+                      <a16:colId xmlns:a16="http://schemas.microsoft.com/office/drawing/2014/main" val="1427386122"/>
+                    </a:ext>
+                  </a:extLst>
+                </a:gridCol>
+              </a:tblGrid>
+              <a:tr h="5812081">
+                <a:tc>
+                  <a:txBody>
+                    <a:bodyPr/>
+                    <a:lstStyle/>
+                    <a:p>
+                      <a:pPr marL="0" marR="0" lvl="0" indent="0" algn="l" defTabSz="914400" rtl="0" eaLnBrk="1" fontAlgn="base" latinLnBrk="1" hangingPunct="1">
+                        <a:lnSpc>
+                          <a:spcPct val="100000"/>
+                        </a:lnSpc>
+                        <a:spcBef>
+                          <a:spcPct val="0"/>
+                        </a:spcBef>
+                        <a:spcAft>
+                          <a:spcPct val="0"/>
+                        </a:spcAft>
+                        <a:buClrTx/>
+                        <a:buSzTx/>
+                        <a:buFontTx/>
+                        <a:buNone/>
+                        <a:tabLst/>
+                      </a:pPr>
+                      <a:r>
+                        <a:rPr lang="en-US" altLang="ko-KR" sz="1200" b="1" kern="1200" dirty="0">
+                          <a:solidFill>
+                            <a:schemeClr val="tx1"/>
+                          </a:solidFill>
+                          <a:latin typeface="+mn-lt"/>
+                          <a:ea typeface="+mn-ea"/>
+                          <a:cs typeface="+mn-cs"/>
+                        </a:rPr>
+                        <a:t>- </a:t>
+                      </a:r>
+                      <a:r>
+                        <a:rPr lang="ko-KR" altLang="en-US" sz="1200" b="1" kern="1200" dirty="0">
+                          <a:solidFill>
+                            <a:schemeClr val="tx1"/>
+                          </a:solidFill>
+                          <a:latin typeface="+mn-lt"/>
+                          <a:ea typeface="+mn-ea"/>
+                          <a:cs typeface="+mn-cs"/>
+                        </a:rPr>
+                        <a:t>팀 정렬 </a:t>
+                      </a:r>
+                      <a:r>
+                        <a:rPr lang="en-US" altLang="ko-KR" sz="1200" b="1" kern="1200" dirty="0">
+                          <a:solidFill>
+                            <a:schemeClr val="tx1"/>
+                          </a:solidFill>
+                          <a:latin typeface="+mn-lt"/>
+                          <a:ea typeface="+mn-ea"/>
+                          <a:cs typeface="+mn-cs"/>
+                        </a:rPr>
+                        <a:t>= </a:t>
+                      </a:r>
+                      <a:r>
+                        <a:rPr lang="ko-KR" altLang="en-US" sz="1200" b="1" kern="1200" dirty="0">
+                          <a:solidFill>
+                            <a:schemeClr val="tx1"/>
+                          </a:solidFill>
+                          <a:latin typeface="+mn-lt"/>
+                          <a:ea typeface="+mn-ea"/>
+                          <a:cs typeface="+mn-cs"/>
+                        </a:rPr>
+                        <a:t>병합 정렬과 삽입 정렬에서 파생된 하이브리드 정렬 알고리즘</a:t>
+                      </a:r>
+                      <a:endParaRPr lang="en-US" altLang="ko-KR" sz="1200" b="1" kern="1200" dirty="0">
+                        <a:solidFill>
+                          <a:schemeClr val="tx1"/>
+                        </a:solidFill>
+                        <a:latin typeface="+mn-lt"/>
+                        <a:ea typeface="+mn-ea"/>
+                        <a:cs typeface="+mn-cs"/>
+                      </a:endParaRPr>
+                    </a:p>
+                    <a:p>
+                      <a:pPr marL="0" marR="0" lvl="0" indent="0" algn="l" defTabSz="914400" rtl="0" eaLnBrk="1" fontAlgn="base" latinLnBrk="1" hangingPunct="1">
+                        <a:lnSpc>
+                          <a:spcPct val="100000"/>
+                        </a:lnSpc>
+                        <a:spcBef>
+                          <a:spcPct val="0"/>
+                        </a:spcBef>
+                        <a:spcAft>
+                          <a:spcPct val="0"/>
+                        </a:spcAft>
+                        <a:buClrTx/>
+                        <a:buSzTx/>
+                        <a:buFontTx/>
+                        <a:buNone/>
+                        <a:tabLst/>
+                      </a:pPr>
+                      <a:r>
+                        <a:rPr lang="en-US" altLang="ko-KR" sz="1200" b="1" kern="1200" dirty="0">
+                          <a:solidFill>
+                            <a:schemeClr val="tx1"/>
+                          </a:solidFill>
+                          <a:latin typeface="+mn-lt"/>
+                          <a:ea typeface="+mn-ea"/>
+                          <a:cs typeface="+mn-cs"/>
+                        </a:rPr>
+                        <a:t>- python</a:t>
+                      </a:r>
+                      <a:r>
+                        <a:rPr lang="ko-KR" altLang="en-US" sz="1200" b="1" kern="1200" dirty="0">
+                          <a:solidFill>
+                            <a:schemeClr val="tx1"/>
+                          </a:solidFill>
+                          <a:latin typeface="+mn-lt"/>
+                          <a:ea typeface="+mn-ea"/>
+                          <a:cs typeface="+mn-cs"/>
+                        </a:rPr>
+                        <a:t>에서 사용되는 </a:t>
+                      </a:r>
+                      <a:r>
+                        <a:rPr lang="en-US" altLang="ko-KR" sz="1200" b="1" kern="1200" dirty="0">
+                          <a:solidFill>
+                            <a:schemeClr val="tx1"/>
+                          </a:solidFill>
+                          <a:latin typeface="+mn-lt"/>
+                          <a:ea typeface="+mn-ea"/>
+                          <a:cs typeface="+mn-cs"/>
+                        </a:rPr>
+                        <a:t>sorted(), </a:t>
+                      </a:r>
+                      <a:r>
+                        <a:rPr lang="en-US" altLang="ko-KR" sz="1200" b="1" kern="1200" dirty="0" err="1">
+                          <a:solidFill>
+                            <a:schemeClr val="tx1"/>
+                          </a:solidFill>
+                          <a:latin typeface="+mn-lt"/>
+                          <a:ea typeface="+mn-ea"/>
+                          <a:cs typeface="+mn-cs"/>
+                        </a:rPr>
+                        <a:t>list.sort</a:t>
+                      </a:r>
+                      <a:r>
+                        <a:rPr lang="en-US" altLang="ko-KR" sz="1200" b="1" kern="1200" dirty="0">
+                          <a:solidFill>
+                            <a:schemeClr val="tx1"/>
+                          </a:solidFill>
+                          <a:latin typeface="+mn-lt"/>
+                          <a:ea typeface="+mn-ea"/>
+                          <a:cs typeface="+mn-cs"/>
+                        </a:rPr>
+                        <a:t>()</a:t>
+                      </a:r>
+                      <a:r>
+                        <a:rPr lang="ko-KR" altLang="en-US" sz="1200" b="1" kern="1200" dirty="0">
+                          <a:solidFill>
+                            <a:schemeClr val="tx1"/>
+                          </a:solidFill>
+                          <a:latin typeface="+mn-lt"/>
+                          <a:ea typeface="+mn-ea"/>
+                          <a:cs typeface="+mn-cs"/>
+                        </a:rPr>
+                        <a:t>에서 사용</a:t>
+                      </a:r>
+                      <a:endParaRPr lang="en-US" altLang="ko-KR" sz="1200" b="1" kern="1200" dirty="0">
+                        <a:solidFill>
+                          <a:schemeClr val="tx1"/>
+                        </a:solidFill>
+                        <a:latin typeface="+mn-lt"/>
+                        <a:ea typeface="+mn-ea"/>
+                        <a:cs typeface="+mn-cs"/>
+                      </a:endParaRPr>
+                    </a:p>
+                    <a:p>
+                      <a:pPr marL="0" marR="0" lvl="0" indent="0" algn="l" defTabSz="914400" rtl="0" eaLnBrk="1" fontAlgn="base" latinLnBrk="1" hangingPunct="1">
+                        <a:lnSpc>
+                          <a:spcPct val="100000"/>
+                        </a:lnSpc>
+                        <a:spcBef>
+                          <a:spcPct val="0"/>
+                        </a:spcBef>
+                        <a:spcAft>
+                          <a:spcPct val="0"/>
+                        </a:spcAft>
+                        <a:buClrTx/>
+                        <a:buSzTx/>
+                        <a:buFontTx/>
+                        <a:buNone/>
+                        <a:tabLst/>
+                      </a:pPr>
+                      <a:r>
+                        <a:rPr lang="en-US" altLang="ko-KR" sz="1200" b="1" kern="1200" dirty="0">
+                          <a:solidFill>
+                            <a:schemeClr val="tx1"/>
+                          </a:solidFill>
+                          <a:latin typeface="+mn-lt"/>
+                          <a:ea typeface="+mn-ea"/>
+                          <a:cs typeface="+mn-cs"/>
+                        </a:rPr>
+                        <a:t>- </a:t>
+                      </a:r>
+                      <a:r>
+                        <a:rPr lang="ko-KR" altLang="en-US" sz="1200" b="1" kern="1200">
+                          <a:solidFill>
+                            <a:schemeClr val="tx1"/>
+                          </a:solidFill>
+                          <a:latin typeface="+mn-lt"/>
+                          <a:ea typeface="+mn-ea"/>
+                          <a:cs typeface="+mn-cs"/>
+                        </a:rPr>
+                        <a:t>기존 순서를 활용하여 비교 및 교환 횟수를 최소화</a:t>
+                      </a:r>
+                      <a:endParaRPr lang="en-US" altLang="ko-KR" sz="1200" b="1" kern="1200" dirty="0">
+                        <a:solidFill>
+                          <a:schemeClr val="tx1"/>
+                        </a:solidFill>
+                        <a:latin typeface="+mn-lt"/>
+                        <a:ea typeface="+mn-ea"/>
+                        <a:cs typeface="+mn-cs"/>
+                      </a:endParaRPr>
+                    </a:p>
+                  </a:txBody>
+                  <a:tcPr>
+                    <a:lnL w="28575" cap="flat" cmpd="sng" algn="ctr">
+                      <a:solidFill>
+                        <a:schemeClr val="tx1"/>
+                      </a:solidFill>
+                      <a:prstDash val="solid"/>
+                      <a:round/>
+                      <a:headEnd type="none" w="med" len="med"/>
+                      <a:tailEnd type="none" w="med" len="med"/>
+                    </a:lnL>
+                    <a:lnR w="28575" cap="flat" cmpd="sng" algn="ctr">
+                      <a:solidFill>
+                        <a:schemeClr val="tx1"/>
+                      </a:solidFill>
+                      <a:prstDash val="solid"/>
+                      <a:round/>
+                      <a:headEnd type="none" w="med" len="med"/>
+                      <a:tailEnd type="none" w="med" len="med"/>
+                    </a:lnR>
+                    <a:lnT w="28575" cap="flat" cmpd="sng" algn="ctr">
+                      <a:solidFill>
+                        <a:schemeClr val="tx1"/>
+                      </a:solidFill>
+                      <a:prstDash val="solid"/>
+                      <a:round/>
+                      <a:headEnd type="none" w="med" len="med"/>
+                      <a:tailEnd type="none" w="med" len="med"/>
+                    </a:lnT>
+                    <a:lnB w="28575" cap="flat" cmpd="sng" algn="ctr">
+                      <a:solidFill>
+                        <a:schemeClr val="tx1"/>
+                      </a:solidFill>
+                      <a:prstDash val="solid"/>
+                      <a:round/>
+                      <a:headEnd type="none" w="med" len="med"/>
+                      <a:tailEnd type="none" w="med" len="med"/>
+                    </a:lnB>
+                    <a:lnTlToBr w="12700" cmpd="sng">
+                      <a:noFill/>
+                      <a:prstDash val="solid"/>
+                    </a:lnTlToBr>
+                    <a:lnBlToTr w="12700" cmpd="sng">
+                      <a:noFill/>
+                      <a:prstDash val="solid"/>
+                    </a:lnBlToTr>
+                    <a:noFill/>
+                  </a:tcPr>
+                </a:tc>
+                <a:extLst>
+                  <a:ext uri="{0D108BD9-81ED-4DB2-BD59-A6C34878D82A}">
+                    <a16:rowId xmlns:a16="http://schemas.microsoft.com/office/drawing/2014/main" val="4126198778"/>
+                  </a:ext>
+                </a:extLst>
+              </a:tr>
+            </a:tbl>
+          </a:graphicData>
+        </a:graphic>
+      </p:graphicFrame>
+      <p:graphicFrame>
+        <p:nvGraphicFramePr>
+          <p:cNvPr id="15" name="표 14">
+            <a:extLst>
+              <a:ext uri="{FF2B5EF4-FFF2-40B4-BE49-F238E27FC236}">
+                <a16:creationId xmlns:a16="http://schemas.microsoft.com/office/drawing/2014/main" id="{E0CF06A7-BA9A-A1BC-656B-5BB52BCCF818}"/>
+              </a:ext>
+            </a:extLst>
+          </p:cNvPr>
+          <p:cNvGraphicFramePr>
+            <a:graphicFrameLocks noGrp="1"/>
+          </p:cNvGraphicFramePr>
+          <p:nvPr/>
+        </p:nvGraphicFramePr>
+        <p:xfrm>
+          <a:off x="8084457" y="884448"/>
+          <a:ext cx="3713114" cy="4114800"/>
+        </p:xfrm>
+        <a:graphic>
+          <a:graphicData uri="http://schemas.openxmlformats.org/drawingml/2006/table">
+            <a:tbl>
+              <a:tblPr firstRow="1" bandRow="1">
+                <a:tableStyleId>{5C22544A-7EE6-4342-B048-85BDC9FD1C3A}</a:tableStyleId>
+              </a:tblPr>
+              <a:tblGrid>
+                <a:gridCol w="3713114">
+                  <a:extLst>
+                    <a:ext uri="{9D8B030D-6E8A-4147-A177-3AD203B41FA5}">
+                      <a16:colId xmlns:a16="http://schemas.microsoft.com/office/drawing/2014/main" val="1427386122"/>
+                    </a:ext>
+                  </a:extLst>
+                </a:gridCol>
+              </a:tblGrid>
+              <a:tr h="2557171">
+                <a:tc>
+                  <a:txBody>
+                    <a:bodyPr/>
+                    <a:lstStyle/>
+                    <a:p>
+                      <a:pPr marL="0" marR="0" lvl="0" indent="0" algn="l" defTabSz="914400" rtl="0" eaLnBrk="1" fontAlgn="base" latinLnBrk="1" hangingPunct="1">
+                        <a:lnSpc>
+                          <a:spcPct val="100000"/>
+                        </a:lnSpc>
+                        <a:spcBef>
+                          <a:spcPct val="0"/>
+                        </a:spcBef>
+                        <a:spcAft>
+                          <a:spcPct val="0"/>
+                        </a:spcAft>
+                        <a:buClrTx/>
+                        <a:buSzTx/>
+                        <a:buFontTx/>
+                        <a:buNone/>
+                        <a:tabLst/>
+                      </a:pPr>
+                      <a:r>
+                        <a:rPr lang="en-US" altLang="ko-KR" sz="1200" b="1" kern="1200" dirty="0">
+                          <a:solidFill>
+                            <a:schemeClr val="tx1"/>
+                          </a:solidFill>
+                          <a:latin typeface="+mn-lt"/>
+                          <a:ea typeface="+mn-ea"/>
+                          <a:cs typeface="+mn-cs"/>
+                        </a:rPr>
+                        <a:t>int </a:t>
+                      </a:r>
+                      <a:r>
+                        <a:rPr lang="en-US" altLang="ko-KR" sz="1200" b="1" kern="1200" dirty="0" err="1">
+                          <a:solidFill>
+                            <a:schemeClr val="tx1"/>
+                          </a:solidFill>
+                          <a:latin typeface="+mn-lt"/>
+                          <a:ea typeface="+mn-ea"/>
+                          <a:cs typeface="+mn-cs"/>
+                        </a:rPr>
+                        <a:t>CalculateGap</a:t>
+                      </a:r>
+                      <a:r>
+                        <a:rPr lang="en-US" altLang="ko-KR" sz="1200" b="1" kern="1200" dirty="0">
+                          <a:solidFill>
+                            <a:schemeClr val="tx1"/>
+                          </a:solidFill>
+                          <a:latin typeface="+mn-lt"/>
+                          <a:ea typeface="+mn-ea"/>
+                          <a:cs typeface="+mn-cs"/>
+                        </a:rPr>
+                        <a:t>(int size){</a:t>
+                      </a:r>
+                    </a:p>
+                    <a:p>
+                      <a:pPr marL="0" marR="0" lvl="0" indent="0" algn="l" defTabSz="914400" rtl="0" eaLnBrk="1" fontAlgn="base" latinLnBrk="1" hangingPunct="1">
+                        <a:lnSpc>
+                          <a:spcPct val="100000"/>
+                        </a:lnSpc>
+                        <a:spcBef>
+                          <a:spcPct val="0"/>
+                        </a:spcBef>
+                        <a:spcAft>
+                          <a:spcPct val="0"/>
+                        </a:spcAft>
+                        <a:buClrTx/>
+                        <a:buSzTx/>
+                        <a:buFontTx/>
+                        <a:buNone/>
+                        <a:tabLst/>
+                      </a:pPr>
+                      <a:r>
+                        <a:rPr lang="en-US" altLang="ko-KR" sz="1200" b="1" kern="1200" dirty="0">
+                          <a:solidFill>
+                            <a:schemeClr val="tx1"/>
+                          </a:solidFill>
+                          <a:latin typeface="+mn-lt"/>
+                          <a:ea typeface="+mn-ea"/>
+                          <a:cs typeface="+mn-cs"/>
+                        </a:rPr>
+                        <a:t>    int h = 1;</a:t>
+                      </a:r>
+                    </a:p>
+                    <a:p>
+                      <a:pPr marL="0" marR="0" lvl="0" indent="0" algn="l" defTabSz="914400" rtl="0" eaLnBrk="1" fontAlgn="base" latinLnBrk="1" hangingPunct="1">
+                        <a:lnSpc>
+                          <a:spcPct val="100000"/>
+                        </a:lnSpc>
+                        <a:spcBef>
+                          <a:spcPct val="0"/>
+                        </a:spcBef>
+                        <a:spcAft>
+                          <a:spcPct val="0"/>
+                        </a:spcAft>
+                        <a:buClrTx/>
+                        <a:buSzTx/>
+                        <a:buFontTx/>
+                        <a:buNone/>
+                        <a:tabLst/>
+                      </a:pPr>
+                      <a:r>
+                        <a:rPr lang="en-US" altLang="ko-KR" sz="1200" b="1" kern="1200" dirty="0">
+                          <a:solidFill>
+                            <a:schemeClr val="tx1"/>
+                          </a:solidFill>
+                          <a:latin typeface="+mn-lt"/>
+                          <a:ea typeface="+mn-ea"/>
+                          <a:cs typeface="+mn-cs"/>
+                        </a:rPr>
+                        <a:t>    while(h&lt;size/3)</a:t>
+                      </a:r>
+                    </a:p>
+                    <a:p>
+                      <a:pPr marL="0" marR="0" lvl="0" indent="0" algn="l" defTabSz="914400" rtl="0" eaLnBrk="1" fontAlgn="base" latinLnBrk="1" hangingPunct="1">
+                        <a:lnSpc>
+                          <a:spcPct val="100000"/>
+                        </a:lnSpc>
+                        <a:spcBef>
+                          <a:spcPct val="0"/>
+                        </a:spcBef>
+                        <a:spcAft>
+                          <a:spcPct val="0"/>
+                        </a:spcAft>
+                        <a:buClrTx/>
+                        <a:buSzTx/>
+                        <a:buFontTx/>
+                        <a:buNone/>
+                        <a:tabLst/>
+                      </a:pPr>
+                      <a:r>
+                        <a:rPr lang="en-US" altLang="ko-KR" sz="1200" b="1" kern="1200" dirty="0">
+                          <a:solidFill>
+                            <a:schemeClr val="tx1"/>
+                          </a:solidFill>
+                          <a:latin typeface="+mn-lt"/>
+                          <a:ea typeface="+mn-ea"/>
+                          <a:cs typeface="+mn-cs"/>
+                        </a:rPr>
+                        <a:t>        h = 3*h +1;</a:t>
+                      </a:r>
+                    </a:p>
+                    <a:p>
+                      <a:pPr marL="0" marR="0" lvl="0" indent="0" algn="l" defTabSz="914400" rtl="0" eaLnBrk="1" fontAlgn="base" latinLnBrk="1" hangingPunct="1">
+                        <a:lnSpc>
+                          <a:spcPct val="100000"/>
+                        </a:lnSpc>
+                        <a:spcBef>
+                          <a:spcPct val="0"/>
+                        </a:spcBef>
+                        <a:spcAft>
+                          <a:spcPct val="0"/>
+                        </a:spcAft>
+                        <a:buClrTx/>
+                        <a:buSzTx/>
+                        <a:buFontTx/>
+                        <a:buNone/>
+                        <a:tabLst/>
+                      </a:pPr>
+                      <a:r>
+                        <a:rPr lang="en-US" altLang="ko-KR" sz="1200" b="1" kern="1200" dirty="0">
+                          <a:solidFill>
+                            <a:schemeClr val="tx1"/>
+                          </a:solidFill>
+                          <a:latin typeface="+mn-lt"/>
+                          <a:ea typeface="+mn-ea"/>
+                          <a:cs typeface="+mn-cs"/>
+                        </a:rPr>
+                        <a:t>    return h;</a:t>
+                      </a:r>
+                    </a:p>
+                    <a:p>
+                      <a:pPr marL="0" marR="0" lvl="0" indent="0" algn="l" defTabSz="914400" rtl="0" eaLnBrk="1" fontAlgn="base" latinLnBrk="1" hangingPunct="1">
+                        <a:lnSpc>
+                          <a:spcPct val="100000"/>
+                        </a:lnSpc>
+                        <a:spcBef>
+                          <a:spcPct val="0"/>
+                        </a:spcBef>
+                        <a:spcAft>
+                          <a:spcPct val="0"/>
+                        </a:spcAft>
+                        <a:buClrTx/>
+                        <a:buSzTx/>
+                        <a:buFontTx/>
+                        <a:buNone/>
+                        <a:tabLst/>
+                      </a:pPr>
+                      <a:r>
+                        <a:rPr lang="en-US" altLang="ko-KR" sz="1200" b="1" kern="1200" dirty="0">
+                          <a:solidFill>
+                            <a:schemeClr val="tx1"/>
+                          </a:solidFill>
+                          <a:latin typeface="+mn-lt"/>
+                          <a:ea typeface="+mn-ea"/>
+                          <a:cs typeface="+mn-cs"/>
+                        </a:rPr>
+                        <a:t>}</a:t>
+                      </a:r>
+                    </a:p>
+                    <a:p>
+                      <a:pPr marL="0" marR="0" lvl="0" indent="0" algn="l" defTabSz="914400" rtl="0" eaLnBrk="1" fontAlgn="base" latinLnBrk="1" hangingPunct="1">
+                        <a:lnSpc>
+                          <a:spcPct val="100000"/>
+                        </a:lnSpc>
+                        <a:spcBef>
+                          <a:spcPct val="0"/>
+                        </a:spcBef>
+                        <a:spcAft>
+                          <a:spcPct val="0"/>
+                        </a:spcAft>
+                        <a:buClrTx/>
+                        <a:buSzTx/>
+                        <a:buFontTx/>
+                        <a:buNone/>
+                        <a:tabLst/>
+                      </a:pPr>
+                      <a:r>
+                        <a:rPr lang="en-US" altLang="ko-KR" sz="1200" b="1" kern="1200" dirty="0">
+                          <a:solidFill>
+                            <a:schemeClr val="tx1"/>
+                          </a:solidFill>
+                          <a:latin typeface="+mn-lt"/>
+                          <a:ea typeface="+mn-ea"/>
+                          <a:cs typeface="+mn-cs"/>
+                        </a:rPr>
+                        <a:t>void </a:t>
+                      </a:r>
+                      <a:r>
+                        <a:rPr lang="en-US" altLang="ko-KR" sz="1200" b="1" kern="1200" dirty="0" err="1">
+                          <a:solidFill>
+                            <a:schemeClr val="tx1"/>
+                          </a:solidFill>
+                          <a:latin typeface="+mn-lt"/>
+                          <a:ea typeface="+mn-ea"/>
+                          <a:cs typeface="+mn-cs"/>
+                        </a:rPr>
+                        <a:t>ShellSort</a:t>
+                      </a:r>
+                      <a:r>
+                        <a:rPr lang="en-US" altLang="ko-KR" sz="1200" b="1" kern="1200" dirty="0">
+                          <a:solidFill>
+                            <a:schemeClr val="tx1"/>
+                          </a:solidFill>
+                          <a:latin typeface="+mn-lt"/>
+                          <a:ea typeface="+mn-ea"/>
+                          <a:cs typeface="+mn-cs"/>
+                        </a:rPr>
+                        <a:t>(int* </a:t>
+                      </a:r>
+                      <a:r>
+                        <a:rPr lang="en-US" altLang="ko-KR" sz="1200" b="1" kern="1200" dirty="0" err="1">
+                          <a:solidFill>
+                            <a:schemeClr val="tx1"/>
+                          </a:solidFill>
+                          <a:latin typeface="+mn-lt"/>
+                          <a:ea typeface="+mn-ea"/>
+                          <a:cs typeface="+mn-cs"/>
+                        </a:rPr>
+                        <a:t>arr</a:t>
+                      </a:r>
+                      <a:r>
+                        <a:rPr lang="en-US" altLang="ko-KR" sz="1200" b="1" kern="1200" dirty="0">
+                          <a:solidFill>
+                            <a:schemeClr val="tx1"/>
+                          </a:solidFill>
+                          <a:latin typeface="+mn-lt"/>
+                          <a:ea typeface="+mn-ea"/>
+                          <a:cs typeface="+mn-cs"/>
+                        </a:rPr>
+                        <a:t>, int size){</a:t>
+                      </a:r>
+                    </a:p>
+                    <a:p>
+                      <a:pPr marL="0" marR="0" lvl="0" indent="0" algn="l" defTabSz="914400" rtl="0" eaLnBrk="1" fontAlgn="base" latinLnBrk="1" hangingPunct="1">
+                        <a:lnSpc>
+                          <a:spcPct val="100000"/>
+                        </a:lnSpc>
+                        <a:spcBef>
+                          <a:spcPct val="0"/>
+                        </a:spcBef>
+                        <a:spcAft>
+                          <a:spcPct val="0"/>
+                        </a:spcAft>
+                        <a:buClrTx/>
+                        <a:buSzTx/>
+                        <a:buFontTx/>
+                        <a:buNone/>
+                        <a:tabLst/>
+                      </a:pPr>
+                      <a:r>
+                        <a:rPr lang="en-US" altLang="ko-KR" sz="1200" b="1" kern="1200" dirty="0">
+                          <a:solidFill>
+                            <a:schemeClr val="tx1"/>
+                          </a:solidFill>
+                          <a:latin typeface="+mn-lt"/>
+                          <a:ea typeface="+mn-ea"/>
+                          <a:cs typeface="+mn-cs"/>
+                        </a:rPr>
+                        <a:t>    int gap, </a:t>
+                      </a:r>
+                      <a:r>
+                        <a:rPr lang="en-US" altLang="ko-KR" sz="1200" b="1" kern="1200" dirty="0" err="1">
+                          <a:solidFill>
+                            <a:schemeClr val="tx1"/>
+                          </a:solidFill>
+                          <a:latin typeface="+mn-lt"/>
+                          <a:ea typeface="+mn-ea"/>
+                          <a:cs typeface="+mn-cs"/>
+                        </a:rPr>
+                        <a:t>i</a:t>
+                      </a:r>
+                      <a:r>
+                        <a:rPr lang="en-US" altLang="ko-KR" sz="1200" b="1" kern="1200" dirty="0">
+                          <a:solidFill>
+                            <a:schemeClr val="tx1"/>
+                          </a:solidFill>
+                          <a:latin typeface="+mn-lt"/>
+                          <a:ea typeface="+mn-ea"/>
+                          <a:cs typeface="+mn-cs"/>
+                        </a:rPr>
+                        <a:t>, key, j;</a:t>
+                      </a:r>
+                    </a:p>
+                    <a:p>
+                      <a:pPr marL="0" marR="0" lvl="0" indent="0" algn="l" defTabSz="914400" rtl="0" eaLnBrk="1" fontAlgn="base" latinLnBrk="1" hangingPunct="1">
+                        <a:lnSpc>
+                          <a:spcPct val="100000"/>
+                        </a:lnSpc>
+                        <a:spcBef>
+                          <a:spcPct val="0"/>
+                        </a:spcBef>
+                        <a:spcAft>
+                          <a:spcPct val="0"/>
+                        </a:spcAft>
+                        <a:buClrTx/>
+                        <a:buSzTx/>
+                        <a:buFontTx/>
+                        <a:buNone/>
+                        <a:tabLst/>
+                      </a:pPr>
+                      <a:r>
+                        <a:rPr lang="en-US" altLang="ko-KR" sz="1200" b="1" kern="1200" dirty="0">
+                          <a:solidFill>
+                            <a:schemeClr val="tx1"/>
+                          </a:solidFill>
+                          <a:latin typeface="+mn-lt"/>
+                          <a:ea typeface="+mn-ea"/>
+                          <a:cs typeface="+mn-cs"/>
+                        </a:rPr>
+                        <a:t>    //If not use </a:t>
+                      </a:r>
+                      <a:r>
+                        <a:rPr lang="en-US" altLang="ko-KR" sz="1200" b="1" kern="1200" dirty="0" err="1">
+                          <a:solidFill>
+                            <a:schemeClr val="tx1"/>
+                          </a:solidFill>
+                          <a:latin typeface="+mn-lt"/>
+                          <a:ea typeface="+mn-ea"/>
+                          <a:cs typeface="+mn-cs"/>
+                        </a:rPr>
+                        <a:t>CalculateGap</a:t>
+                      </a:r>
+                      <a:r>
+                        <a:rPr lang="en-US" altLang="ko-KR" sz="1200" b="1" kern="1200" dirty="0">
+                          <a:solidFill>
+                            <a:schemeClr val="tx1"/>
+                          </a:solidFill>
+                          <a:latin typeface="+mn-lt"/>
+                          <a:ea typeface="+mn-ea"/>
+                          <a:cs typeface="+mn-cs"/>
+                        </a:rPr>
+                        <a:t>(), use "gap = size/2; gap &gt; 0; gap/=2" in for()</a:t>
+                      </a:r>
+                    </a:p>
+                    <a:p>
+                      <a:pPr marL="0" marR="0" lvl="0" indent="0" algn="l" defTabSz="914400" rtl="0" eaLnBrk="1" fontAlgn="base" latinLnBrk="1" hangingPunct="1">
+                        <a:lnSpc>
+                          <a:spcPct val="100000"/>
+                        </a:lnSpc>
+                        <a:spcBef>
+                          <a:spcPct val="0"/>
+                        </a:spcBef>
+                        <a:spcAft>
+                          <a:spcPct val="0"/>
+                        </a:spcAft>
+                        <a:buClrTx/>
+                        <a:buSzTx/>
+                        <a:buFontTx/>
+                        <a:buNone/>
+                        <a:tabLst/>
+                      </a:pPr>
+                      <a:r>
+                        <a:rPr lang="en-US" altLang="ko-KR" sz="1200" b="1" kern="1200" dirty="0">
+                          <a:solidFill>
+                            <a:schemeClr val="tx1"/>
+                          </a:solidFill>
+                          <a:latin typeface="+mn-lt"/>
+                          <a:ea typeface="+mn-ea"/>
+                          <a:cs typeface="+mn-cs"/>
+                        </a:rPr>
+                        <a:t>    //If use </a:t>
+                      </a:r>
+                      <a:r>
+                        <a:rPr lang="en-US" altLang="ko-KR" sz="1200" b="1" kern="1200" dirty="0" err="1">
+                          <a:solidFill>
+                            <a:schemeClr val="tx1"/>
+                          </a:solidFill>
+                          <a:latin typeface="+mn-lt"/>
+                          <a:ea typeface="+mn-ea"/>
+                          <a:cs typeface="+mn-cs"/>
+                        </a:rPr>
+                        <a:t>CalculateGap</a:t>
+                      </a:r>
+                      <a:r>
+                        <a:rPr lang="en-US" altLang="ko-KR" sz="1200" b="1" kern="1200" dirty="0">
+                          <a:solidFill>
+                            <a:schemeClr val="tx1"/>
+                          </a:solidFill>
+                          <a:latin typeface="+mn-lt"/>
+                          <a:ea typeface="+mn-ea"/>
+                          <a:cs typeface="+mn-cs"/>
+                        </a:rPr>
+                        <a:t>(), use "gap = </a:t>
+                      </a:r>
+                      <a:r>
+                        <a:rPr lang="en-US" altLang="ko-KR" sz="1200" b="1" kern="1200" dirty="0" err="1">
+                          <a:solidFill>
+                            <a:schemeClr val="tx1"/>
+                          </a:solidFill>
+                          <a:latin typeface="+mn-lt"/>
+                          <a:ea typeface="+mn-ea"/>
+                          <a:cs typeface="+mn-cs"/>
+                        </a:rPr>
+                        <a:t>CalculateGap</a:t>
+                      </a:r>
+                      <a:r>
+                        <a:rPr lang="en-US" altLang="ko-KR" sz="1200" b="1" kern="1200" dirty="0">
+                          <a:solidFill>
+                            <a:schemeClr val="tx1"/>
+                          </a:solidFill>
+                          <a:latin typeface="+mn-lt"/>
+                          <a:ea typeface="+mn-ea"/>
+                          <a:cs typeface="+mn-cs"/>
+                        </a:rPr>
+                        <a:t>(size); gap &gt; 0; gap /= 3" in for()</a:t>
+                      </a:r>
+                    </a:p>
+                    <a:p>
+                      <a:pPr marL="0" marR="0" lvl="0" indent="0" algn="l" defTabSz="914400" rtl="0" eaLnBrk="1" fontAlgn="base" latinLnBrk="1" hangingPunct="1">
+                        <a:lnSpc>
+                          <a:spcPct val="100000"/>
+                        </a:lnSpc>
+                        <a:spcBef>
+                          <a:spcPct val="0"/>
+                        </a:spcBef>
+                        <a:spcAft>
+                          <a:spcPct val="0"/>
+                        </a:spcAft>
+                        <a:buClrTx/>
+                        <a:buSzTx/>
+                        <a:buFontTx/>
+                        <a:buNone/>
+                        <a:tabLst/>
+                      </a:pPr>
+                      <a:r>
+                        <a:rPr lang="en-US" altLang="ko-KR" sz="1200" b="1" kern="1200" dirty="0">
+                          <a:solidFill>
+                            <a:schemeClr val="tx1"/>
+                          </a:solidFill>
+                          <a:latin typeface="+mn-lt"/>
+                          <a:ea typeface="+mn-ea"/>
+                          <a:cs typeface="+mn-cs"/>
+                        </a:rPr>
+                        <a:t>    for(gap = size/2; gap &gt; 0; gap/=2){</a:t>
+                      </a:r>
+                    </a:p>
+                    <a:p>
+                      <a:pPr marL="0" marR="0" lvl="0" indent="0" algn="l" defTabSz="914400" rtl="0" eaLnBrk="1" fontAlgn="base" latinLnBrk="1" hangingPunct="1">
+                        <a:lnSpc>
+                          <a:spcPct val="100000"/>
+                        </a:lnSpc>
+                        <a:spcBef>
+                          <a:spcPct val="0"/>
+                        </a:spcBef>
+                        <a:spcAft>
+                          <a:spcPct val="0"/>
+                        </a:spcAft>
+                        <a:buClrTx/>
+                        <a:buSzTx/>
+                        <a:buFontTx/>
+                        <a:buNone/>
+                        <a:tabLst/>
+                      </a:pPr>
+                      <a:r>
+                        <a:rPr lang="en-US" altLang="ko-KR" sz="1200" b="1" kern="1200" dirty="0">
+                          <a:solidFill>
+                            <a:schemeClr val="tx1"/>
+                          </a:solidFill>
+                          <a:latin typeface="+mn-lt"/>
+                          <a:ea typeface="+mn-ea"/>
+                          <a:cs typeface="+mn-cs"/>
+                        </a:rPr>
+                        <a:t>        for(</a:t>
+                      </a:r>
+                      <a:r>
+                        <a:rPr lang="en-US" altLang="ko-KR" sz="1200" b="1" kern="1200" dirty="0" err="1">
+                          <a:solidFill>
+                            <a:schemeClr val="tx1"/>
+                          </a:solidFill>
+                          <a:latin typeface="+mn-lt"/>
+                          <a:ea typeface="+mn-ea"/>
+                          <a:cs typeface="+mn-cs"/>
+                        </a:rPr>
+                        <a:t>i</a:t>
+                      </a:r>
+                      <a:r>
+                        <a:rPr lang="en-US" altLang="ko-KR" sz="1200" b="1" kern="1200" dirty="0">
+                          <a:solidFill>
+                            <a:schemeClr val="tx1"/>
+                          </a:solidFill>
+                          <a:latin typeface="+mn-lt"/>
+                          <a:ea typeface="+mn-ea"/>
+                          <a:cs typeface="+mn-cs"/>
+                        </a:rPr>
+                        <a:t>=gap; </a:t>
+                      </a:r>
+                      <a:r>
+                        <a:rPr lang="en-US" altLang="ko-KR" sz="1200" b="1" kern="1200" dirty="0" err="1">
+                          <a:solidFill>
+                            <a:schemeClr val="tx1"/>
+                          </a:solidFill>
+                          <a:latin typeface="+mn-lt"/>
+                          <a:ea typeface="+mn-ea"/>
+                          <a:cs typeface="+mn-cs"/>
+                        </a:rPr>
+                        <a:t>i</a:t>
+                      </a:r>
+                      <a:r>
+                        <a:rPr lang="en-US" altLang="ko-KR" sz="1200" b="1" kern="1200" dirty="0">
+                          <a:solidFill>
+                            <a:schemeClr val="tx1"/>
+                          </a:solidFill>
+                          <a:latin typeface="+mn-lt"/>
+                          <a:ea typeface="+mn-ea"/>
+                          <a:cs typeface="+mn-cs"/>
+                        </a:rPr>
+                        <a:t>&lt;size; </a:t>
+                      </a:r>
+                      <a:r>
+                        <a:rPr lang="en-US" altLang="ko-KR" sz="1200" b="1" kern="1200" dirty="0" err="1">
+                          <a:solidFill>
+                            <a:schemeClr val="tx1"/>
+                          </a:solidFill>
+                          <a:latin typeface="+mn-lt"/>
+                          <a:ea typeface="+mn-ea"/>
+                          <a:cs typeface="+mn-cs"/>
+                        </a:rPr>
+                        <a:t>i</a:t>
+                      </a:r>
+                      <a:r>
+                        <a:rPr lang="en-US" altLang="ko-KR" sz="1200" b="1" kern="1200" dirty="0">
+                          <a:solidFill>
+                            <a:schemeClr val="tx1"/>
+                          </a:solidFill>
+                          <a:latin typeface="+mn-lt"/>
+                          <a:ea typeface="+mn-ea"/>
+                          <a:cs typeface="+mn-cs"/>
+                        </a:rPr>
+                        <a:t>++){</a:t>
+                      </a:r>
+                    </a:p>
+                    <a:p>
+                      <a:pPr marL="0" marR="0" lvl="0" indent="0" algn="l" defTabSz="914400" rtl="0" eaLnBrk="1" fontAlgn="base" latinLnBrk="1" hangingPunct="1">
+                        <a:lnSpc>
+                          <a:spcPct val="100000"/>
+                        </a:lnSpc>
+                        <a:spcBef>
+                          <a:spcPct val="0"/>
+                        </a:spcBef>
+                        <a:spcAft>
+                          <a:spcPct val="0"/>
+                        </a:spcAft>
+                        <a:buClrTx/>
+                        <a:buSzTx/>
+                        <a:buFontTx/>
+                        <a:buNone/>
+                        <a:tabLst/>
+                      </a:pPr>
+                      <a:r>
+                        <a:rPr lang="en-US" altLang="ko-KR" sz="1200" b="1" kern="1200" dirty="0">
+                          <a:solidFill>
+                            <a:schemeClr val="tx1"/>
+                          </a:solidFill>
+                          <a:latin typeface="+mn-lt"/>
+                          <a:ea typeface="+mn-ea"/>
+                          <a:cs typeface="+mn-cs"/>
+                        </a:rPr>
+                        <a:t>            key = </a:t>
+                      </a:r>
+                      <a:r>
+                        <a:rPr lang="en-US" altLang="ko-KR" sz="1200" b="1" kern="1200" dirty="0" err="1">
+                          <a:solidFill>
+                            <a:schemeClr val="tx1"/>
+                          </a:solidFill>
+                          <a:latin typeface="+mn-lt"/>
+                          <a:ea typeface="+mn-ea"/>
+                          <a:cs typeface="+mn-cs"/>
+                        </a:rPr>
+                        <a:t>arr</a:t>
+                      </a:r>
+                      <a:r>
+                        <a:rPr lang="en-US" altLang="ko-KR" sz="1200" b="1" kern="1200" dirty="0">
+                          <a:solidFill>
+                            <a:schemeClr val="tx1"/>
+                          </a:solidFill>
+                          <a:latin typeface="+mn-lt"/>
+                          <a:ea typeface="+mn-ea"/>
+                          <a:cs typeface="+mn-cs"/>
+                        </a:rPr>
+                        <a:t>[</a:t>
+                      </a:r>
+                      <a:r>
+                        <a:rPr lang="en-US" altLang="ko-KR" sz="1200" b="1" kern="1200" dirty="0" err="1">
+                          <a:solidFill>
+                            <a:schemeClr val="tx1"/>
+                          </a:solidFill>
+                          <a:latin typeface="+mn-lt"/>
+                          <a:ea typeface="+mn-ea"/>
+                          <a:cs typeface="+mn-cs"/>
+                        </a:rPr>
+                        <a:t>i</a:t>
+                      </a:r>
+                      <a:r>
+                        <a:rPr lang="en-US" altLang="ko-KR" sz="1200" b="1" kern="1200" dirty="0">
+                          <a:solidFill>
+                            <a:schemeClr val="tx1"/>
+                          </a:solidFill>
+                          <a:latin typeface="+mn-lt"/>
+                          <a:ea typeface="+mn-ea"/>
+                          <a:cs typeface="+mn-cs"/>
+                        </a:rPr>
+                        <a:t>];</a:t>
+                      </a:r>
+                    </a:p>
+                    <a:p>
+                      <a:pPr marL="0" marR="0" lvl="0" indent="0" algn="l" defTabSz="914400" rtl="0" eaLnBrk="1" fontAlgn="base" latinLnBrk="1" hangingPunct="1">
+                        <a:lnSpc>
+                          <a:spcPct val="100000"/>
+                        </a:lnSpc>
+                        <a:spcBef>
+                          <a:spcPct val="0"/>
+                        </a:spcBef>
+                        <a:spcAft>
+                          <a:spcPct val="0"/>
+                        </a:spcAft>
+                        <a:buClrTx/>
+                        <a:buSzTx/>
+                        <a:buFontTx/>
+                        <a:buNone/>
+                        <a:tabLst/>
+                      </a:pPr>
+                      <a:r>
+                        <a:rPr lang="en-US" altLang="ko-KR" sz="1200" b="1" kern="1200" dirty="0">
+                          <a:solidFill>
+                            <a:schemeClr val="tx1"/>
+                          </a:solidFill>
+                          <a:latin typeface="+mn-lt"/>
+                          <a:ea typeface="+mn-ea"/>
+                          <a:cs typeface="+mn-cs"/>
+                        </a:rPr>
+                        <a:t>            for(j=</a:t>
+                      </a:r>
+                      <a:r>
+                        <a:rPr lang="en-US" altLang="ko-KR" sz="1200" b="1" kern="1200" dirty="0" err="1">
+                          <a:solidFill>
+                            <a:schemeClr val="tx1"/>
+                          </a:solidFill>
+                          <a:latin typeface="+mn-lt"/>
+                          <a:ea typeface="+mn-ea"/>
+                          <a:cs typeface="+mn-cs"/>
+                        </a:rPr>
+                        <a:t>i</a:t>
+                      </a:r>
+                      <a:r>
+                        <a:rPr lang="en-US" altLang="ko-KR" sz="1200" b="1" kern="1200" dirty="0">
+                          <a:solidFill>
+                            <a:schemeClr val="tx1"/>
+                          </a:solidFill>
+                          <a:latin typeface="+mn-lt"/>
+                          <a:ea typeface="+mn-ea"/>
+                          <a:cs typeface="+mn-cs"/>
+                        </a:rPr>
+                        <a:t>; j&gt;=gap &amp;&amp; </a:t>
+                      </a:r>
+                      <a:r>
+                        <a:rPr lang="en-US" altLang="ko-KR" sz="1200" b="1" kern="1200" dirty="0" err="1">
+                          <a:solidFill>
+                            <a:schemeClr val="tx1"/>
+                          </a:solidFill>
+                          <a:latin typeface="+mn-lt"/>
+                          <a:ea typeface="+mn-ea"/>
+                          <a:cs typeface="+mn-cs"/>
+                        </a:rPr>
+                        <a:t>arr</a:t>
+                      </a:r>
+                      <a:r>
+                        <a:rPr lang="en-US" altLang="ko-KR" sz="1200" b="1" kern="1200" dirty="0">
+                          <a:solidFill>
+                            <a:schemeClr val="tx1"/>
+                          </a:solidFill>
+                          <a:latin typeface="+mn-lt"/>
+                          <a:ea typeface="+mn-ea"/>
+                          <a:cs typeface="+mn-cs"/>
+                        </a:rPr>
+                        <a:t>[j-gap] &gt; key; j -=gap)</a:t>
+                      </a:r>
+                    </a:p>
+                    <a:p>
+                      <a:pPr marL="0" marR="0" lvl="0" indent="0" algn="l" defTabSz="914400" rtl="0" eaLnBrk="1" fontAlgn="base" latinLnBrk="1" hangingPunct="1">
+                        <a:lnSpc>
+                          <a:spcPct val="100000"/>
+                        </a:lnSpc>
+                        <a:spcBef>
+                          <a:spcPct val="0"/>
+                        </a:spcBef>
+                        <a:spcAft>
+                          <a:spcPct val="0"/>
+                        </a:spcAft>
+                        <a:buClrTx/>
+                        <a:buSzTx/>
+                        <a:buFontTx/>
+                        <a:buNone/>
+                        <a:tabLst/>
+                      </a:pPr>
+                      <a:r>
+                        <a:rPr lang="en-US" altLang="ko-KR" sz="1200" b="1" kern="1200" dirty="0">
+                          <a:solidFill>
+                            <a:schemeClr val="tx1"/>
+                          </a:solidFill>
+                          <a:latin typeface="+mn-lt"/>
+                          <a:ea typeface="+mn-ea"/>
+                          <a:cs typeface="+mn-cs"/>
+                        </a:rPr>
+                        <a:t>                </a:t>
+                      </a:r>
+                      <a:r>
+                        <a:rPr lang="en-US" altLang="ko-KR" sz="1200" b="1" kern="1200" dirty="0" err="1">
+                          <a:solidFill>
+                            <a:schemeClr val="tx1"/>
+                          </a:solidFill>
+                          <a:latin typeface="+mn-lt"/>
+                          <a:ea typeface="+mn-ea"/>
+                          <a:cs typeface="+mn-cs"/>
+                        </a:rPr>
+                        <a:t>arr</a:t>
+                      </a:r>
+                      <a:r>
+                        <a:rPr lang="en-US" altLang="ko-KR" sz="1200" b="1" kern="1200" dirty="0">
+                          <a:solidFill>
+                            <a:schemeClr val="tx1"/>
+                          </a:solidFill>
+                          <a:latin typeface="+mn-lt"/>
+                          <a:ea typeface="+mn-ea"/>
+                          <a:cs typeface="+mn-cs"/>
+                        </a:rPr>
+                        <a:t>[j] = </a:t>
+                      </a:r>
+                      <a:r>
+                        <a:rPr lang="en-US" altLang="ko-KR" sz="1200" b="1" kern="1200" dirty="0" err="1">
+                          <a:solidFill>
+                            <a:schemeClr val="tx1"/>
+                          </a:solidFill>
+                          <a:latin typeface="+mn-lt"/>
+                          <a:ea typeface="+mn-ea"/>
+                          <a:cs typeface="+mn-cs"/>
+                        </a:rPr>
+                        <a:t>arr</a:t>
+                      </a:r>
+                      <a:r>
+                        <a:rPr lang="en-US" altLang="ko-KR" sz="1200" b="1" kern="1200" dirty="0">
+                          <a:solidFill>
+                            <a:schemeClr val="tx1"/>
+                          </a:solidFill>
+                          <a:latin typeface="+mn-lt"/>
+                          <a:ea typeface="+mn-ea"/>
+                          <a:cs typeface="+mn-cs"/>
+                        </a:rPr>
+                        <a:t>[j-gap];</a:t>
+                      </a:r>
+                    </a:p>
+                    <a:p>
+                      <a:pPr marL="0" marR="0" lvl="0" indent="0" algn="l" defTabSz="914400" rtl="0" eaLnBrk="1" fontAlgn="base" latinLnBrk="1" hangingPunct="1">
+                        <a:lnSpc>
+                          <a:spcPct val="100000"/>
+                        </a:lnSpc>
+                        <a:spcBef>
+                          <a:spcPct val="0"/>
+                        </a:spcBef>
+                        <a:spcAft>
+                          <a:spcPct val="0"/>
+                        </a:spcAft>
+                        <a:buClrTx/>
+                        <a:buSzTx/>
+                        <a:buFontTx/>
+                        <a:buNone/>
+                        <a:tabLst/>
+                      </a:pPr>
+                      <a:r>
+                        <a:rPr lang="en-US" altLang="ko-KR" sz="1200" b="1" kern="1200" dirty="0">
+                          <a:solidFill>
+                            <a:schemeClr val="tx1"/>
+                          </a:solidFill>
+                          <a:latin typeface="+mn-lt"/>
+                          <a:ea typeface="+mn-ea"/>
+                          <a:cs typeface="+mn-cs"/>
+                        </a:rPr>
+                        <a:t>            </a:t>
+                      </a:r>
+                      <a:r>
+                        <a:rPr lang="en-US" altLang="ko-KR" sz="1200" b="1" kern="1200" dirty="0" err="1">
+                          <a:solidFill>
+                            <a:schemeClr val="tx1"/>
+                          </a:solidFill>
+                          <a:latin typeface="+mn-lt"/>
+                          <a:ea typeface="+mn-ea"/>
+                          <a:cs typeface="+mn-cs"/>
+                        </a:rPr>
+                        <a:t>arr</a:t>
+                      </a:r>
+                      <a:r>
+                        <a:rPr lang="en-US" altLang="ko-KR" sz="1200" b="1" kern="1200" dirty="0">
+                          <a:solidFill>
+                            <a:schemeClr val="tx1"/>
+                          </a:solidFill>
+                          <a:latin typeface="+mn-lt"/>
+                          <a:ea typeface="+mn-ea"/>
+                          <a:cs typeface="+mn-cs"/>
+                        </a:rPr>
+                        <a:t>[j]=key;</a:t>
+                      </a:r>
+                    </a:p>
+                    <a:p>
+                      <a:pPr marL="0" marR="0" lvl="0" indent="0" algn="l" defTabSz="914400" rtl="0" eaLnBrk="1" fontAlgn="base" latinLnBrk="1" hangingPunct="1">
+                        <a:lnSpc>
+                          <a:spcPct val="100000"/>
+                        </a:lnSpc>
+                        <a:spcBef>
+                          <a:spcPct val="0"/>
+                        </a:spcBef>
+                        <a:spcAft>
+                          <a:spcPct val="0"/>
+                        </a:spcAft>
+                        <a:buClrTx/>
+                        <a:buSzTx/>
+                        <a:buFontTx/>
+                        <a:buNone/>
+                        <a:tabLst/>
+                      </a:pPr>
+                      <a:r>
+                        <a:rPr lang="en-US" altLang="ko-KR" sz="1200" b="1" kern="1200" dirty="0">
+                          <a:solidFill>
+                            <a:schemeClr val="tx1"/>
+                          </a:solidFill>
+                          <a:latin typeface="+mn-lt"/>
+                          <a:ea typeface="+mn-ea"/>
+                          <a:cs typeface="+mn-cs"/>
+                        </a:rPr>
+                        <a:t>        }</a:t>
+                      </a:r>
+                    </a:p>
+                    <a:p>
+                      <a:pPr marL="0" marR="0" lvl="0" indent="0" algn="l" defTabSz="914400" rtl="0" eaLnBrk="1" fontAlgn="base" latinLnBrk="1" hangingPunct="1">
+                        <a:lnSpc>
+                          <a:spcPct val="100000"/>
+                        </a:lnSpc>
+                        <a:spcBef>
+                          <a:spcPct val="0"/>
+                        </a:spcBef>
+                        <a:spcAft>
+                          <a:spcPct val="0"/>
+                        </a:spcAft>
+                        <a:buClrTx/>
+                        <a:buSzTx/>
+                        <a:buFontTx/>
+                        <a:buNone/>
+                        <a:tabLst/>
+                      </a:pPr>
+                      <a:r>
+                        <a:rPr lang="en-US" altLang="ko-KR" sz="1200" b="1" kern="1200" dirty="0">
+                          <a:solidFill>
+                            <a:schemeClr val="tx1"/>
+                          </a:solidFill>
+                          <a:latin typeface="+mn-lt"/>
+                          <a:ea typeface="+mn-ea"/>
+                          <a:cs typeface="+mn-cs"/>
+                        </a:rPr>
+                        <a:t>    }</a:t>
+                      </a:r>
+                    </a:p>
+                    <a:p>
+                      <a:pPr marL="0" marR="0" lvl="0" indent="0" algn="l" defTabSz="914400" rtl="0" eaLnBrk="1" fontAlgn="base" latinLnBrk="1" hangingPunct="1">
+                        <a:lnSpc>
+                          <a:spcPct val="100000"/>
+                        </a:lnSpc>
+                        <a:spcBef>
+                          <a:spcPct val="0"/>
+                        </a:spcBef>
+                        <a:spcAft>
+                          <a:spcPct val="0"/>
+                        </a:spcAft>
+                        <a:buClrTx/>
+                        <a:buSzTx/>
+                        <a:buFontTx/>
+                        <a:buNone/>
+                        <a:tabLst/>
+                      </a:pPr>
+                      <a:r>
+                        <a:rPr lang="en-US" altLang="ko-KR" sz="1200" b="1" kern="1200" dirty="0">
+                          <a:solidFill>
+                            <a:schemeClr val="tx1"/>
+                          </a:solidFill>
+                          <a:latin typeface="+mn-lt"/>
+                          <a:ea typeface="+mn-ea"/>
+                          <a:cs typeface="+mn-cs"/>
+                        </a:rPr>
+                        <a:t>}</a:t>
+                      </a:r>
+                    </a:p>
+                  </a:txBody>
+                  <a:tcPr>
+                    <a:lnL w="28575" cap="flat" cmpd="sng" algn="ctr">
+                      <a:solidFill>
+                        <a:schemeClr val="tx1"/>
+                      </a:solidFill>
+                      <a:prstDash val="solid"/>
+                      <a:round/>
+                      <a:headEnd type="none" w="med" len="med"/>
+                      <a:tailEnd type="none" w="med" len="med"/>
+                    </a:lnL>
+                    <a:lnR w="28575" cap="flat" cmpd="sng" algn="ctr">
+                      <a:solidFill>
+                        <a:schemeClr val="tx1"/>
+                      </a:solidFill>
+                      <a:prstDash val="solid"/>
+                      <a:round/>
+                      <a:headEnd type="none" w="med" len="med"/>
+                      <a:tailEnd type="none" w="med" len="med"/>
+                    </a:lnR>
+                    <a:lnT w="28575" cap="flat" cmpd="sng" algn="ctr">
+                      <a:solidFill>
+                        <a:schemeClr val="tx1"/>
+                      </a:solidFill>
+                      <a:prstDash val="solid"/>
+                      <a:round/>
+                      <a:headEnd type="none" w="med" len="med"/>
+                      <a:tailEnd type="none" w="med" len="med"/>
+                    </a:lnT>
+                    <a:lnB w="28575" cap="flat" cmpd="sng" algn="ctr">
+                      <a:solidFill>
+                        <a:schemeClr val="tx1"/>
+                      </a:solidFill>
+                      <a:prstDash val="solid"/>
+                      <a:round/>
+                      <a:headEnd type="none" w="med" len="med"/>
+                      <a:tailEnd type="none" w="med" len="med"/>
+                    </a:lnB>
+                    <a:lnTlToBr w="12700" cmpd="sng">
+                      <a:noFill/>
+                      <a:prstDash val="solid"/>
+                    </a:lnTlToBr>
+                    <a:lnBlToTr w="12700" cmpd="sng">
+                      <a:noFill/>
+                      <a:prstDash val="solid"/>
+                    </a:lnBlToTr>
+                    <a:noFill/>
+                  </a:tcPr>
+                </a:tc>
+                <a:extLst>
+                  <a:ext uri="{0D108BD9-81ED-4DB2-BD59-A6C34878D82A}">
+                    <a16:rowId xmlns:a16="http://schemas.microsoft.com/office/drawing/2014/main" val="4126198778"/>
+                  </a:ext>
+                </a:extLst>
+              </a:tr>
+            </a:tbl>
+          </a:graphicData>
+        </a:graphic>
+      </p:graphicFrame>
+    </p:spTree>
+    <p:extLst>
+      <p:ext uri="{BB962C8B-B14F-4D97-AF65-F5344CB8AC3E}">
+        <p14:creationId xmlns:p14="http://schemas.microsoft.com/office/powerpoint/2010/main" val="1988418054"/>
+      </p:ext>
+    </p:extLst>
+  </p:cSld>
+  <p:clrMapOvr>
+    <a:masterClrMapping/>
+  </p:clrMapOvr>
+</p:sld>
+</file>
+
 <file path=ppt/theme/theme1.xml><?xml version="1.0" encoding="utf-8"?>
 <a:theme xmlns:a="http://schemas.openxmlformats.org/drawingml/2006/main" name="Office 테마">
   <a:themeElements>
